--- a/lesson 6/Lesson_6.pptx
+++ b/lesson 6/Lesson_6.pptx
@@ -12,9 +12,9 @@
     <p:sldId id="258" r:id="rId3"/>
     <p:sldId id="282" r:id="rId4"/>
     <p:sldId id="283" r:id="rId5"/>
-    <p:sldId id="284" r:id="rId6"/>
-    <p:sldId id="285" r:id="rId7"/>
-    <p:sldId id="287" r:id="rId8"/>
+    <p:sldId id="285" r:id="rId6"/>
+    <p:sldId id="287" r:id="rId7"/>
+    <p:sldId id="284" r:id="rId8"/>
     <p:sldId id="288" r:id="rId9"/>
     <p:sldId id="286" r:id="rId10"/>
     <p:sldId id="266" r:id="rId11"/>
@@ -141,7 +141,7 @@
     <p1510:client id="{58A5EECA-69F4-A2C6-FD0E-DB58BAABE3E1}" v="170" dt="2021-12-08T11:52:11.015"/>
     <p1510:client id="{8D6854E7-4F17-FE40-59D2-55336647B245}" v="392" dt="2021-12-08T17:31:06.388"/>
     <p1510:client id="{9BFC776D-9240-A62B-7277-02C9E30D22CA}" v="479" dt="2021-12-08T17:59:18.181"/>
-    <p1510:client id="{C733B43C-8935-45B6-8711-BAAEEB00F0CD}" v="1767" dt="2021-12-15T07:40:47.776"/>
+    <p1510:client id="{C733B43C-8935-45B6-8711-BAAEEB00F0CD}" v="1775" dt="2021-12-15T08:02:42.161"/>
     <p1510:client id="{C89ACF45-C2F8-E76F-58EF-8272F11558CB}" v="235" dt="2021-12-02T10:05:05.975"/>
     <p1510:client id="{E143B352-6C6B-8238-531D-573B4674CE9C}" v="2349" dt="2021-12-07T09:23:16.743"/>
   </p1510:revLst>
@@ -14016,6 +14016,1804 @@
               <a:rPr lang="en-US" sz="2400" b="1" dirty="0" err="1">
                 <a:cs typeface="Calibri"/>
               </a:rPr>
+              <a:t>Кортеж</a:t>
+            </a:r>
+            <a:endParaRPr lang="en-US" dirty="0" err="1"/>
+          </a:p>
+        </p:txBody>
+      </p:sp>
+      <p:sp>
+        <p:nvSpPr>
+          <p:cNvPr id="4" name="TextBox 3">
+            <a:extLst>
+              <a:ext uri="{FF2B5EF4-FFF2-40B4-BE49-F238E27FC236}">
+                <a16:creationId xmlns:a16="http://schemas.microsoft.com/office/drawing/2014/main" id="{7975019D-68F9-4491-8ACA-091B8AB3002E}"/>
+              </a:ext>
+            </a:extLst>
+          </p:cNvPr>
+          <p:cNvSpPr txBox="1"/>
+          <p:nvPr/>
+        </p:nvSpPr>
+        <p:spPr>
+          <a:xfrm>
+            <a:off x="1253427" y="5274129"/>
+            <a:ext cx="9006154" cy="1200329"/>
+          </a:xfrm>
+          <a:prstGeom prst="rect">
+            <a:avLst/>
+          </a:prstGeom>
+          <a:noFill/>
+        </p:spPr>
+        <p:txBody>
+          <a:bodyPr rot="0" spcFirstLastPara="0" vertOverflow="overflow" horzOverflow="overflow" vert="horz" wrap="square" lIns="91440" tIns="45720" rIns="91440" bIns="45720" numCol="1" spcCol="0" rtlCol="0" fromWordArt="0" anchor="t" anchorCtr="0" forceAA="0" compatLnSpc="1">
+            <a:prstTxWarp prst="textNoShape">
+              <a:avLst/>
+            </a:prstTxWarp>
+            <a:spAutoFit/>
+          </a:bodyPr>
+          <a:lstStyle/>
+          <a:p>
+            <a:r>
+              <a:rPr lang="en-US" b="1" dirty="0" err="1">
+                <a:solidFill>
+                  <a:srgbClr val="FF6C3A"/>
+                </a:solidFill>
+                <a:ea typeface="+mn-lt"/>
+                <a:cs typeface="+mn-lt"/>
+              </a:rPr>
+              <a:t>Кортежи</a:t>
+            </a:r>
+            <a:r>
+              <a:rPr lang="en-US" b="1" dirty="0">
+                <a:solidFill>
+                  <a:srgbClr val="FF6C3A"/>
+                </a:solidFill>
+                <a:ea typeface="+mn-lt"/>
+                <a:cs typeface="+mn-lt"/>
+              </a:rPr>
+              <a:t> </a:t>
+            </a:r>
+            <a:r>
+              <a:rPr lang="en-US" dirty="0" err="1">
+                <a:ea typeface="+mn-lt"/>
+                <a:cs typeface="+mn-lt"/>
+              </a:rPr>
+              <a:t>служат</a:t>
+            </a:r>
+            <a:r>
+              <a:rPr lang="en-US" dirty="0">
+                <a:ea typeface="+mn-lt"/>
+                <a:cs typeface="+mn-lt"/>
+              </a:rPr>
+              <a:t> </a:t>
+            </a:r>
+            <a:r>
+              <a:rPr lang="en-US" dirty="0" err="1">
+                <a:ea typeface="+mn-lt"/>
+                <a:cs typeface="+mn-lt"/>
+              </a:rPr>
+              <a:t>для</a:t>
+            </a:r>
+            <a:r>
+              <a:rPr lang="en-US" dirty="0">
+                <a:ea typeface="+mn-lt"/>
+                <a:cs typeface="+mn-lt"/>
+              </a:rPr>
+              <a:t> </a:t>
+            </a:r>
+            <a:r>
+              <a:rPr lang="en-US" dirty="0" err="1">
+                <a:ea typeface="+mn-lt"/>
+                <a:cs typeface="+mn-lt"/>
+              </a:rPr>
+              <a:t>хранения</a:t>
+            </a:r>
+            <a:r>
+              <a:rPr lang="en-US" dirty="0">
+                <a:ea typeface="+mn-lt"/>
+                <a:cs typeface="+mn-lt"/>
+              </a:rPr>
+              <a:t> </a:t>
+            </a:r>
+            <a:r>
+              <a:rPr lang="en-US" dirty="0" err="1">
+                <a:ea typeface="+mn-lt"/>
+                <a:cs typeface="+mn-lt"/>
+              </a:rPr>
+              <a:t>нескольких</a:t>
+            </a:r>
+            <a:r>
+              <a:rPr lang="en-US" dirty="0">
+                <a:ea typeface="+mn-lt"/>
+                <a:cs typeface="+mn-lt"/>
+              </a:rPr>
+              <a:t> </a:t>
+            </a:r>
+            <a:r>
+              <a:rPr lang="en-US" dirty="0" err="1">
+                <a:ea typeface="+mn-lt"/>
+                <a:cs typeface="+mn-lt"/>
+              </a:rPr>
+              <a:t>объектов</a:t>
+            </a:r>
+            <a:r>
+              <a:rPr lang="en-US" dirty="0">
+                <a:ea typeface="+mn-lt"/>
+                <a:cs typeface="+mn-lt"/>
+              </a:rPr>
+              <a:t> </a:t>
+            </a:r>
+            <a:r>
+              <a:rPr lang="en-US" dirty="0" err="1">
+                <a:ea typeface="+mn-lt"/>
+                <a:cs typeface="+mn-lt"/>
+              </a:rPr>
+              <a:t>вместе</a:t>
+            </a:r>
+            <a:r>
+              <a:rPr lang="en-US" dirty="0">
+                <a:ea typeface="+mn-lt"/>
+                <a:cs typeface="+mn-lt"/>
+              </a:rPr>
+              <a:t>. </a:t>
+            </a:r>
+            <a:r>
+              <a:rPr lang="en-US" dirty="0" err="1">
+                <a:ea typeface="+mn-lt"/>
+                <a:cs typeface="+mn-lt"/>
+              </a:rPr>
+              <a:t>Одна</a:t>
+            </a:r>
+            <a:r>
+              <a:rPr lang="en-US" dirty="0">
+                <a:ea typeface="+mn-lt"/>
+                <a:cs typeface="+mn-lt"/>
+              </a:rPr>
+              <a:t> </a:t>
+            </a:r>
+            <a:r>
+              <a:rPr lang="en-US" dirty="0" err="1">
+                <a:ea typeface="+mn-lt"/>
+                <a:cs typeface="+mn-lt"/>
+              </a:rPr>
+              <a:t>из</a:t>
+            </a:r>
+            <a:r>
+              <a:rPr lang="en-US" dirty="0">
+                <a:ea typeface="+mn-lt"/>
+                <a:cs typeface="+mn-lt"/>
+              </a:rPr>
+              <a:t> </a:t>
+            </a:r>
+            <a:r>
+              <a:rPr lang="en-US" dirty="0" err="1">
+                <a:ea typeface="+mn-lt"/>
+                <a:cs typeface="+mn-lt"/>
+              </a:rPr>
+              <a:t>важнейших</a:t>
+            </a:r>
+            <a:r>
+              <a:rPr lang="en-US" dirty="0">
+                <a:ea typeface="+mn-lt"/>
+                <a:cs typeface="+mn-lt"/>
+              </a:rPr>
+              <a:t> </a:t>
+            </a:r>
+            <a:r>
+              <a:rPr lang="en-US" dirty="0" err="1">
+                <a:ea typeface="+mn-lt"/>
+                <a:cs typeface="+mn-lt"/>
+              </a:rPr>
+              <a:t>особенностей</a:t>
+            </a:r>
+            <a:r>
+              <a:rPr lang="en-US" dirty="0">
+                <a:ea typeface="+mn-lt"/>
+                <a:cs typeface="+mn-lt"/>
+              </a:rPr>
+              <a:t> </a:t>
+            </a:r>
+            <a:r>
+              <a:rPr lang="en-US" dirty="0" err="1">
+                <a:ea typeface="+mn-lt"/>
+                <a:cs typeface="+mn-lt"/>
+              </a:rPr>
+              <a:t>кортежей</a:t>
+            </a:r>
+            <a:r>
+              <a:rPr lang="en-US" dirty="0">
+                <a:ea typeface="+mn-lt"/>
+                <a:cs typeface="+mn-lt"/>
+              </a:rPr>
+              <a:t> </a:t>
+            </a:r>
+            <a:r>
+              <a:rPr lang="en-US" dirty="0" err="1">
+                <a:ea typeface="+mn-lt"/>
+                <a:cs typeface="+mn-lt"/>
+              </a:rPr>
+              <a:t>заключается</a:t>
+            </a:r>
+            <a:r>
+              <a:rPr lang="en-US" dirty="0">
+                <a:ea typeface="+mn-lt"/>
+                <a:cs typeface="+mn-lt"/>
+              </a:rPr>
+              <a:t> в </a:t>
+            </a:r>
+            <a:r>
+              <a:rPr lang="en-US" dirty="0" err="1">
+                <a:ea typeface="+mn-lt"/>
+                <a:cs typeface="+mn-lt"/>
+              </a:rPr>
+              <a:t>том</a:t>
+            </a:r>
+            <a:r>
+              <a:rPr lang="en-US" dirty="0">
+                <a:ea typeface="+mn-lt"/>
+                <a:cs typeface="+mn-lt"/>
+              </a:rPr>
+              <a:t>, </a:t>
+            </a:r>
+            <a:r>
+              <a:rPr lang="en-US" dirty="0" err="1">
+                <a:ea typeface="+mn-lt"/>
+                <a:cs typeface="+mn-lt"/>
+              </a:rPr>
+              <a:t>что</a:t>
+            </a:r>
+            <a:r>
+              <a:rPr lang="en-US" dirty="0">
+                <a:ea typeface="+mn-lt"/>
+                <a:cs typeface="+mn-lt"/>
+              </a:rPr>
+              <a:t> </a:t>
+            </a:r>
+            <a:r>
+              <a:rPr lang="en-US" dirty="0" err="1">
+                <a:ea typeface="+mn-lt"/>
+                <a:cs typeface="+mn-lt"/>
+              </a:rPr>
+              <a:t>они</a:t>
+            </a:r>
+            <a:r>
+              <a:rPr lang="en-US" dirty="0">
+                <a:ea typeface="+mn-lt"/>
+                <a:cs typeface="+mn-lt"/>
+              </a:rPr>
+              <a:t> </a:t>
+            </a:r>
+            <a:r>
+              <a:rPr lang="en-US" b="1" dirty="0" err="1">
+                <a:solidFill>
+                  <a:srgbClr val="FF6C3A"/>
+                </a:solidFill>
+                <a:ea typeface="+mn-lt"/>
+                <a:cs typeface="+mn-lt"/>
+              </a:rPr>
+              <a:t>неизменяемы</a:t>
+            </a:r>
+            <a:r>
+              <a:rPr lang="en-US" dirty="0">
+                <a:ea typeface="+mn-lt"/>
+                <a:cs typeface="+mn-lt"/>
+              </a:rPr>
+              <a:t>, </a:t>
+            </a:r>
+            <a:r>
+              <a:rPr lang="en-US" dirty="0" err="1">
+                <a:ea typeface="+mn-lt"/>
+                <a:cs typeface="+mn-lt"/>
+              </a:rPr>
+              <a:t>так</a:t>
+            </a:r>
+            <a:r>
+              <a:rPr lang="en-US" dirty="0">
+                <a:ea typeface="+mn-lt"/>
+                <a:cs typeface="+mn-lt"/>
+              </a:rPr>
+              <a:t> </a:t>
+            </a:r>
+            <a:r>
+              <a:rPr lang="en-US" dirty="0" err="1">
+                <a:ea typeface="+mn-lt"/>
+                <a:cs typeface="+mn-lt"/>
+              </a:rPr>
+              <a:t>же</a:t>
+            </a:r>
+            <a:r>
+              <a:rPr lang="en-US" dirty="0">
+                <a:ea typeface="+mn-lt"/>
+                <a:cs typeface="+mn-lt"/>
+              </a:rPr>
+              <a:t>, </a:t>
+            </a:r>
+            <a:r>
+              <a:rPr lang="en-US" dirty="0" err="1">
+                <a:ea typeface="+mn-lt"/>
+                <a:cs typeface="+mn-lt"/>
+              </a:rPr>
+              <a:t>как</a:t>
+            </a:r>
+            <a:r>
+              <a:rPr lang="en-US" dirty="0">
+                <a:ea typeface="+mn-lt"/>
+                <a:cs typeface="+mn-lt"/>
+              </a:rPr>
+              <a:t> и </a:t>
+            </a:r>
+            <a:r>
+              <a:rPr lang="en-US" dirty="0" err="1">
+                <a:ea typeface="+mn-lt"/>
+                <a:cs typeface="+mn-lt"/>
+              </a:rPr>
+              <a:t>строки</a:t>
+            </a:r>
+            <a:r>
+              <a:rPr lang="en-US" dirty="0">
+                <a:ea typeface="+mn-lt"/>
+                <a:cs typeface="+mn-lt"/>
+              </a:rPr>
+              <a:t>. </a:t>
+            </a:r>
+            <a:r>
+              <a:rPr lang="en-US" dirty="0" err="1">
+                <a:ea typeface="+mn-lt"/>
+                <a:cs typeface="+mn-lt"/>
+              </a:rPr>
+              <a:t>Т.е</a:t>
+            </a:r>
+            <a:r>
+              <a:rPr lang="en-US" dirty="0">
+                <a:ea typeface="+mn-lt"/>
+                <a:cs typeface="+mn-lt"/>
+              </a:rPr>
+              <a:t>. </a:t>
+            </a:r>
+            <a:r>
+              <a:rPr lang="en-US" dirty="0" err="1">
+                <a:ea typeface="+mn-lt"/>
+                <a:cs typeface="+mn-lt"/>
+              </a:rPr>
+              <a:t>модифицировать</a:t>
+            </a:r>
+            <a:r>
+              <a:rPr lang="en-US" dirty="0">
+                <a:ea typeface="+mn-lt"/>
+                <a:cs typeface="+mn-lt"/>
+              </a:rPr>
+              <a:t> </a:t>
+            </a:r>
+            <a:r>
+              <a:rPr lang="en-US" dirty="0" err="1">
+                <a:ea typeface="+mn-lt"/>
+                <a:cs typeface="+mn-lt"/>
+              </a:rPr>
+              <a:t>кортежи</a:t>
+            </a:r>
+            <a:r>
+              <a:rPr lang="en-US" dirty="0">
+                <a:ea typeface="+mn-lt"/>
+                <a:cs typeface="+mn-lt"/>
+              </a:rPr>
+              <a:t> </a:t>
+            </a:r>
+            <a:r>
+              <a:rPr lang="en-US" dirty="0" err="1">
+                <a:ea typeface="+mn-lt"/>
+                <a:cs typeface="+mn-lt"/>
+              </a:rPr>
+              <a:t>невозможно</a:t>
+            </a:r>
+            <a:r>
+              <a:rPr lang="en-US" dirty="0">
+                <a:ea typeface="+mn-lt"/>
+                <a:cs typeface="+mn-lt"/>
+              </a:rPr>
+              <a:t>.</a:t>
+            </a:r>
+            <a:br>
+              <a:rPr lang="en-US" dirty="0"/>
+            </a:br>
+            <a:endParaRPr lang="en-US">
+              <a:cs typeface="Calibri"/>
+            </a:endParaRPr>
+          </a:p>
+        </p:txBody>
+      </p:sp>
+      <p:pic>
+        <p:nvPicPr>
+          <p:cNvPr id="3" name="Picture 5">
+            <a:extLst>
+              <a:ext uri="{FF2B5EF4-FFF2-40B4-BE49-F238E27FC236}">
+                <a16:creationId xmlns:a16="http://schemas.microsoft.com/office/drawing/2014/main" id="{42EA3EC2-6CAD-420F-AFF8-FABA3E17C966}"/>
+              </a:ext>
+            </a:extLst>
+          </p:cNvPr>
+          <p:cNvPicPr>
+            <a:picLocks noChangeAspect="1"/>
+          </p:cNvPicPr>
+          <p:nvPr/>
+        </p:nvPicPr>
+        <p:blipFill>
+          <a:blip r:embed="rId2"/>
+          <a:stretch>
+            <a:fillRect/>
+          </a:stretch>
+        </p:blipFill>
+        <p:spPr>
+          <a:xfrm>
+            <a:off x="3442010" y="1282158"/>
+            <a:ext cx="5094248" cy="2862610"/>
+          </a:xfrm>
+          <a:prstGeom prst="rect">
+            <a:avLst/>
+          </a:prstGeom>
+        </p:spPr>
+      </p:pic>
+    </p:spTree>
+    <p:extLst>
+      <p:ext uri="{BB962C8B-B14F-4D97-AF65-F5344CB8AC3E}">
+        <p14:creationId xmlns:p14="http://schemas.microsoft.com/office/powerpoint/2010/main" val="2884253150"/>
+      </p:ext>
+    </p:extLst>
+  </p:cSld>
+  <p:clrMapOvr>
+    <a:masterClrMapping/>
+  </p:clrMapOvr>
+</p:sld>
+</file>
+
+<file path=ppt/slides/slide6.xml><?xml version="1.0" encoding="utf-8"?>
+<p:sld xmlns:a="http://schemas.openxmlformats.org/drawingml/2006/main" xmlns:r="http://schemas.openxmlformats.org/officeDocument/2006/relationships" xmlns:p="http://schemas.openxmlformats.org/presentationml/2006/main">
+  <p:cSld>
+    <p:spTree>
+      <p:nvGrpSpPr>
+        <p:cNvPr id="1" name=""/>
+        <p:cNvGrpSpPr/>
+        <p:nvPr/>
+      </p:nvGrpSpPr>
+      <p:grpSpPr>
+        <a:xfrm>
+          <a:off x="0" y="0"/>
+          <a:ext cx="0" cy="0"/>
+          <a:chOff x="0" y="0"/>
+          <a:chExt cx="0" cy="0"/>
+        </a:xfrm>
+      </p:grpSpPr>
+      <p:sp>
+        <p:nvSpPr>
+          <p:cNvPr id="5" name="TextBox 1">
+            <a:extLst>
+              <a:ext uri="{FF2B5EF4-FFF2-40B4-BE49-F238E27FC236}">
+                <a16:creationId xmlns:a16="http://schemas.microsoft.com/office/drawing/2014/main" id="{5080A0D0-CC8F-4CB8-8197-2F50804F40F7}"/>
+              </a:ext>
+            </a:extLst>
+          </p:cNvPr>
+          <p:cNvSpPr txBox="1"/>
+          <p:nvPr/>
+        </p:nvSpPr>
+        <p:spPr>
+          <a:xfrm>
+            <a:off x="4677526" y="213944"/>
+            <a:ext cx="3332727" cy="461665"/>
+          </a:xfrm>
+          <a:prstGeom prst="rect">
+            <a:avLst/>
+          </a:prstGeom>
+          <a:noFill/>
+        </p:spPr>
+        <p:txBody>
+          <a:bodyPr rot="0" spcFirstLastPara="0" vert="horz" wrap="square" lIns="91440" tIns="45720" rIns="91440" bIns="45720" numCol="1" spcCol="0" rtlCol="0" fromWordArt="0" anchor="t" anchorCtr="0" forceAA="0" compatLnSpc="1">
+            <a:prstTxWarp prst="textNoShape">
+              <a:avLst/>
+            </a:prstTxWarp>
+            <a:spAutoFit/>
+          </a:bodyPr>
+          <a:lstStyle>
+            <a:defPPr>
+              <a:defRPr lang="ru-RU"/>
+            </a:defPPr>
+            <a:lvl1pPr marL="0" algn="l" defTabSz="914400" rtl="0" eaLnBrk="1" latinLnBrk="0" hangingPunct="1">
+              <a:defRPr sz="1800" kern="1200">
+                <a:solidFill>
+                  <a:schemeClr val="tx1"/>
+                </a:solidFill>
+                <a:latin typeface="+mn-lt"/>
+                <a:ea typeface="+mn-ea"/>
+                <a:cs typeface="+mn-cs"/>
+              </a:defRPr>
+            </a:lvl1pPr>
+            <a:lvl2pPr marL="457200" algn="l" defTabSz="914400" rtl="0" eaLnBrk="1" latinLnBrk="0" hangingPunct="1">
+              <a:defRPr sz="1800" kern="1200">
+                <a:solidFill>
+                  <a:schemeClr val="tx1"/>
+                </a:solidFill>
+                <a:latin typeface="+mn-lt"/>
+                <a:ea typeface="+mn-ea"/>
+                <a:cs typeface="+mn-cs"/>
+              </a:defRPr>
+            </a:lvl2pPr>
+            <a:lvl3pPr marL="914400" algn="l" defTabSz="914400" rtl="0" eaLnBrk="1" latinLnBrk="0" hangingPunct="1">
+              <a:defRPr sz="1800" kern="1200">
+                <a:solidFill>
+                  <a:schemeClr val="tx1"/>
+                </a:solidFill>
+                <a:latin typeface="+mn-lt"/>
+                <a:ea typeface="+mn-ea"/>
+                <a:cs typeface="+mn-cs"/>
+              </a:defRPr>
+            </a:lvl3pPr>
+            <a:lvl4pPr marL="1371600" algn="l" defTabSz="914400" rtl="0" eaLnBrk="1" latinLnBrk="0" hangingPunct="1">
+              <a:defRPr sz="1800" kern="1200">
+                <a:solidFill>
+                  <a:schemeClr val="tx1"/>
+                </a:solidFill>
+                <a:latin typeface="+mn-lt"/>
+                <a:ea typeface="+mn-ea"/>
+                <a:cs typeface="+mn-cs"/>
+              </a:defRPr>
+            </a:lvl4pPr>
+            <a:lvl5pPr marL="1828800" algn="l" defTabSz="914400" rtl="0" eaLnBrk="1" latinLnBrk="0" hangingPunct="1">
+              <a:defRPr sz="1800" kern="1200">
+                <a:solidFill>
+                  <a:schemeClr val="tx1"/>
+                </a:solidFill>
+                <a:latin typeface="+mn-lt"/>
+                <a:ea typeface="+mn-ea"/>
+                <a:cs typeface="+mn-cs"/>
+              </a:defRPr>
+            </a:lvl5pPr>
+            <a:lvl6pPr marL="2286000" algn="l" defTabSz="914400" rtl="0" eaLnBrk="1" latinLnBrk="0" hangingPunct="1">
+              <a:defRPr sz="1800" kern="1200">
+                <a:solidFill>
+                  <a:schemeClr val="tx1"/>
+                </a:solidFill>
+                <a:latin typeface="+mn-lt"/>
+                <a:ea typeface="+mn-ea"/>
+                <a:cs typeface="+mn-cs"/>
+              </a:defRPr>
+            </a:lvl6pPr>
+            <a:lvl7pPr marL="2743200" algn="l" defTabSz="914400" rtl="0" eaLnBrk="1" latinLnBrk="0" hangingPunct="1">
+              <a:defRPr sz="1800" kern="1200">
+                <a:solidFill>
+                  <a:schemeClr val="tx1"/>
+                </a:solidFill>
+                <a:latin typeface="+mn-lt"/>
+                <a:ea typeface="+mn-ea"/>
+                <a:cs typeface="+mn-cs"/>
+              </a:defRPr>
+            </a:lvl7pPr>
+            <a:lvl8pPr marL="3200400" algn="l" defTabSz="914400" rtl="0" eaLnBrk="1" latinLnBrk="0" hangingPunct="1">
+              <a:defRPr sz="1800" kern="1200">
+                <a:solidFill>
+                  <a:schemeClr val="tx1"/>
+                </a:solidFill>
+                <a:latin typeface="+mn-lt"/>
+                <a:ea typeface="+mn-ea"/>
+                <a:cs typeface="+mn-cs"/>
+              </a:defRPr>
+            </a:lvl8pPr>
+            <a:lvl9pPr marL="3657600" algn="l" defTabSz="914400" rtl="0" eaLnBrk="1" latinLnBrk="0" hangingPunct="1">
+              <a:defRPr sz="1800" kern="1200">
+                <a:solidFill>
+                  <a:schemeClr val="tx1"/>
+                </a:solidFill>
+                <a:latin typeface="+mn-lt"/>
+                <a:ea typeface="+mn-ea"/>
+                <a:cs typeface="+mn-cs"/>
+              </a:defRPr>
+            </a:lvl9pPr>
+          </a:lstStyle>
+          <a:p>
+            <a:r>
+              <a:rPr lang="en-US" sz="2400" b="1" dirty="0" err="1">
+                <a:cs typeface="Calibri"/>
+              </a:rPr>
+              <a:t>Последовательности</a:t>
+            </a:r>
+            <a:endParaRPr lang="en-US" dirty="0" err="1"/>
+          </a:p>
+        </p:txBody>
+      </p:sp>
+      <p:sp>
+        <p:nvSpPr>
+          <p:cNvPr id="4" name="TextBox 3">
+            <a:extLst>
+              <a:ext uri="{FF2B5EF4-FFF2-40B4-BE49-F238E27FC236}">
+                <a16:creationId xmlns:a16="http://schemas.microsoft.com/office/drawing/2014/main" id="{7975019D-68F9-4491-8ACA-091B8AB3002E}"/>
+              </a:ext>
+            </a:extLst>
+          </p:cNvPr>
+          <p:cNvSpPr txBox="1"/>
+          <p:nvPr/>
+        </p:nvSpPr>
+        <p:spPr>
+          <a:xfrm>
+            <a:off x="398500" y="5617957"/>
+            <a:ext cx="11292154" cy="923330"/>
+          </a:xfrm>
+          <a:prstGeom prst="rect">
+            <a:avLst/>
+          </a:prstGeom>
+          <a:noFill/>
+        </p:spPr>
+        <p:txBody>
+          <a:bodyPr rot="0" spcFirstLastPara="0" vertOverflow="overflow" horzOverflow="overflow" vert="horz" wrap="square" lIns="91440" tIns="45720" rIns="91440" bIns="45720" numCol="1" spcCol="0" rtlCol="0" fromWordArt="0" anchor="t" anchorCtr="0" forceAA="0" compatLnSpc="1">
+            <a:prstTxWarp prst="textNoShape">
+              <a:avLst/>
+            </a:prstTxWarp>
+            <a:spAutoFit/>
+          </a:bodyPr>
+          <a:lstStyle/>
+          <a:p>
+            <a:pPr algn="ctr"/>
+            <a:r>
+              <a:rPr lang="en-US" dirty="0">
+                <a:ea typeface="+mn-lt"/>
+                <a:cs typeface="+mn-lt"/>
+              </a:rPr>
+              <a:t> </a:t>
+            </a:r>
+            <a:r>
+              <a:rPr lang="en-US" err="1">
+                <a:ea typeface="+mn-lt"/>
+                <a:cs typeface="+mn-lt"/>
+              </a:rPr>
+              <a:t>Основные</a:t>
+            </a:r>
+            <a:r>
+              <a:rPr lang="en-US" dirty="0">
+                <a:ea typeface="+mn-lt"/>
+                <a:cs typeface="+mn-lt"/>
+              </a:rPr>
+              <a:t> </a:t>
+            </a:r>
+            <a:r>
+              <a:rPr lang="en-US" err="1">
+                <a:ea typeface="+mn-lt"/>
+                <a:cs typeface="+mn-lt"/>
+              </a:rPr>
+              <a:t>возможности</a:t>
+            </a:r>
+            <a:r>
+              <a:rPr lang="en-US" dirty="0">
+                <a:ea typeface="+mn-lt"/>
+                <a:cs typeface="+mn-lt"/>
+              </a:rPr>
+              <a:t> – </a:t>
+            </a:r>
+            <a:r>
+              <a:rPr lang="en-US" err="1">
+                <a:ea typeface="+mn-lt"/>
+                <a:cs typeface="+mn-lt"/>
+              </a:rPr>
+              <a:t>это</a:t>
+            </a:r>
+            <a:r>
+              <a:rPr lang="en-US" dirty="0">
+                <a:ea typeface="+mn-lt"/>
+                <a:cs typeface="+mn-lt"/>
+              </a:rPr>
+              <a:t> </a:t>
+            </a:r>
+            <a:r>
+              <a:rPr lang="en-US" b="1" err="1">
+                <a:solidFill>
+                  <a:srgbClr val="FF6C3A"/>
+                </a:solidFill>
+                <a:ea typeface="+mn-lt"/>
+                <a:cs typeface="+mn-lt"/>
+              </a:rPr>
+              <a:t>проверка</a:t>
+            </a:r>
+            <a:r>
+              <a:rPr lang="en-US" b="1" dirty="0">
+                <a:solidFill>
+                  <a:srgbClr val="FF6C3A"/>
+                </a:solidFill>
+                <a:ea typeface="+mn-lt"/>
+                <a:cs typeface="+mn-lt"/>
+              </a:rPr>
+              <a:t> </a:t>
+            </a:r>
+            <a:r>
+              <a:rPr lang="en-US" b="1" err="1">
+                <a:solidFill>
+                  <a:srgbClr val="FF6C3A"/>
+                </a:solidFill>
+                <a:ea typeface="+mn-lt"/>
+                <a:cs typeface="+mn-lt"/>
+              </a:rPr>
+              <a:t>принадлежности</a:t>
+            </a:r>
+            <a:r>
+              <a:rPr lang="en-US" b="1" dirty="0">
+                <a:solidFill>
+                  <a:srgbClr val="FF6C3A"/>
+                </a:solidFill>
+                <a:ea typeface="+mn-lt"/>
+                <a:cs typeface="+mn-lt"/>
+              </a:rPr>
+              <a:t> </a:t>
+            </a:r>
+            <a:r>
+              <a:rPr lang="en-US" dirty="0">
+                <a:ea typeface="+mn-lt"/>
+                <a:cs typeface="+mn-lt"/>
+              </a:rPr>
+              <a:t>(</a:t>
+            </a:r>
+            <a:r>
+              <a:rPr lang="en-US" err="1">
+                <a:ea typeface="+mn-lt"/>
+                <a:cs typeface="+mn-lt"/>
+              </a:rPr>
+              <a:t>т.е</a:t>
+            </a:r>
+            <a:r>
+              <a:rPr lang="en-US" dirty="0">
+                <a:ea typeface="+mn-lt"/>
+                <a:cs typeface="+mn-lt"/>
+              </a:rPr>
+              <a:t>. </a:t>
+            </a:r>
+            <a:r>
+              <a:rPr lang="en-US" err="1">
+                <a:ea typeface="+mn-lt"/>
+                <a:cs typeface="+mn-lt"/>
+              </a:rPr>
+              <a:t>выражения</a:t>
+            </a:r>
+            <a:r>
+              <a:rPr lang="en-US" dirty="0">
+                <a:ea typeface="+mn-lt"/>
+                <a:cs typeface="+mn-lt"/>
+              </a:rPr>
+              <a:t> « in » и « not</a:t>
+            </a:r>
+          </a:p>
+          <a:p>
+            <a:pPr algn="ctr"/>
+            <a:r>
+              <a:rPr lang="en-US" dirty="0">
+                <a:ea typeface="+mn-lt"/>
+                <a:cs typeface="+mn-lt"/>
+              </a:rPr>
+              <a:t>in ») и </a:t>
+            </a:r>
+            <a:r>
+              <a:rPr lang="en-US" b="1" dirty="0" err="1">
+                <a:solidFill>
+                  <a:srgbClr val="FF6C3A"/>
+                </a:solidFill>
+                <a:ea typeface="+mn-lt"/>
+                <a:cs typeface="+mn-lt"/>
+              </a:rPr>
+              <a:t>оператор</a:t>
+            </a:r>
+            <a:r>
+              <a:rPr lang="en-US" b="1" dirty="0">
+                <a:solidFill>
+                  <a:srgbClr val="FF6C3A"/>
+                </a:solidFill>
+                <a:ea typeface="+mn-lt"/>
+                <a:cs typeface="+mn-lt"/>
+              </a:rPr>
+              <a:t> </a:t>
+            </a:r>
+            <a:r>
+              <a:rPr lang="en-US" b="1" dirty="0" err="1">
+                <a:solidFill>
+                  <a:srgbClr val="FF6C3A"/>
+                </a:solidFill>
+                <a:ea typeface="+mn-lt"/>
+                <a:cs typeface="+mn-lt"/>
+              </a:rPr>
+              <a:t>индексирования</a:t>
+            </a:r>
+            <a:r>
+              <a:rPr lang="en-US" dirty="0">
+                <a:ea typeface="+mn-lt"/>
+                <a:cs typeface="+mn-lt"/>
+              </a:rPr>
+              <a:t>, </a:t>
+            </a:r>
+            <a:r>
+              <a:rPr lang="en-US" dirty="0" err="1">
+                <a:ea typeface="+mn-lt"/>
+                <a:cs typeface="+mn-lt"/>
+              </a:rPr>
+              <a:t>позволяющий</a:t>
+            </a:r>
+            <a:r>
+              <a:rPr lang="en-US" dirty="0">
+                <a:ea typeface="+mn-lt"/>
+                <a:cs typeface="+mn-lt"/>
+              </a:rPr>
+              <a:t> </a:t>
+            </a:r>
+            <a:r>
+              <a:rPr lang="en-US" dirty="0" err="1">
+                <a:ea typeface="+mn-lt"/>
+                <a:cs typeface="+mn-lt"/>
+              </a:rPr>
+              <a:t>получить</a:t>
+            </a:r>
+            <a:r>
+              <a:rPr lang="en-US" dirty="0">
+                <a:ea typeface="+mn-lt"/>
+                <a:cs typeface="+mn-lt"/>
+              </a:rPr>
+              <a:t> </a:t>
+            </a:r>
+            <a:r>
+              <a:rPr lang="en-US" dirty="0" err="1">
+                <a:ea typeface="+mn-lt"/>
+                <a:cs typeface="+mn-lt"/>
+              </a:rPr>
+              <a:t>напрямую</a:t>
+            </a:r>
+            <a:r>
+              <a:rPr lang="en-US" dirty="0">
+                <a:ea typeface="+mn-lt"/>
+                <a:cs typeface="+mn-lt"/>
+              </a:rPr>
+              <a:t> </a:t>
+            </a:r>
+            <a:r>
+              <a:rPr lang="en-US" dirty="0" err="1">
+                <a:ea typeface="+mn-lt"/>
+                <a:cs typeface="+mn-lt"/>
+              </a:rPr>
+              <a:t>некоторый</a:t>
+            </a:r>
+            <a:r>
+              <a:rPr lang="en-US" dirty="0">
+                <a:ea typeface="+mn-lt"/>
+                <a:cs typeface="+mn-lt"/>
+              </a:rPr>
+              <a:t> </a:t>
+            </a:r>
+            <a:r>
+              <a:rPr lang="en-US" dirty="0" err="1">
+                <a:ea typeface="+mn-lt"/>
+                <a:cs typeface="+mn-lt"/>
+              </a:rPr>
+              <a:t>элемент</a:t>
+            </a:r>
+            <a:r>
+              <a:rPr lang="en-US" dirty="0">
+                <a:ea typeface="+mn-lt"/>
+                <a:cs typeface="+mn-lt"/>
+              </a:rPr>
+              <a:t> </a:t>
+            </a:r>
+            <a:r>
+              <a:rPr lang="en-US" dirty="0" err="1">
+                <a:ea typeface="+mn-lt"/>
+                <a:cs typeface="+mn-lt"/>
+              </a:rPr>
+              <a:t>последовательности</a:t>
+            </a:r>
+            <a:r>
+              <a:rPr lang="en-US" dirty="0">
+                <a:ea typeface="+mn-lt"/>
+                <a:cs typeface="+mn-lt"/>
+              </a:rPr>
+              <a:t>.</a:t>
+            </a:r>
+            <a:br>
+              <a:rPr lang="en-US" dirty="0"/>
+            </a:br>
+            <a:endParaRPr lang="en-US">
+              <a:cs typeface="Calibri"/>
+            </a:endParaRPr>
+          </a:p>
+        </p:txBody>
+      </p:sp>
+      <p:sp>
+        <p:nvSpPr>
+          <p:cNvPr id="2" name="Oval 1">
+            <a:extLst>
+              <a:ext uri="{FF2B5EF4-FFF2-40B4-BE49-F238E27FC236}">
+                <a16:creationId xmlns:a16="http://schemas.microsoft.com/office/drawing/2014/main" id="{E4A32D74-1F11-4CF5-8F7D-3521A4272859}"/>
+              </a:ext>
+            </a:extLst>
+          </p:cNvPr>
+          <p:cNvSpPr/>
+          <p:nvPr/>
+        </p:nvSpPr>
+        <p:spPr>
+          <a:xfrm>
+            <a:off x="3594410" y="1419922"/>
+            <a:ext cx="1449657" cy="1347438"/>
+          </a:xfrm>
+          <a:prstGeom prst="ellipse">
+            <a:avLst/>
+          </a:prstGeom>
+          <a:solidFill>
+            <a:srgbClr val="FF6C3A"/>
+          </a:solidFill>
+        </p:spPr>
+        <p:style>
+          <a:lnRef idx="2">
+            <a:schemeClr val="accent1">
+              <a:shade val="50000"/>
+            </a:schemeClr>
+          </a:lnRef>
+          <a:fillRef idx="1">
+            <a:schemeClr val="accent1"/>
+          </a:fillRef>
+          <a:effectRef idx="0">
+            <a:schemeClr val="accent1"/>
+          </a:effectRef>
+          <a:fontRef idx="minor">
+            <a:schemeClr val="lt1"/>
+          </a:fontRef>
+        </p:style>
+        <p:txBody>
+          <a:bodyPr rtlCol="0" anchor="ctr"/>
+          <a:lstStyle/>
+          <a:p>
+            <a:pPr algn="ctr"/>
+            <a:r>
+              <a:rPr lang="en-US" b="1" dirty="0" err="1">
+                <a:cs typeface="Calibri"/>
+              </a:rPr>
+              <a:t>Cписки</a:t>
+            </a:r>
+            <a:endParaRPr lang="en-US" b="1" dirty="0" err="1"/>
+          </a:p>
+        </p:txBody>
+      </p:sp>
+      <p:sp>
+        <p:nvSpPr>
+          <p:cNvPr id="6" name="Oval 5">
+            <a:extLst>
+              <a:ext uri="{FF2B5EF4-FFF2-40B4-BE49-F238E27FC236}">
+                <a16:creationId xmlns:a16="http://schemas.microsoft.com/office/drawing/2014/main" id="{42661127-69F5-4881-8E64-68D9B1A21F91}"/>
+              </a:ext>
+            </a:extLst>
+          </p:cNvPr>
+          <p:cNvSpPr/>
+          <p:nvPr/>
+        </p:nvSpPr>
+        <p:spPr>
+          <a:xfrm>
+            <a:off x="5211337" y="1419922"/>
+            <a:ext cx="1505413" cy="1347438"/>
+          </a:xfrm>
+          <a:prstGeom prst="ellipse">
+            <a:avLst/>
+          </a:prstGeom>
+          <a:solidFill>
+            <a:srgbClr val="FF6C3A"/>
+          </a:solidFill>
+        </p:spPr>
+        <p:style>
+          <a:lnRef idx="2">
+            <a:schemeClr val="accent1">
+              <a:shade val="50000"/>
+            </a:schemeClr>
+          </a:lnRef>
+          <a:fillRef idx="1">
+            <a:schemeClr val="accent1"/>
+          </a:fillRef>
+          <a:effectRef idx="0">
+            <a:schemeClr val="accent1"/>
+          </a:effectRef>
+          <a:fontRef idx="minor">
+            <a:schemeClr val="lt1"/>
+          </a:fontRef>
+        </p:style>
+        <p:txBody>
+          <a:bodyPr lIns="91440" tIns="45720" rIns="91440" bIns="45720" rtlCol="0" anchor="ctr"/>
+          <a:lstStyle/>
+          <a:p>
+            <a:pPr algn="ctr"/>
+            <a:r>
+              <a:rPr lang="en-US" b="1" dirty="0" err="1">
+                <a:cs typeface="Calibri"/>
+              </a:rPr>
+              <a:t>Кортежи</a:t>
+            </a:r>
+            <a:endParaRPr lang="en-US" b="1" dirty="0" err="1"/>
+          </a:p>
+        </p:txBody>
+      </p:sp>
+      <p:sp>
+        <p:nvSpPr>
+          <p:cNvPr id="7" name="Oval 6">
+            <a:extLst>
+              <a:ext uri="{FF2B5EF4-FFF2-40B4-BE49-F238E27FC236}">
+                <a16:creationId xmlns:a16="http://schemas.microsoft.com/office/drawing/2014/main" id="{A2B0BE34-59FB-4ACC-B835-83FA46D93F71}"/>
+              </a:ext>
+            </a:extLst>
+          </p:cNvPr>
+          <p:cNvSpPr/>
+          <p:nvPr/>
+        </p:nvSpPr>
+        <p:spPr>
+          <a:xfrm>
+            <a:off x="6884019" y="1373459"/>
+            <a:ext cx="1449657" cy="1347438"/>
+          </a:xfrm>
+          <a:prstGeom prst="ellipse">
+            <a:avLst/>
+          </a:prstGeom>
+          <a:solidFill>
+            <a:srgbClr val="FF6C3A"/>
+          </a:solidFill>
+        </p:spPr>
+        <p:style>
+          <a:lnRef idx="2">
+            <a:schemeClr val="accent1">
+              <a:shade val="50000"/>
+            </a:schemeClr>
+          </a:lnRef>
+          <a:fillRef idx="1">
+            <a:schemeClr val="accent1"/>
+          </a:fillRef>
+          <a:effectRef idx="0">
+            <a:schemeClr val="accent1"/>
+          </a:effectRef>
+          <a:fontRef idx="minor">
+            <a:schemeClr val="lt1"/>
+          </a:fontRef>
+        </p:style>
+        <p:txBody>
+          <a:bodyPr lIns="91440" tIns="45720" rIns="91440" bIns="45720" rtlCol="0" anchor="ctr"/>
+          <a:lstStyle/>
+          <a:p>
+            <a:pPr algn="ctr"/>
+            <a:r>
+              <a:rPr lang="en-US" b="1" dirty="0">
+                <a:cs typeface="Calibri"/>
+              </a:rPr>
+              <a:t>Строки</a:t>
+            </a:r>
+            <a:endParaRPr lang="en-US" b="1" dirty="0" err="1"/>
+          </a:p>
+        </p:txBody>
+      </p:sp>
+      <p:grpSp>
+        <p:nvGrpSpPr>
+          <p:cNvPr id="12" name="Group 11">
+            <a:extLst>
+              <a:ext uri="{FF2B5EF4-FFF2-40B4-BE49-F238E27FC236}">
+                <a16:creationId xmlns:a16="http://schemas.microsoft.com/office/drawing/2014/main" id="{5B6A03DC-79D0-400E-AB0B-6343140E98BC}"/>
+              </a:ext>
+            </a:extLst>
+          </p:cNvPr>
+          <p:cNvGrpSpPr/>
+          <p:nvPr/>
+        </p:nvGrpSpPr>
+        <p:grpSpPr>
+          <a:xfrm>
+            <a:off x="2476966" y="2943280"/>
+            <a:ext cx="3010827" cy="1485148"/>
+            <a:chOff x="2476966" y="2943280"/>
+            <a:chExt cx="3010827" cy="1485148"/>
+          </a:xfrm>
+        </p:grpSpPr>
+        <p:sp>
+          <p:nvSpPr>
+            <p:cNvPr id="8" name="Arrow: Down 7">
+              <a:extLst>
+                <a:ext uri="{FF2B5EF4-FFF2-40B4-BE49-F238E27FC236}">
+                  <a16:creationId xmlns:a16="http://schemas.microsoft.com/office/drawing/2014/main" id="{451256DB-4718-4826-AFAA-40723CAF37C4}"/>
+                </a:ext>
+              </a:extLst>
+            </p:cNvPr>
+            <p:cNvSpPr/>
+            <p:nvPr/>
+          </p:nvSpPr>
+          <p:spPr>
+            <a:xfrm rot="1980000">
+              <a:off x="4723460" y="2943280"/>
+              <a:ext cx="483219" cy="659780"/>
+            </a:xfrm>
+            <a:prstGeom prst="downArrow">
+              <a:avLst/>
+            </a:prstGeom>
+            <a:solidFill>
+              <a:srgbClr val="001D3C"/>
+            </a:solidFill>
+          </p:spPr>
+          <p:style>
+            <a:lnRef idx="2">
+              <a:schemeClr val="accent1">
+                <a:shade val="50000"/>
+              </a:schemeClr>
+            </a:lnRef>
+            <a:fillRef idx="1">
+              <a:schemeClr val="accent1"/>
+            </a:fillRef>
+            <a:effectRef idx="0">
+              <a:schemeClr val="accent1"/>
+            </a:effectRef>
+            <a:fontRef idx="minor">
+              <a:schemeClr val="lt1"/>
+            </a:fontRef>
+          </p:style>
+          <p:txBody>
+            <a:bodyPr rtlCol="0" anchor="ctr"/>
+            <a:lstStyle/>
+            <a:p>
+              <a:pPr algn="ctr"/>
+              <a:endParaRPr lang="en-US"/>
+            </a:p>
+          </p:txBody>
+        </p:sp>
+        <p:sp>
+          <p:nvSpPr>
+            <p:cNvPr id="10" name="Rectangle: Rounded Corners 9">
+              <a:extLst>
+                <a:ext uri="{FF2B5EF4-FFF2-40B4-BE49-F238E27FC236}">
+                  <a16:creationId xmlns:a16="http://schemas.microsoft.com/office/drawing/2014/main" id="{4E1B57F4-57F6-41C8-AECC-D7149EC5BCDA}"/>
+                </a:ext>
+              </a:extLst>
+            </p:cNvPr>
+            <p:cNvSpPr/>
+            <p:nvPr/>
+          </p:nvSpPr>
+          <p:spPr>
+            <a:xfrm>
+              <a:off x="2476966" y="3787233"/>
+              <a:ext cx="3010827" cy="641195"/>
+            </a:xfrm>
+            <a:prstGeom prst="roundRect">
+              <a:avLst/>
+            </a:prstGeom>
+            <a:solidFill>
+              <a:srgbClr val="FF6C3A"/>
+            </a:solidFill>
+          </p:spPr>
+          <p:style>
+            <a:lnRef idx="2">
+              <a:schemeClr val="accent1">
+                <a:shade val="50000"/>
+              </a:schemeClr>
+            </a:lnRef>
+            <a:fillRef idx="1">
+              <a:schemeClr val="accent1"/>
+            </a:fillRef>
+            <a:effectRef idx="0">
+              <a:schemeClr val="accent1"/>
+            </a:effectRef>
+            <a:fontRef idx="minor">
+              <a:schemeClr val="lt1"/>
+            </a:fontRef>
+          </p:style>
+          <p:txBody>
+            <a:bodyPr rtlCol="0" anchor="ctr"/>
+            <a:lstStyle/>
+            <a:p>
+              <a:pPr algn="ctr"/>
+              <a:r>
+                <a:rPr lang="en-US" dirty="0" err="1">
+                  <a:cs typeface="Calibri"/>
+                </a:rPr>
+                <a:t>Проверка</a:t>
+              </a:r>
+              <a:r>
+                <a:rPr lang="en-US" dirty="0">
+                  <a:cs typeface="Calibri"/>
+                </a:rPr>
+                <a:t> </a:t>
+              </a:r>
+              <a:r>
+                <a:rPr lang="en-US" dirty="0" err="1">
+                  <a:cs typeface="Calibri"/>
+                </a:rPr>
+                <a:t>принадлежности</a:t>
+              </a:r>
+              <a:endParaRPr lang="en-US" dirty="0" err="1"/>
+            </a:p>
+          </p:txBody>
+        </p:sp>
+      </p:grpSp>
+      <p:grpSp>
+        <p:nvGrpSpPr>
+          <p:cNvPr id="13" name="Group 12">
+            <a:extLst>
+              <a:ext uri="{FF2B5EF4-FFF2-40B4-BE49-F238E27FC236}">
+                <a16:creationId xmlns:a16="http://schemas.microsoft.com/office/drawing/2014/main" id="{F8D68F03-2463-4891-8B7B-BBECD26E3207}"/>
+              </a:ext>
+            </a:extLst>
+          </p:cNvPr>
+          <p:cNvGrpSpPr/>
+          <p:nvPr/>
+        </p:nvGrpSpPr>
+        <p:grpSpPr>
+          <a:xfrm>
+            <a:off x="6630795" y="2943280"/>
+            <a:ext cx="3010827" cy="1485148"/>
+            <a:chOff x="6630795" y="2943280"/>
+            <a:chExt cx="3010827" cy="1485148"/>
+          </a:xfrm>
+        </p:grpSpPr>
+        <p:sp>
+          <p:nvSpPr>
+            <p:cNvPr id="9" name="Arrow: Down 8">
+              <a:extLst>
+                <a:ext uri="{FF2B5EF4-FFF2-40B4-BE49-F238E27FC236}">
+                  <a16:creationId xmlns:a16="http://schemas.microsoft.com/office/drawing/2014/main" id="{851FA8E3-0CE0-46C4-A7D3-7E495615ECDC}"/>
+                </a:ext>
+              </a:extLst>
+            </p:cNvPr>
+            <p:cNvSpPr/>
+            <p:nvPr/>
+          </p:nvSpPr>
+          <p:spPr>
+            <a:xfrm rot="-2160000">
+              <a:off x="6712094" y="2943280"/>
+              <a:ext cx="483219" cy="659780"/>
+            </a:xfrm>
+            <a:prstGeom prst="downArrow">
+              <a:avLst/>
+            </a:prstGeom>
+            <a:solidFill>
+              <a:srgbClr val="001D3C"/>
+            </a:solidFill>
+          </p:spPr>
+          <p:style>
+            <a:lnRef idx="2">
+              <a:schemeClr val="accent1">
+                <a:shade val="50000"/>
+              </a:schemeClr>
+            </a:lnRef>
+            <a:fillRef idx="1">
+              <a:schemeClr val="accent1"/>
+            </a:fillRef>
+            <a:effectRef idx="0">
+              <a:schemeClr val="accent1"/>
+            </a:effectRef>
+            <a:fontRef idx="minor">
+              <a:schemeClr val="lt1"/>
+            </a:fontRef>
+          </p:style>
+          <p:txBody>
+            <a:bodyPr lIns="91440" tIns="45720" rIns="91440" bIns="45720" rtlCol="0" anchor="ctr"/>
+            <a:lstStyle/>
+            <a:p>
+              <a:pPr algn="ctr"/>
+              <a:endParaRPr lang="en-US" dirty="0">
+                <a:solidFill>
+                  <a:srgbClr val="001D3C"/>
+                </a:solidFill>
+                <a:cs typeface="Calibri"/>
+              </a:endParaRPr>
+            </a:p>
+          </p:txBody>
+        </p:sp>
+        <p:sp>
+          <p:nvSpPr>
+            <p:cNvPr id="11" name="Rectangle: Rounded Corners 10">
+              <a:extLst>
+                <a:ext uri="{FF2B5EF4-FFF2-40B4-BE49-F238E27FC236}">
+                  <a16:creationId xmlns:a16="http://schemas.microsoft.com/office/drawing/2014/main" id="{A78E3998-C2BC-48AA-ADE7-CF1CBF32F620}"/>
+                </a:ext>
+              </a:extLst>
+            </p:cNvPr>
+            <p:cNvSpPr/>
+            <p:nvPr/>
+          </p:nvSpPr>
+          <p:spPr>
+            <a:xfrm>
+              <a:off x="6630795" y="3787233"/>
+              <a:ext cx="3010827" cy="641195"/>
+            </a:xfrm>
+            <a:prstGeom prst="roundRect">
+              <a:avLst/>
+            </a:prstGeom>
+            <a:solidFill>
+              <a:srgbClr val="FF6C3A"/>
+            </a:solidFill>
+          </p:spPr>
+          <p:style>
+            <a:lnRef idx="2">
+              <a:schemeClr val="accent1">
+                <a:shade val="50000"/>
+              </a:schemeClr>
+            </a:lnRef>
+            <a:fillRef idx="1">
+              <a:schemeClr val="accent1"/>
+            </a:fillRef>
+            <a:effectRef idx="0">
+              <a:schemeClr val="accent1"/>
+            </a:effectRef>
+            <a:fontRef idx="minor">
+              <a:schemeClr val="lt1"/>
+            </a:fontRef>
+          </p:style>
+          <p:txBody>
+            <a:bodyPr lIns="91440" tIns="45720" rIns="91440" bIns="45720" rtlCol="0" anchor="ctr"/>
+            <a:lstStyle/>
+            <a:p>
+              <a:pPr algn="ctr"/>
+              <a:r>
+                <a:rPr lang="en-US" dirty="0" err="1">
+                  <a:cs typeface="Calibri"/>
+                </a:rPr>
+                <a:t>Оператор</a:t>
+              </a:r>
+              <a:r>
+                <a:rPr lang="en-US" dirty="0">
+                  <a:cs typeface="Calibri"/>
+                </a:rPr>
+                <a:t> </a:t>
+              </a:r>
+              <a:r>
+                <a:rPr lang="en-US" dirty="0" err="1">
+                  <a:cs typeface="Calibri"/>
+                </a:rPr>
+                <a:t>индексирования</a:t>
+              </a:r>
+            </a:p>
+          </p:txBody>
+        </p:sp>
+      </p:grpSp>
+    </p:spTree>
+    <p:extLst>
+      <p:ext uri="{BB962C8B-B14F-4D97-AF65-F5344CB8AC3E}">
+        <p14:creationId xmlns:p14="http://schemas.microsoft.com/office/powerpoint/2010/main" val="2316149695"/>
+      </p:ext>
+    </p:extLst>
+  </p:cSld>
+  <p:clrMapOvr>
+    <a:masterClrMapping/>
+  </p:clrMapOvr>
+  <p:timing>
+    <p:tnLst>
+      <p:par>
+        <p:cTn id="1" dur="indefinite" restart="never" nodeType="tmRoot">
+          <p:childTnLst>
+            <p:seq concurrent="1" nextAc="seek">
+              <p:cTn id="2" dur="indefinite" nodeType="mainSeq">
+                <p:childTnLst>
+                  <p:par>
+                    <p:cTn id="3" fill="hold">
+                      <p:stCondLst>
+                        <p:cond delay="indefinite"/>
+                      </p:stCondLst>
+                      <p:childTnLst>
+                        <p:par>
+                          <p:cTn id="4" fill="hold">
+                            <p:stCondLst>
+                              <p:cond delay="0"/>
+                            </p:stCondLst>
+                            <p:childTnLst>
+                              <p:par>
+                                <p:cTn id="5" presetID="10" presetClass="entr" presetSubtype="0" fill="hold" grpId="0" nodeType="clickEffect">
+                                  <p:stCondLst>
+                                    <p:cond delay="0"/>
+                                  </p:stCondLst>
+                                  <p:childTnLst>
+                                    <p:set>
+                                      <p:cBhvr>
+                                        <p:cTn id="6" dur="1" fill="hold">
+                                          <p:stCondLst>
+                                            <p:cond delay="0"/>
+                                          </p:stCondLst>
+                                        </p:cTn>
+                                        <p:tgtEl>
+                                          <p:spTgt spid="2"/>
+                                        </p:tgtEl>
+                                        <p:attrNameLst>
+                                          <p:attrName>style.visibility</p:attrName>
+                                        </p:attrNameLst>
+                                      </p:cBhvr>
+                                      <p:to>
+                                        <p:strVal val="visible"/>
+                                      </p:to>
+                                    </p:set>
+                                    <p:animEffect transition="in" filter="fade">
+                                      <p:cBhvr>
+                                        <p:cTn id="7" dur="500"/>
+                                        <p:tgtEl>
+                                          <p:spTgt spid="2"/>
+                                        </p:tgtEl>
+                                      </p:cBhvr>
+                                    </p:animEffect>
+                                  </p:childTnLst>
+                                </p:cTn>
+                              </p:par>
+                            </p:childTnLst>
+                          </p:cTn>
+                        </p:par>
+                      </p:childTnLst>
+                    </p:cTn>
+                  </p:par>
+                  <p:par>
+                    <p:cTn id="8" fill="hold">
+                      <p:stCondLst>
+                        <p:cond delay="indefinite"/>
+                      </p:stCondLst>
+                      <p:childTnLst>
+                        <p:par>
+                          <p:cTn id="9" fill="hold">
+                            <p:stCondLst>
+                              <p:cond delay="0"/>
+                            </p:stCondLst>
+                            <p:childTnLst>
+                              <p:par>
+                                <p:cTn id="10" presetID="10" presetClass="entr" presetSubtype="0" fill="hold" grpId="0" nodeType="clickEffect">
+                                  <p:stCondLst>
+                                    <p:cond delay="0"/>
+                                  </p:stCondLst>
+                                  <p:childTnLst>
+                                    <p:set>
+                                      <p:cBhvr>
+                                        <p:cTn id="11" dur="1" fill="hold">
+                                          <p:stCondLst>
+                                            <p:cond delay="0"/>
+                                          </p:stCondLst>
+                                        </p:cTn>
+                                        <p:tgtEl>
+                                          <p:spTgt spid="6"/>
+                                        </p:tgtEl>
+                                        <p:attrNameLst>
+                                          <p:attrName>style.visibility</p:attrName>
+                                        </p:attrNameLst>
+                                      </p:cBhvr>
+                                      <p:to>
+                                        <p:strVal val="visible"/>
+                                      </p:to>
+                                    </p:set>
+                                    <p:animEffect transition="in" filter="fade">
+                                      <p:cBhvr>
+                                        <p:cTn id="12" dur="500"/>
+                                        <p:tgtEl>
+                                          <p:spTgt spid="6"/>
+                                        </p:tgtEl>
+                                      </p:cBhvr>
+                                    </p:animEffect>
+                                  </p:childTnLst>
+                                </p:cTn>
+                              </p:par>
+                            </p:childTnLst>
+                          </p:cTn>
+                        </p:par>
+                      </p:childTnLst>
+                    </p:cTn>
+                  </p:par>
+                  <p:par>
+                    <p:cTn id="13" fill="hold">
+                      <p:stCondLst>
+                        <p:cond delay="indefinite"/>
+                      </p:stCondLst>
+                      <p:childTnLst>
+                        <p:par>
+                          <p:cTn id="14" fill="hold">
+                            <p:stCondLst>
+                              <p:cond delay="0"/>
+                            </p:stCondLst>
+                            <p:childTnLst>
+                              <p:par>
+                                <p:cTn id="15" presetID="10" presetClass="entr" presetSubtype="0" fill="hold" grpId="0" nodeType="clickEffect">
+                                  <p:stCondLst>
+                                    <p:cond delay="0"/>
+                                  </p:stCondLst>
+                                  <p:childTnLst>
+                                    <p:set>
+                                      <p:cBhvr>
+                                        <p:cTn id="16" dur="1" fill="hold">
+                                          <p:stCondLst>
+                                            <p:cond delay="0"/>
+                                          </p:stCondLst>
+                                        </p:cTn>
+                                        <p:tgtEl>
+                                          <p:spTgt spid="7"/>
+                                        </p:tgtEl>
+                                        <p:attrNameLst>
+                                          <p:attrName>style.visibility</p:attrName>
+                                        </p:attrNameLst>
+                                      </p:cBhvr>
+                                      <p:to>
+                                        <p:strVal val="visible"/>
+                                      </p:to>
+                                    </p:set>
+                                    <p:animEffect transition="in" filter="fade">
+                                      <p:cBhvr>
+                                        <p:cTn id="17" dur="500"/>
+                                        <p:tgtEl>
+                                          <p:spTgt spid="7"/>
+                                        </p:tgtEl>
+                                      </p:cBhvr>
+                                    </p:animEffect>
+                                  </p:childTnLst>
+                                </p:cTn>
+                              </p:par>
+                            </p:childTnLst>
+                          </p:cTn>
+                        </p:par>
+                      </p:childTnLst>
+                    </p:cTn>
+                  </p:par>
+                  <p:par>
+                    <p:cTn id="18" fill="hold">
+                      <p:stCondLst>
+                        <p:cond delay="indefinite"/>
+                      </p:stCondLst>
+                      <p:childTnLst>
+                        <p:par>
+                          <p:cTn id="19" fill="hold">
+                            <p:stCondLst>
+                              <p:cond delay="0"/>
+                            </p:stCondLst>
+                            <p:childTnLst>
+                              <p:par>
+                                <p:cTn id="20" presetID="10" presetClass="entr" presetSubtype="0" fill="hold" nodeType="clickEffect">
+                                  <p:stCondLst>
+                                    <p:cond delay="0"/>
+                                  </p:stCondLst>
+                                  <p:childTnLst>
+                                    <p:set>
+                                      <p:cBhvr>
+                                        <p:cTn id="21" dur="1" fill="hold">
+                                          <p:stCondLst>
+                                            <p:cond delay="0"/>
+                                          </p:stCondLst>
+                                        </p:cTn>
+                                        <p:tgtEl>
+                                          <p:spTgt spid="12"/>
+                                        </p:tgtEl>
+                                        <p:attrNameLst>
+                                          <p:attrName>style.visibility</p:attrName>
+                                        </p:attrNameLst>
+                                      </p:cBhvr>
+                                      <p:to>
+                                        <p:strVal val="visible"/>
+                                      </p:to>
+                                    </p:set>
+                                    <p:animEffect transition="in" filter="fade">
+                                      <p:cBhvr>
+                                        <p:cTn id="22" dur="500"/>
+                                        <p:tgtEl>
+                                          <p:spTgt spid="12"/>
+                                        </p:tgtEl>
+                                      </p:cBhvr>
+                                    </p:animEffect>
+                                  </p:childTnLst>
+                                </p:cTn>
+                              </p:par>
+                            </p:childTnLst>
+                          </p:cTn>
+                        </p:par>
+                      </p:childTnLst>
+                    </p:cTn>
+                  </p:par>
+                  <p:par>
+                    <p:cTn id="23" fill="hold">
+                      <p:stCondLst>
+                        <p:cond delay="indefinite"/>
+                      </p:stCondLst>
+                      <p:childTnLst>
+                        <p:par>
+                          <p:cTn id="24" fill="hold">
+                            <p:stCondLst>
+                              <p:cond delay="0"/>
+                            </p:stCondLst>
+                            <p:childTnLst>
+                              <p:par>
+                                <p:cTn id="25" presetID="10" presetClass="entr" presetSubtype="0" fill="hold" nodeType="clickEffect">
+                                  <p:stCondLst>
+                                    <p:cond delay="0"/>
+                                  </p:stCondLst>
+                                  <p:childTnLst>
+                                    <p:set>
+                                      <p:cBhvr>
+                                        <p:cTn id="26" dur="1" fill="hold">
+                                          <p:stCondLst>
+                                            <p:cond delay="0"/>
+                                          </p:stCondLst>
+                                        </p:cTn>
+                                        <p:tgtEl>
+                                          <p:spTgt spid="13"/>
+                                        </p:tgtEl>
+                                        <p:attrNameLst>
+                                          <p:attrName>style.visibility</p:attrName>
+                                        </p:attrNameLst>
+                                      </p:cBhvr>
+                                      <p:to>
+                                        <p:strVal val="visible"/>
+                                      </p:to>
+                                    </p:set>
+                                    <p:animEffect transition="in" filter="fade">
+                                      <p:cBhvr>
+                                        <p:cTn id="27" dur="500"/>
+                                        <p:tgtEl>
+                                          <p:spTgt spid="13"/>
+                                        </p:tgtEl>
+                                      </p:cBhvr>
+                                    </p:animEffect>
+                                  </p:childTnLst>
+                                </p:cTn>
+                              </p:par>
+                            </p:childTnLst>
+                          </p:cTn>
+                        </p:par>
+                      </p:childTnLst>
+                    </p:cTn>
+                  </p:par>
+                </p:childTnLst>
+              </p:cTn>
+              <p:prevCondLst>
+                <p:cond evt="onPrev" delay="0">
+                  <p:tgtEl>
+                    <p:sldTgt/>
+                  </p:tgtEl>
+                </p:cond>
+              </p:prevCondLst>
+              <p:nextCondLst>
+                <p:cond evt="onNext" delay="0">
+                  <p:tgtEl>
+                    <p:sldTgt/>
+                  </p:tgtEl>
+                </p:cond>
+              </p:nextCondLst>
+            </p:seq>
+          </p:childTnLst>
+        </p:cTn>
+      </p:par>
+    </p:tnLst>
+    <p:bldLst>
+      <p:bldP spid="2" grpId="0" animBg="1"/>
+      <p:bldP spid="6" grpId="0" animBg="1"/>
+      <p:bldP spid="7" grpId="0" animBg="1"/>
+    </p:bldLst>
+  </p:timing>
+</p:sld>
+</file>
+
+<file path=ppt/slides/slide7.xml><?xml version="1.0" encoding="utf-8"?>
+<p:sld xmlns:a="http://schemas.openxmlformats.org/drawingml/2006/main" xmlns:r="http://schemas.openxmlformats.org/officeDocument/2006/relationships" xmlns:p="http://schemas.openxmlformats.org/presentationml/2006/main">
+  <p:cSld>
+    <p:spTree>
+      <p:nvGrpSpPr>
+        <p:cNvPr id="1" name=""/>
+        <p:cNvGrpSpPr/>
+        <p:nvPr/>
+      </p:nvGrpSpPr>
+      <p:grpSpPr>
+        <a:xfrm>
+          <a:off x="0" y="0"/>
+          <a:ext cx="0" cy="0"/>
+          <a:chOff x="0" y="0"/>
+          <a:chExt cx="0" cy="0"/>
+        </a:xfrm>
+      </p:grpSpPr>
+      <p:sp>
+        <p:nvSpPr>
+          <p:cNvPr id="5" name="TextBox 1">
+            <a:extLst>
+              <a:ext uri="{FF2B5EF4-FFF2-40B4-BE49-F238E27FC236}">
+                <a16:creationId xmlns:a16="http://schemas.microsoft.com/office/drawing/2014/main" id="{5080A0D0-CC8F-4CB8-8197-2F50804F40F7}"/>
+              </a:ext>
+            </a:extLst>
+          </p:cNvPr>
+          <p:cNvSpPr txBox="1"/>
+          <p:nvPr/>
+        </p:nvSpPr>
+        <p:spPr>
+          <a:xfrm>
+            <a:off x="5300136" y="130310"/>
+            <a:ext cx="3332727" cy="461665"/>
+          </a:xfrm>
+          <a:prstGeom prst="rect">
+            <a:avLst/>
+          </a:prstGeom>
+          <a:noFill/>
+        </p:spPr>
+        <p:txBody>
+          <a:bodyPr rot="0" spcFirstLastPara="0" vert="horz" wrap="square" lIns="91440" tIns="45720" rIns="91440" bIns="45720" numCol="1" spcCol="0" rtlCol="0" fromWordArt="0" anchor="t" anchorCtr="0" forceAA="0" compatLnSpc="1">
+            <a:prstTxWarp prst="textNoShape">
+              <a:avLst/>
+            </a:prstTxWarp>
+            <a:spAutoFit/>
+          </a:bodyPr>
+          <a:lstStyle>
+            <a:defPPr>
+              <a:defRPr lang="ru-RU"/>
+            </a:defPPr>
+            <a:lvl1pPr marL="0" algn="l" defTabSz="914400" rtl="0" eaLnBrk="1" latinLnBrk="0" hangingPunct="1">
+              <a:defRPr sz="1800" kern="1200">
+                <a:solidFill>
+                  <a:schemeClr val="tx1"/>
+                </a:solidFill>
+                <a:latin typeface="+mn-lt"/>
+                <a:ea typeface="+mn-ea"/>
+                <a:cs typeface="+mn-cs"/>
+              </a:defRPr>
+            </a:lvl1pPr>
+            <a:lvl2pPr marL="457200" algn="l" defTabSz="914400" rtl="0" eaLnBrk="1" latinLnBrk="0" hangingPunct="1">
+              <a:defRPr sz="1800" kern="1200">
+                <a:solidFill>
+                  <a:schemeClr val="tx1"/>
+                </a:solidFill>
+                <a:latin typeface="+mn-lt"/>
+                <a:ea typeface="+mn-ea"/>
+                <a:cs typeface="+mn-cs"/>
+              </a:defRPr>
+            </a:lvl2pPr>
+            <a:lvl3pPr marL="914400" algn="l" defTabSz="914400" rtl="0" eaLnBrk="1" latinLnBrk="0" hangingPunct="1">
+              <a:defRPr sz="1800" kern="1200">
+                <a:solidFill>
+                  <a:schemeClr val="tx1"/>
+                </a:solidFill>
+                <a:latin typeface="+mn-lt"/>
+                <a:ea typeface="+mn-ea"/>
+                <a:cs typeface="+mn-cs"/>
+              </a:defRPr>
+            </a:lvl3pPr>
+            <a:lvl4pPr marL="1371600" algn="l" defTabSz="914400" rtl="0" eaLnBrk="1" latinLnBrk="0" hangingPunct="1">
+              <a:defRPr sz="1800" kern="1200">
+                <a:solidFill>
+                  <a:schemeClr val="tx1"/>
+                </a:solidFill>
+                <a:latin typeface="+mn-lt"/>
+                <a:ea typeface="+mn-ea"/>
+                <a:cs typeface="+mn-cs"/>
+              </a:defRPr>
+            </a:lvl4pPr>
+            <a:lvl5pPr marL="1828800" algn="l" defTabSz="914400" rtl="0" eaLnBrk="1" latinLnBrk="0" hangingPunct="1">
+              <a:defRPr sz="1800" kern="1200">
+                <a:solidFill>
+                  <a:schemeClr val="tx1"/>
+                </a:solidFill>
+                <a:latin typeface="+mn-lt"/>
+                <a:ea typeface="+mn-ea"/>
+                <a:cs typeface="+mn-cs"/>
+              </a:defRPr>
+            </a:lvl5pPr>
+            <a:lvl6pPr marL="2286000" algn="l" defTabSz="914400" rtl="0" eaLnBrk="1" latinLnBrk="0" hangingPunct="1">
+              <a:defRPr sz="1800" kern="1200">
+                <a:solidFill>
+                  <a:schemeClr val="tx1"/>
+                </a:solidFill>
+                <a:latin typeface="+mn-lt"/>
+                <a:ea typeface="+mn-ea"/>
+                <a:cs typeface="+mn-cs"/>
+              </a:defRPr>
+            </a:lvl6pPr>
+            <a:lvl7pPr marL="2743200" algn="l" defTabSz="914400" rtl="0" eaLnBrk="1" latinLnBrk="0" hangingPunct="1">
+              <a:defRPr sz="1800" kern="1200">
+                <a:solidFill>
+                  <a:schemeClr val="tx1"/>
+                </a:solidFill>
+                <a:latin typeface="+mn-lt"/>
+                <a:ea typeface="+mn-ea"/>
+                <a:cs typeface="+mn-cs"/>
+              </a:defRPr>
+            </a:lvl7pPr>
+            <a:lvl8pPr marL="3200400" algn="l" defTabSz="914400" rtl="0" eaLnBrk="1" latinLnBrk="0" hangingPunct="1">
+              <a:defRPr sz="1800" kern="1200">
+                <a:solidFill>
+                  <a:schemeClr val="tx1"/>
+                </a:solidFill>
+                <a:latin typeface="+mn-lt"/>
+                <a:ea typeface="+mn-ea"/>
+                <a:cs typeface="+mn-cs"/>
+              </a:defRPr>
+            </a:lvl8pPr>
+            <a:lvl9pPr marL="3657600" algn="l" defTabSz="914400" rtl="0" eaLnBrk="1" latinLnBrk="0" hangingPunct="1">
+              <a:defRPr sz="1800" kern="1200">
+                <a:solidFill>
+                  <a:schemeClr val="tx1"/>
+                </a:solidFill>
+                <a:latin typeface="+mn-lt"/>
+                <a:ea typeface="+mn-ea"/>
+                <a:cs typeface="+mn-cs"/>
+              </a:defRPr>
+            </a:lvl9pPr>
+          </a:lstStyle>
+          <a:p>
+            <a:r>
+              <a:rPr lang="en-US" sz="2400" b="1" dirty="0" err="1">
+                <a:cs typeface="Calibri"/>
+              </a:rPr>
               <a:t>Словарь</a:t>
             </a:r>
             <a:endParaRPr lang="en-US" dirty="0" err="1"/>
@@ -16479,1804 +18277,6 @@
       <p:bldP spid="35" grpId="0" animBg="1"/>
       <p:bldP spid="36" grpId="0"/>
       <p:bldP spid="11" grpId="0"/>
-    </p:bldLst>
-  </p:timing>
-</p:sld>
-</file>
-
-<file path=ppt/slides/slide6.xml><?xml version="1.0" encoding="utf-8"?>
-<p:sld xmlns:a="http://schemas.openxmlformats.org/drawingml/2006/main" xmlns:r="http://schemas.openxmlformats.org/officeDocument/2006/relationships" xmlns:p="http://schemas.openxmlformats.org/presentationml/2006/main">
-  <p:cSld>
-    <p:spTree>
-      <p:nvGrpSpPr>
-        <p:cNvPr id="1" name=""/>
-        <p:cNvGrpSpPr/>
-        <p:nvPr/>
-      </p:nvGrpSpPr>
-      <p:grpSpPr>
-        <a:xfrm>
-          <a:off x="0" y="0"/>
-          <a:ext cx="0" cy="0"/>
-          <a:chOff x="0" y="0"/>
-          <a:chExt cx="0" cy="0"/>
-        </a:xfrm>
-      </p:grpSpPr>
-      <p:sp>
-        <p:nvSpPr>
-          <p:cNvPr id="5" name="TextBox 1">
-            <a:extLst>
-              <a:ext uri="{FF2B5EF4-FFF2-40B4-BE49-F238E27FC236}">
-                <a16:creationId xmlns:a16="http://schemas.microsoft.com/office/drawing/2014/main" id="{5080A0D0-CC8F-4CB8-8197-2F50804F40F7}"/>
-              </a:ext>
-            </a:extLst>
-          </p:cNvPr>
-          <p:cNvSpPr txBox="1"/>
-          <p:nvPr/>
-        </p:nvSpPr>
-        <p:spPr>
-          <a:xfrm>
-            <a:off x="5300136" y="130310"/>
-            <a:ext cx="3332727" cy="461665"/>
-          </a:xfrm>
-          <a:prstGeom prst="rect">
-            <a:avLst/>
-          </a:prstGeom>
-          <a:noFill/>
-        </p:spPr>
-        <p:txBody>
-          <a:bodyPr rot="0" spcFirstLastPara="0" vert="horz" wrap="square" lIns="91440" tIns="45720" rIns="91440" bIns="45720" numCol="1" spcCol="0" rtlCol="0" fromWordArt="0" anchor="t" anchorCtr="0" forceAA="0" compatLnSpc="1">
-            <a:prstTxWarp prst="textNoShape">
-              <a:avLst/>
-            </a:prstTxWarp>
-            <a:spAutoFit/>
-          </a:bodyPr>
-          <a:lstStyle>
-            <a:defPPr>
-              <a:defRPr lang="ru-RU"/>
-            </a:defPPr>
-            <a:lvl1pPr marL="0" algn="l" defTabSz="914400" rtl="0" eaLnBrk="1" latinLnBrk="0" hangingPunct="1">
-              <a:defRPr sz="1800" kern="1200">
-                <a:solidFill>
-                  <a:schemeClr val="tx1"/>
-                </a:solidFill>
-                <a:latin typeface="+mn-lt"/>
-                <a:ea typeface="+mn-ea"/>
-                <a:cs typeface="+mn-cs"/>
-              </a:defRPr>
-            </a:lvl1pPr>
-            <a:lvl2pPr marL="457200" algn="l" defTabSz="914400" rtl="0" eaLnBrk="1" latinLnBrk="0" hangingPunct="1">
-              <a:defRPr sz="1800" kern="1200">
-                <a:solidFill>
-                  <a:schemeClr val="tx1"/>
-                </a:solidFill>
-                <a:latin typeface="+mn-lt"/>
-                <a:ea typeface="+mn-ea"/>
-                <a:cs typeface="+mn-cs"/>
-              </a:defRPr>
-            </a:lvl2pPr>
-            <a:lvl3pPr marL="914400" algn="l" defTabSz="914400" rtl="0" eaLnBrk="1" latinLnBrk="0" hangingPunct="1">
-              <a:defRPr sz="1800" kern="1200">
-                <a:solidFill>
-                  <a:schemeClr val="tx1"/>
-                </a:solidFill>
-                <a:latin typeface="+mn-lt"/>
-                <a:ea typeface="+mn-ea"/>
-                <a:cs typeface="+mn-cs"/>
-              </a:defRPr>
-            </a:lvl3pPr>
-            <a:lvl4pPr marL="1371600" algn="l" defTabSz="914400" rtl="0" eaLnBrk="1" latinLnBrk="0" hangingPunct="1">
-              <a:defRPr sz="1800" kern="1200">
-                <a:solidFill>
-                  <a:schemeClr val="tx1"/>
-                </a:solidFill>
-                <a:latin typeface="+mn-lt"/>
-                <a:ea typeface="+mn-ea"/>
-                <a:cs typeface="+mn-cs"/>
-              </a:defRPr>
-            </a:lvl4pPr>
-            <a:lvl5pPr marL="1828800" algn="l" defTabSz="914400" rtl="0" eaLnBrk="1" latinLnBrk="0" hangingPunct="1">
-              <a:defRPr sz="1800" kern="1200">
-                <a:solidFill>
-                  <a:schemeClr val="tx1"/>
-                </a:solidFill>
-                <a:latin typeface="+mn-lt"/>
-                <a:ea typeface="+mn-ea"/>
-                <a:cs typeface="+mn-cs"/>
-              </a:defRPr>
-            </a:lvl5pPr>
-            <a:lvl6pPr marL="2286000" algn="l" defTabSz="914400" rtl="0" eaLnBrk="1" latinLnBrk="0" hangingPunct="1">
-              <a:defRPr sz="1800" kern="1200">
-                <a:solidFill>
-                  <a:schemeClr val="tx1"/>
-                </a:solidFill>
-                <a:latin typeface="+mn-lt"/>
-                <a:ea typeface="+mn-ea"/>
-                <a:cs typeface="+mn-cs"/>
-              </a:defRPr>
-            </a:lvl6pPr>
-            <a:lvl7pPr marL="2743200" algn="l" defTabSz="914400" rtl="0" eaLnBrk="1" latinLnBrk="0" hangingPunct="1">
-              <a:defRPr sz="1800" kern="1200">
-                <a:solidFill>
-                  <a:schemeClr val="tx1"/>
-                </a:solidFill>
-                <a:latin typeface="+mn-lt"/>
-                <a:ea typeface="+mn-ea"/>
-                <a:cs typeface="+mn-cs"/>
-              </a:defRPr>
-            </a:lvl7pPr>
-            <a:lvl8pPr marL="3200400" algn="l" defTabSz="914400" rtl="0" eaLnBrk="1" latinLnBrk="0" hangingPunct="1">
-              <a:defRPr sz="1800" kern="1200">
-                <a:solidFill>
-                  <a:schemeClr val="tx1"/>
-                </a:solidFill>
-                <a:latin typeface="+mn-lt"/>
-                <a:ea typeface="+mn-ea"/>
-                <a:cs typeface="+mn-cs"/>
-              </a:defRPr>
-            </a:lvl8pPr>
-            <a:lvl9pPr marL="3657600" algn="l" defTabSz="914400" rtl="0" eaLnBrk="1" latinLnBrk="0" hangingPunct="1">
-              <a:defRPr sz="1800" kern="1200">
-                <a:solidFill>
-                  <a:schemeClr val="tx1"/>
-                </a:solidFill>
-                <a:latin typeface="+mn-lt"/>
-                <a:ea typeface="+mn-ea"/>
-                <a:cs typeface="+mn-cs"/>
-              </a:defRPr>
-            </a:lvl9pPr>
-          </a:lstStyle>
-          <a:p>
-            <a:r>
-              <a:rPr lang="en-US" sz="2400" b="1" dirty="0" err="1">
-                <a:cs typeface="Calibri"/>
-              </a:rPr>
-              <a:t>Кортеж</a:t>
-            </a:r>
-            <a:endParaRPr lang="en-US" dirty="0" err="1"/>
-          </a:p>
-        </p:txBody>
-      </p:sp>
-      <p:sp>
-        <p:nvSpPr>
-          <p:cNvPr id="4" name="TextBox 3">
-            <a:extLst>
-              <a:ext uri="{FF2B5EF4-FFF2-40B4-BE49-F238E27FC236}">
-                <a16:creationId xmlns:a16="http://schemas.microsoft.com/office/drawing/2014/main" id="{7975019D-68F9-4491-8ACA-091B8AB3002E}"/>
-              </a:ext>
-            </a:extLst>
-          </p:cNvPr>
-          <p:cNvSpPr txBox="1"/>
-          <p:nvPr/>
-        </p:nvSpPr>
-        <p:spPr>
-          <a:xfrm>
-            <a:off x="1253427" y="5274129"/>
-            <a:ext cx="9006154" cy="1200329"/>
-          </a:xfrm>
-          <a:prstGeom prst="rect">
-            <a:avLst/>
-          </a:prstGeom>
-          <a:noFill/>
-        </p:spPr>
-        <p:txBody>
-          <a:bodyPr rot="0" spcFirstLastPara="0" vertOverflow="overflow" horzOverflow="overflow" vert="horz" wrap="square" lIns="91440" tIns="45720" rIns="91440" bIns="45720" numCol="1" spcCol="0" rtlCol="0" fromWordArt="0" anchor="t" anchorCtr="0" forceAA="0" compatLnSpc="1">
-            <a:prstTxWarp prst="textNoShape">
-              <a:avLst/>
-            </a:prstTxWarp>
-            <a:spAutoFit/>
-          </a:bodyPr>
-          <a:lstStyle/>
-          <a:p>
-            <a:r>
-              <a:rPr lang="en-US" b="1" dirty="0" err="1">
-                <a:solidFill>
-                  <a:srgbClr val="FF6C3A"/>
-                </a:solidFill>
-                <a:ea typeface="+mn-lt"/>
-                <a:cs typeface="+mn-lt"/>
-              </a:rPr>
-              <a:t>Кортежи</a:t>
-            </a:r>
-            <a:r>
-              <a:rPr lang="en-US" b="1" dirty="0">
-                <a:solidFill>
-                  <a:srgbClr val="FF6C3A"/>
-                </a:solidFill>
-                <a:ea typeface="+mn-lt"/>
-                <a:cs typeface="+mn-lt"/>
-              </a:rPr>
-              <a:t> </a:t>
-            </a:r>
-            <a:r>
-              <a:rPr lang="en-US" dirty="0" err="1">
-                <a:ea typeface="+mn-lt"/>
-                <a:cs typeface="+mn-lt"/>
-              </a:rPr>
-              <a:t>служат</a:t>
-            </a:r>
-            <a:r>
-              <a:rPr lang="en-US" dirty="0">
-                <a:ea typeface="+mn-lt"/>
-                <a:cs typeface="+mn-lt"/>
-              </a:rPr>
-              <a:t> </a:t>
-            </a:r>
-            <a:r>
-              <a:rPr lang="en-US" dirty="0" err="1">
-                <a:ea typeface="+mn-lt"/>
-                <a:cs typeface="+mn-lt"/>
-              </a:rPr>
-              <a:t>для</a:t>
-            </a:r>
-            <a:r>
-              <a:rPr lang="en-US" dirty="0">
-                <a:ea typeface="+mn-lt"/>
-                <a:cs typeface="+mn-lt"/>
-              </a:rPr>
-              <a:t> </a:t>
-            </a:r>
-            <a:r>
-              <a:rPr lang="en-US" dirty="0" err="1">
-                <a:ea typeface="+mn-lt"/>
-                <a:cs typeface="+mn-lt"/>
-              </a:rPr>
-              <a:t>хранения</a:t>
-            </a:r>
-            <a:r>
-              <a:rPr lang="en-US" dirty="0">
-                <a:ea typeface="+mn-lt"/>
-                <a:cs typeface="+mn-lt"/>
-              </a:rPr>
-              <a:t> </a:t>
-            </a:r>
-            <a:r>
-              <a:rPr lang="en-US" dirty="0" err="1">
-                <a:ea typeface="+mn-lt"/>
-                <a:cs typeface="+mn-lt"/>
-              </a:rPr>
-              <a:t>нескольких</a:t>
-            </a:r>
-            <a:r>
-              <a:rPr lang="en-US" dirty="0">
-                <a:ea typeface="+mn-lt"/>
-                <a:cs typeface="+mn-lt"/>
-              </a:rPr>
-              <a:t> </a:t>
-            </a:r>
-            <a:r>
-              <a:rPr lang="en-US" dirty="0" err="1">
-                <a:ea typeface="+mn-lt"/>
-                <a:cs typeface="+mn-lt"/>
-              </a:rPr>
-              <a:t>объектов</a:t>
-            </a:r>
-            <a:r>
-              <a:rPr lang="en-US" dirty="0">
-                <a:ea typeface="+mn-lt"/>
-                <a:cs typeface="+mn-lt"/>
-              </a:rPr>
-              <a:t> </a:t>
-            </a:r>
-            <a:r>
-              <a:rPr lang="en-US" dirty="0" err="1">
-                <a:ea typeface="+mn-lt"/>
-                <a:cs typeface="+mn-lt"/>
-              </a:rPr>
-              <a:t>вместе</a:t>
-            </a:r>
-            <a:r>
-              <a:rPr lang="en-US" dirty="0">
-                <a:ea typeface="+mn-lt"/>
-                <a:cs typeface="+mn-lt"/>
-              </a:rPr>
-              <a:t>. </a:t>
-            </a:r>
-            <a:r>
-              <a:rPr lang="en-US" dirty="0" err="1">
-                <a:ea typeface="+mn-lt"/>
-                <a:cs typeface="+mn-lt"/>
-              </a:rPr>
-              <a:t>Одна</a:t>
-            </a:r>
-            <a:r>
-              <a:rPr lang="en-US" dirty="0">
-                <a:ea typeface="+mn-lt"/>
-                <a:cs typeface="+mn-lt"/>
-              </a:rPr>
-              <a:t> </a:t>
-            </a:r>
-            <a:r>
-              <a:rPr lang="en-US" dirty="0" err="1">
-                <a:ea typeface="+mn-lt"/>
-                <a:cs typeface="+mn-lt"/>
-              </a:rPr>
-              <a:t>из</a:t>
-            </a:r>
-            <a:r>
-              <a:rPr lang="en-US" dirty="0">
-                <a:ea typeface="+mn-lt"/>
-                <a:cs typeface="+mn-lt"/>
-              </a:rPr>
-              <a:t> </a:t>
-            </a:r>
-            <a:r>
-              <a:rPr lang="en-US" dirty="0" err="1">
-                <a:ea typeface="+mn-lt"/>
-                <a:cs typeface="+mn-lt"/>
-              </a:rPr>
-              <a:t>важнейших</a:t>
-            </a:r>
-            <a:r>
-              <a:rPr lang="en-US" dirty="0">
-                <a:ea typeface="+mn-lt"/>
-                <a:cs typeface="+mn-lt"/>
-              </a:rPr>
-              <a:t> </a:t>
-            </a:r>
-            <a:r>
-              <a:rPr lang="en-US" dirty="0" err="1">
-                <a:ea typeface="+mn-lt"/>
-                <a:cs typeface="+mn-lt"/>
-              </a:rPr>
-              <a:t>особенностей</a:t>
-            </a:r>
-            <a:r>
-              <a:rPr lang="en-US" dirty="0">
-                <a:ea typeface="+mn-lt"/>
-                <a:cs typeface="+mn-lt"/>
-              </a:rPr>
-              <a:t> </a:t>
-            </a:r>
-            <a:r>
-              <a:rPr lang="en-US" dirty="0" err="1">
-                <a:ea typeface="+mn-lt"/>
-                <a:cs typeface="+mn-lt"/>
-              </a:rPr>
-              <a:t>кортежей</a:t>
-            </a:r>
-            <a:r>
-              <a:rPr lang="en-US" dirty="0">
-                <a:ea typeface="+mn-lt"/>
-                <a:cs typeface="+mn-lt"/>
-              </a:rPr>
-              <a:t> </a:t>
-            </a:r>
-            <a:r>
-              <a:rPr lang="en-US" dirty="0" err="1">
-                <a:ea typeface="+mn-lt"/>
-                <a:cs typeface="+mn-lt"/>
-              </a:rPr>
-              <a:t>заключается</a:t>
-            </a:r>
-            <a:r>
-              <a:rPr lang="en-US" dirty="0">
-                <a:ea typeface="+mn-lt"/>
-                <a:cs typeface="+mn-lt"/>
-              </a:rPr>
-              <a:t> в </a:t>
-            </a:r>
-            <a:r>
-              <a:rPr lang="en-US" dirty="0" err="1">
-                <a:ea typeface="+mn-lt"/>
-                <a:cs typeface="+mn-lt"/>
-              </a:rPr>
-              <a:t>том</a:t>
-            </a:r>
-            <a:r>
-              <a:rPr lang="en-US" dirty="0">
-                <a:ea typeface="+mn-lt"/>
-                <a:cs typeface="+mn-lt"/>
-              </a:rPr>
-              <a:t>, </a:t>
-            </a:r>
-            <a:r>
-              <a:rPr lang="en-US" dirty="0" err="1">
-                <a:ea typeface="+mn-lt"/>
-                <a:cs typeface="+mn-lt"/>
-              </a:rPr>
-              <a:t>что</a:t>
-            </a:r>
-            <a:r>
-              <a:rPr lang="en-US" dirty="0">
-                <a:ea typeface="+mn-lt"/>
-                <a:cs typeface="+mn-lt"/>
-              </a:rPr>
-              <a:t> </a:t>
-            </a:r>
-            <a:r>
-              <a:rPr lang="en-US" dirty="0" err="1">
-                <a:ea typeface="+mn-lt"/>
-                <a:cs typeface="+mn-lt"/>
-              </a:rPr>
-              <a:t>они</a:t>
-            </a:r>
-            <a:r>
-              <a:rPr lang="en-US" dirty="0">
-                <a:ea typeface="+mn-lt"/>
-                <a:cs typeface="+mn-lt"/>
-              </a:rPr>
-              <a:t> </a:t>
-            </a:r>
-            <a:r>
-              <a:rPr lang="en-US" b="1" dirty="0" err="1">
-                <a:solidFill>
-                  <a:srgbClr val="FF6C3A"/>
-                </a:solidFill>
-                <a:ea typeface="+mn-lt"/>
-                <a:cs typeface="+mn-lt"/>
-              </a:rPr>
-              <a:t>неизменяемы</a:t>
-            </a:r>
-            <a:r>
-              <a:rPr lang="en-US" dirty="0">
-                <a:ea typeface="+mn-lt"/>
-                <a:cs typeface="+mn-lt"/>
-              </a:rPr>
-              <a:t>, </a:t>
-            </a:r>
-            <a:r>
-              <a:rPr lang="en-US" dirty="0" err="1">
-                <a:ea typeface="+mn-lt"/>
-                <a:cs typeface="+mn-lt"/>
-              </a:rPr>
-              <a:t>так</a:t>
-            </a:r>
-            <a:r>
-              <a:rPr lang="en-US" dirty="0">
-                <a:ea typeface="+mn-lt"/>
-                <a:cs typeface="+mn-lt"/>
-              </a:rPr>
-              <a:t> </a:t>
-            </a:r>
-            <a:r>
-              <a:rPr lang="en-US" dirty="0" err="1">
-                <a:ea typeface="+mn-lt"/>
-                <a:cs typeface="+mn-lt"/>
-              </a:rPr>
-              <a:t>же</a:t>
-            </a:r>
-            <a:r>
-              <a:rPr lang="en-US" dirty="0">
-                <a:ea typeface="+mn-lt"/>
-                <a:cs typeface="+mn-lt"/>
-              </a:rPr>
-              <a:t>, </a:t>
-            </a:r>
-            <a:r>
-              <a:rPr lang="en-US" dirty="0" err="1">
-                <a:ea typeface="+mn-lt"/>
-                <a:cs typeface="+mn-lt"/>
-              </a:rPr>
-              <a:t>как</a:t>
-            </a:r>
-            <a:r>
-              <a:rPr lang="en-US" dirty="0">
-                <a:ea typeface="+mn-lt"/>
-                <a:cs typeface="+mn-lt"/>
-              </a:rPr>
-              <a:t> и </a:t>
-            </a:r>
-            <a:r>
-              <a:rPr lang="en-US" dirty="0" err="1">
-                <a:ea typeface="+mn-lt"/>
-                <a:cs typeface="+mn-lt"/>
-              </a:rPr>
-              <a:t>строки</a:t>
-            </a:r>
-            <a:r>
-              <a:rPr lang="en-US" dirty="0">
-                <a:ea typeface="+mn-lt"/>
-                <a:cs typeface="+mn-lt"/>
-              </a:rPr>
-              <a:t>. </a:t>
-            </a:r>
-            <a:r>
-              <a:rPr lang="en-US" dirty="0" err="1">
-                <a:ea typeface="+mn-lt"/>
-                <a:cs typeface="+mn-lt"/>
-              </a:rPr>
-              <a:t>Т.е</a:t>
-            </a:r>
-            <a:r>
-              <a:rPr lang="en-US" dirty="0">
-                <a:ea typeface="+mn-lt"/>
-                <a:cs typeface="+mn-lt"/>
-              </a:rPr>
-              <a:t>. </a:t>
-            </a:r>
-            <a:r>
-              <a:rPr lang="en-US" dirty="0" err="1">
-                <a:ea typeface="+mn-lt"/>
-                <a:cs typeface="+mn-lt"/>
-              </a:rPr>
-              <a:t>модифицировать</a:t>
-            </a:r>
-            <a:r>
-              <a:rPr lang="en-US" dirty="0">
-                <a:ea typeface="+mn-lt"/>
-                <a:cs typeface="+mn-lt"/>
-              </a:rPr>
-              <a:t> </a:t>
-            </a:r>
-            <a:r>
-              <a:rPr lang="en-US" dirty="0" err="1">
-                <a:ea typeface="+mn-lt"/>
-                <a:cs typeface="+mn-lt"/>
-              </a:rPr>
-              <a:t>кортежи</a:t>
-            </a:r>
-            <a:r>
-              <a:rPr lang="en-US" dirty="0">
-                <a:ea typeface="+mn-lt"/>
-                <a:cs typeface="+mn-lt"/>
-              </a:rPr>
-              <a:t> </a:t>
-            </a:r>
-            <a:r>
-              <a:rPr lang="en-US" dirty="0" err="1">
-                <a:ea typeface="+mn-lt"/>
-                <a:cs typeface="+mn-lt"/>
-              </a:rPr>
-              <a:t>невозможно</a:t>
-            </a:r>
-            <a:r>
-              <a:rPr lang="en-US" dirty="0">
-                <a:ea typeface="+mn-lt"/>
-                <a:cs typeface="+mn-lt"/>
-              </a:rPr>
-              <a:t>.</a:t>
-            </a:r>
-            <a:br>
-              <a:rPr lang="en-US" dirty="0"/>
-            </a:br>
-            <a:endParaRPr lang="en-US">
-              <a:cs typeface="Calibri"/>
-            </a:endParaRPr>
-          </a:p>
-        </p:txBody>
-      </p:sp>
-      <p:pic>
-        <p:nvPicPr>
-          <p:cNvPr id="3" name="Picture 5">
-            <a:extLst>
-              <a:ext uri="{FF2B5EF4-FFF2-40B4-BE49-F238E27FC236}">
-                <a16:creationId xmlns:a16="http://schemas.microsoft.com/office/drawing/2014/main" id="{42EA3EC2-6CAD-420F-AFF8-FABA3E17C966}"/>
-              </a:ext>
-            </a:extLst>
-          </p:cNvPr>
-          <p:cNvPicPr>
-            <a:picLocks noChangeAspect="1"/>
-          </p:cNvPicPr>
-          <p:nvPr/>
-        </p:nvPicPr>
-        <p:blipFill>
-          <a:blip r:embed="rId2"/>
-          <a:stretch>
-            <a:fillRect/>
-          </a:stretch>
-        </p:blipFill>
-        <p:spPr>
-          <a:xfrm>
-            <a:off x="3442010" y="1282158"/>
-            <a:ext cx="5094248" cy="2862610"/>
-          </a:xfrm>
-          <a:prstGeom prst="rect">
-            <a:avLst/>
-          </a:prstGeom>
-        </p:spPr>
-      </p:pic>
-    </p:spTree>
-    <p:extLst>
-      <p:ext uri="{BB962C8B-B14F-4D97-AF65-F5344CB8AC3E}">
-        <p14:creationId xmlns:p14="http://schemas.microsoft.com/office/powerpoint/2010/main" val="2884253150"/>
-      </p:ext>
-    </p:extLst>
-  </p:cSld>
-  <p:clrMapOvr>
-    <a:masterClrMapping/>
-  </p:clrMapOvr>
-</p:sld>
-</file>
-
-<file path=ppt/slides/slide7.xml><?xml version="1.0" encoding="utf-8"?>
-<p:sld xmlns:a="http://schemas.openxmlformats.org/drawingml/2006/main" xmlns:r="http://schemas.openxmlformats.org/officeDocument/2006/relationships" xmlns:p="http://schemas.openxmlformats.org/presentationml/2006/main">
-  <p:cSld>
-    <p:spTree>
-      <p:nvGrpSpPr>
-        <p:cNvPr id="1" name=""/>
-        <p:cNvGrpSpPr/>
-        <p:nvPr/>
-      </p:nvGrpSpPr>
-      <p:grpSpPr>
-        <a:xfrm>
-          <a:off x="0" y="0"/>
-          <a:ext cx="0" cy="0"/>
-          <a:chOff x="0" y="0"/>
-          <a:chExt cx="0" cy="0"/>
-        </a:xfrm>
-      </p:grpSpPr>
-      <p:sp>
-        <p:nvSpPr>
-          <p:cNvPr id="5" name="TextBox 1">
-            <a:extLst>
-              <a:ext uri="{FF2B5EF4-FFF2-40B4-BE49-F238E27FC236}">
-                <a16:creationId xmlns:a16="http://schemas.microsoft.com/office/drawing/2014/main" id="{5080A0D0-CC8F-4CB8-8197-2F50804F40F7}"/>
-              </a:ext>
-            </a:extLst>
-          </p:cNvPr>
-          <p:cNvSpPr txBox="1"/>
-          <p:nvPr/>
-        </p:nvSpPr>
-        <p:spPr>
-          <a:xfrm>
-            <a:off x="4677526" y="213944"/>
-            <a:ext cx="3332727" cy="461665"/>
-          </a:xfrm>
-          <a:prstGeom prst="rect">
-            <a:avLst/>
-          </a:prstGeom>
-          <a:noFill/>
-        </p:spPr>
-        <p:txBody>
-          <a:bodyPr rot="0" spcFirstLastPara="0" vert="horz" wrap="square" lIns="91440" tIns="45720" rIns="91440" bIns="45720" numCol="1" spcCol="0" rtlCol="0" fromWordArt="0" anchor="t" anchorCtr="0" forceAA="0" compatLnSpc="1">
-            <a:prstTxWarp prst="textNoShape">
-              <a:avLst/>
-            </a:prstTxWarp>
-            <a:spAutoFit/>
-          </a:bodyPr>
-          <a:lstStyle>
-            <a:defPPr>
-              <a:defRPr lang="ru-RU"/>
-            </a:defPPr>
-            <a:lvl1pPr marL="0" algn="l" defTabSz="914400" rtl="0" eaLnBrk="1" latinLnBrk="0" hangingPunct="1">
-              <a:defRPr sz="1800" kern="1200">
-                <a:solidFill>
-                  <a:schemeClr val="tx1"/>
-                </a:solidFill>
-                <a:latin typeface="+mn-lt"/>
-                <a:ea typeface="+mn-ea"/>
-                <a:cs typeface="+mn-cs"/>
-              </a:defRPr>
-            </a:lvl1pPr>
-            <a:lvl2pPr marL="457200" algn="l" defTabSz="914400" rtl="0" eaLnBrk="1" latinLnBrk="0" hangingPunct="1">
-              <a:defRPr sz="1800" kern="1200">
-                <a:solidFill>
-                  <a:schemeClr val="tx1"/>
-                </a:solidFill>
-                <a:latin typeface="+mn-lt"/>
-                <a:ea typeface="+mn-ea"/>
-                <a:cs typeface="+mn-cs"/>
-              </a:defRPr>
-            </a:lvl2pPr>
-            <a:lvl3pPr marL="914400" algn="l" defTabSz="914400" rtl="0" eaLnBrk="1" latinLnBrk="0" hangingPunct="1">
-              <a:defRPr sz="1800" kern="1200">
-                <a:solidFill>
-                  <a:schemeClr val="tx1"/>
-                </a:solidFill>
-                <a:latin typeface="+mn-lt"/>
-                <a:ea typeface="+mn-ea"/>
-                <a:cs typeface="+mn-cs"/>
-              </a:defRPr>
-            </a:lvl3pPr>
-            <a:lvl4pPr marL="1371600" algn="l" defTabSz="914400" rtl="0" eaLnBrk="1" latinLnBrk="0" hangingPunct="1">
-              <a:defRPr sz="1800" kern="1200">
-                <a:solidFill>
-                  <a:schemeClr val="tx1"/>
-                </a:solidFill>
-                <a:latin typeface="+mn-lt"/>
-                <a:ea typeface="+mn-ea"/>
-                <a:cs typeface="+mn-cs"/>
-              </a:defRPr>
-            </a:lvl4pPr>
-            <a:lvl5pPr marL="1828800" algn="l" defTabSz="914400" rtl="0" eaLnBrk="1" latinLnBrk="0" hangingPunct="1">
-              <a:defRPr sz="1800" kern="1200">
-                <a:solidFill>
-                  <a:schemeClr val="tx1"/>
-                </a:solidFill>
-                <a:latin typeface="+mn-lt"/>
-                <a:ea typeface="+mn-ea"/>
-                <a:cs typeface="+mn-cs"/>
-              </a:defRPr>
-            </a:lvl5pPr>
-            <a:lvl6pPr marL="2286000" algn="l" defTabSz="914400" rtl="0" eaLnBrk="1" latinLnBrk="0" hangingPunct="1">
-              <a:defRPr sz="1800" kern="1200">
-                <a:solidFill>
-                  <a:schemeClr val="tx1"/>
-                </a:solidFill>
-                <a:latin typeface="+mn-lt"/>
-                <a:ea typeface="+mn-ea"/>
-                <a:cs typeface="+mn-cs"/>
-              </a:defRPr>
-            </a:lvl6pPr>
-            <a:lvl7pPr marL="2743200" algn="l" defTabSz="914400" rtl="0" eaLnBrk="1" latinLnBrk="0" hangingPunct="1">
-              <a:defRPr sz="1800" kern="1200">
-                <a:solidFill>
-                  <a:schemeClr val="tx1"/>
-                </a:solidFill>
-                <a:latin typeface="+mn-lt"/>
-                <a:ea typeface="+mn-ea"/>
-                <a:cs typeface="+mn-cs"/>
-              </a:defRPr>
-            </a:lvl7pPr>
-            <a:lvl8pPr marL="3200400" algn="l" defTabSz="914400" rtl="0" eaLnBrk="1" latinLnBrk="0" hangingPunct="1">
-              <a:defRPr sz="1800" kern="1200">
-                <a:solidFill>
-                  <a:schemeClr val="tx1"/>
-                </a:solidFill>
-                <a:latin typeface="+mn-lt"/>
-                <a:ea typeface="+mn-ea"/>
-                <a:cs typeface="+mn-cs"/>
-              </a:defRPr>
-            </a:lvl8pPr>
-            <a:lvl9pPr marL="3657600" algn="l" defTabSz="914400" rtl="0" eaLnBrk="1" latinLnBrk="0" hangingPunct="1">
-              <a:defRPr sz="1800" kern="1200">
-                <a:solidFill>
-                  <a:schemeClr val="tx1"/>
-                </a:solidFill>
-                <a:latin typeface="+mn-lt"/>
-                <a:ea typeface="+mn-ea"/>
-                <a:cs typeface="+mn-cs"/>
-              </a:defRPr>
-            </a:lvl9pPr>
-          </a:lstStyle>
-          <a:p>
-            <a:r>
-              <a:rPr lang="en-US" sz="2400" b="1" dirty="0" err="1">
-                <a:cs typeface="Calibri"/>
-              </a:rPr>
-              <a:t>Последовательности</a:t>
-            </a:r>
-            <a:endParaRPr lang="en-US" dirty="0" err="1"/>
-          </a:p>
-        </p:txBody>
-      </p:sp>
-      <p:sp>
-        <p:nvSpPr>
-          <p:cNvPr id="4" name="TextBox 3">
-            <a:extLst>
-              <a:ext uri="{FF2B5EF4-FFF2-40B4-BE49-F238E27FC236}">
-                <a16:creationId xmlns:a16="http://schemas.microsoft.com/office/drawing/2014/main" id="{7975019D-68F9-4491-8ACA-091B8AB3002E}"/>
-              </a:ext>
-            </a:extLst>
-          </p:cNvPr>
-          <p:cNvSpPr txBox="1"/>
-          <p:nvPr/>
-        </p:nvSpPr>
-        <p:spPr>
-          <a:xfrm>
-            <a:off x="398500" y="5617957"/>
-            <a:ext cx="11292154" cy="923330"/>
-          </a:xfrm>
-          <a:prstGeom prst="rect">
-            <a:avLst/>
-          </a:prstGeom>
-          <a:noFill/>
-        </p:spPr>
-        <p:txBody>
-          <a:bodyPr rot="0" spcFirstLastPara="0" vertOverflow="overflow" horzOverflow="overflow" vert="horz" wrap="square" lIns="91440" tIns="45720" rIns="91440" bIns="45720" numCol="1" spcCol="0" rtlCol="0" fromWordArt="0" anchor="t" anchorCtr="0" forceAA="0" compatLnSpc="1">
-            <a:prstTxWarp prst="textNoShape">
-              <a:avLst/>
-            </a:prstTxWarp>
-            <a:spAutoFit/>
-          </a:bodyPr>
-          <a:lstStyle/>
-          <a:p>
-            <a:pPr algn="ctr"/>
-            <a:r>
-              <a:rPr lang="en-US" dirty="0">
-                <a:ea typeface="+mn-lt"/>
-                <a:cs typeface="+mn-lt"/>
-              </a:rPr>
-              <a:t> </a:t>
-            </a:r>
-            <a:r>
-              <a:rPr lang="en-US" err="1">
-                <a:ea typeface="+mn-lt"/>
-                <a:cs typeface="+mn-lt"/>
-              </a:rPr>
-              <a:t>Основные</a:t>
-            </a:r>
-            <a:r>
-              <a:rPr lang="en-US" dirty="0">
-                <a:ea typeface="+mn-lt"/>
-                <a:cs typeface="+mn-lt"/>
-              </a:rPr>
-              <a:t> </a:t>
-            </a:r>
-            <a:r>
-              <a:rPr lang="en-US" err="1">
-                <a:ea typeface="+mn-lt"/>
-                <a:cs typeface="+mn-lt"/>
-              </a:rPr>
-              <a:t>возможности</a:t>
-            </a:r>
-            <a:r>
-              <a:rPr lang="en-US" dirty="0">
-                <a:ea typeface="+mn-lt"/>
-                <a:cs typeface="+mn-lt"/>
-              </a:rPr>
-              <a:t> – </a:t>
-            </a:r>
-            <a:r>
-              <a:rPr lang="en-US" err="1">
-                <a:ea typeface="+mn-lt"/>
-                <a:cs typeface="+mn-lt"/>
-              </a:rPr>
-              <a:t>это</a:t>
-            </a:r>
-            <a:r>
-              <a:rPr lang="en-US" dirty="0">
-                <a:ea typeface="+mn-lt"/>
-                <a:cs typeface="+mn-lt"/>
-              </a:rPr>
-              <a:t> </a:t>
-            </a:r>
-            <a:r>
-              <a:rPr lang="en-US" b="1" err="1">
-                <a:solidFill>
-                  <a:srgbClr val="FF6C3A"/>
-                </a:solidFill>
-                <a:ea typeface="+mn-lt"/>
-                <a:cs typeface="+mn-lt"/>
-              </a:rPr>
-              <a:t>проверка</a:t>
-            </a:r>
-            <a:r>
-              <a:rPr lang="en-US" b="1" dirty="0">
-                <a:solidFill>
-                  <a:srgbClr val="FF6C3A"/>
-                </a:solidFill>
-                <a:ea typeface="+mn-lt"/>
-                <a:cs typeface="+mn-lt"/>
-              </a:rPr>
-              <a:t> </a:t>
-            </a:r>
-            <a:r>
-              <a:rPr lang="en-US" b="1" err="1">
-                <a:solidFill>
-                  <a:srgbClr val="FF6C3A"/>
-                </a:solidFill>
-                <a:ea typeface="+mn-lt"/>
-                <a:cs typeface="+mn-lt"/>
-              </a:rPr>
-              <a:t>принадлежности</a:t>
-            </a:r>
-            <a:r>
-              <a:rPr lang="en-US" b="1" dirty="0">
-                <a:solidFill>
-                  <a:srgbClr val="FF6C3A"/>
-                </a:solidFill>
-                <a:ea typeface="+mn-lt"/>
-                <a:cs typeface="+mn-lt"/>
-              </a:rPr>
-              <a:t> </a:t>
-            </a:r>
-            <a:r>
-              <a:rPr lang="en-US" dirty="0">
-                <a:ea typeface="+mn-lt"/>
-                <a:cs typeface="+mn-lt"/>
-              </a:rPr>
-              <a:t>(</a:t>
-            </a:r>
-            <a:r>
-              <a:rPr lang="en-US" err="1">
-                <a:ea typeface="+mn-lt"/>
-                <a:cs typeface="+mn-lt"/>
-              </a:rPr>
-              <a:t>т.е</a:t>
-            </a:r>
-            <a:r>
-              <a:rPr lang="en-US" dirty="0">
-                <a:ea typeface="+mn-lt"/>
-                <a:cs typeface="+mn-lt"/>
-              </a:rPr>
-              <a:t>. </a:t>
-            </a:r>
-            <a:r>
-              <a:rPr lang="en-US" err="1">
-                <a:ea typeface="+mn-lt"/>
-                <a:cs typeface="+mn-lt"/>
-              </a:rPr>
-              <a:t>выражения</a:t>
-            </a:r>
-            <a:r>
-              <a:rPr lang="en-US" dirty="0">
-                <a:ea typeface="+mn-lt"/>
-                <a:cs typeface="+mn-lt"/>
-              </a:rPr>
-              <a:t> « in » и « not</a:t>
-            </a:r>
-          </a:p>
-          <a:p>
-            <a:pPr algn="ctr"/>
-            <a:r>
-              <a:rPr lang="en-US" dirty="0">
-                <a:ea typeface="+mn-lt"/>
-                <a:cs typeface="+mn-lt"/>
-              </a:rPr>
-              <a:t>in ») и </a:t>
-            </a:r>
-            <a:r>
-              <a:rPr lang="en-US" b="1" dirty="0" err="1">
-                <a:solidFill>
-                  <a:srgbClr val="FF6C3A"/>
-                </a:solidFill>
-                <a:ea typeface="+mn-lt"/>
-                <a:cs typeface="+mn-lt"/>
-              </a:rPr>
-              <a:t>оператор</a:t>
-            </a:r>
-            <a:r>
-              <a:rPr lang="en-US" b="1" dirty="0">
-                <a:solidFill>
-                  <a:srgbClr val="FF6C3A"/>
-                </a:solidFill>
-                <a:ea typeface="+mn-lt"/>
-                <a:cs typeface="+mn-lt"/>
-              </a:rPr>
-              <a:t> </a:t>
-            </a:r>
-            <a:r>
-              <a:rPr lang="en-US" b="1" dirty="0" err="1">
-                <a:solidFill>
-                  <a:srgbClr val="FF6C3A"/>
-                </a:solidFill>
-                <a:ea typeface="+mn-lt"/>
-                <a:cs typeface="+mn-lt"/>
-              </a:rPr>
-              <a:t>индексирования</a:t>
-            </a:r>
-            <a:r>
-              <a:rPr lang="en-US" dirty="0">
-                <a:ea typeface="+mn-lt"/>
-                <a:cs typeface="+mn-lt"/>
-              </a:rPr>
-              <a:t>, </a:t>
-            </a:r>
-            <a:r>
-              <a:rPr lang="en-US" dirty="0" err="1">
-                <a:ea typeface="+mn-lt"/>
-                <a:cs typeface="+mn-lt"/>
-              </a:rPr>
-              <a:t>позволяющий</a:t>
-            </a:r>
-            <a:r>
-              <a:rPr lang="en-US" dirty="0">
-                <a:ea typeface="+mn-lt"/>
-                <a:cs typeface="+mn-lt"/>
-              </a:rPr>
-              <a:t> </a:t>
-            </a:r>
-            <a:r>
-              <a:rPr lang="en-US" dirty="0" err="1">
-                <a:ea typeface="+mn-lt"/>
-                <a:cs typeface="+mn-lt"/>
-              </a:rPr>
-              <a:t>получить</a:t>
-            </a:r>
-            <a:r>
-              <a:rPr lang="en-US" dirty="0">
-                <a:ea typeface="+mn-lt"/>
-                <a:cs typeface="+mn-lt"/>
-              </a:rPr>
-              <a:t> </a:t>
-            </a:r>
-            <a:r>
-              <a:rPr lang="en-US" dirty="0" err="1">
-                <a:ea typeface="+mn-lt"/>
-                <a:cs typeface="+mn-lt"/>
-              </a:rPr>
-              <a:t>напрямую</a:t>
-            </a:r>
-            <a:r>
-              <a:rPr lang="en-US" dirty="0">
-                <a:ea typeface="+mn-lt"/>
-                <a:cs typeface="+mn-lt"/>
-              </a:rPr>
-              <a:t> </a:t>
-            </a:r>
-            <a:r>
-              <a:rPr lang="en-US" dirty="0" err="1">
-                <a:ea typeface="+mn-lt"/>
-                <a:cs typeface="+mn-lt"/>
-              </a:rPr>
-              <a:t>некоторый</a:t>
-            </a:r>
-            <a:r>
-              <a:rPr lang="en-US" dirty="0">
-                <a:ea typeface="+mn-lt"/>
-                <a:cs typeface="+mn-lt"/>
-              </a:rPr>
-              <a:t> </a:t>
-            </a:r>
-            <a:r>
-              <a:rPr lang="en-US" dirty="0" err="1">
-                <a:ea typeface="+mn-lt"/>
-                <a:cs typeface="+mn-lt"/>
-              </a:rPr>
-              <a:t>элемент</a:t>
-            </a:r>
-            <a:r>
-              <a:rPr lang="en-US" dirty="0">
-                <a:ea typeface="+mn-lt"/>
-                <a:cs typeface="+mn-lt"/>
-              </a:rPr>
-              <a:t> </a:t>
-            </a:r>
-            <a:r>
-              <a:rPr lang="en-US" dirty="0" err="1">
-                <a:ea typeface="+mn-lt"/>
-                <a:cs typeface="+mn-lt"/>
-              </a:rPr>
-              <a:t>последовательности</a:t>
-            </a:r>
-            <a:r>
-              <a:rPr lang="en-US" dirty="0">
-                <a:ea typeface="+mn-lt"/>
-                <a:cs typeface="+mn-lt"/>
-              </a:rPr>
-              <a:t>.</a:t>
-            </a:r>
-            <a:br>
-              <a:rPr lang="en-US" dirty="0"/>
-            </a:br>
-            <a:endParaRPr lang="en-US">
-              <a:cs typeface="Calibri"/>
-            </a:endParaRPr>
-          </a:p>
-        </p:txBody>
-      </p:sp>
-      <p:sp>
-        <p:nvSpPr>
-          <p:cNvPr id="2" name="Oval 1">
-            <a:extLst>
-              <a:ext uri="{FF2B5EF4-FFF2-40B4-BE49-F238E27FC236}">
-                <a16:creationId xmlns:a16="http://schemas.microsoft.com/office/drawing/2014/main" id="{E4A32D74-1F11-4CF5-8F7D-3521A4272859}"/>
-              </a:ext>
-            </a:extLst>
-          </p:cNvPr>
-          <p:cNvSpPr/>
-          <p:nvPr/>
-        </p:nvSpPr>
-        <p:spPr>
-          <a:xfrm>
-            <a:off x="3594410" y="1419922"/>
-            <a:ext cx="1449657" cy="1347438"/>
-          </a:xfrm>
-          <a:prstGeom prst="ellipse">
-            <a:avLst/>
-          </a:prstGeom>
-          <a:solidFill>
-            <a:srgbClr val="FF6C3A"/>
-          </a:solidFill>
-        </p:spPr>
-        <p:style>
-          <a:lnRef idx="2">
-            <a:schemeClr val="accent1">
-              <a:shade val="50000"/>
-            </a:schemeClr>
-          </a:lnRef>
-          <a:fillRef idx="1">
-            <a:schemeClr val="accent1"/>
-          </a:fillRef>
-          <a:effectRef idx="0">
-            <a:schemeClr val="accent1"/>
-          </a:effectRef>
-          <a:fontRef idx="minor">
-            <a:schemeClr val="lt1"/>
-          </a:fontRef>
-        </p:style>
-        <p:txBody>
-          <a:bodyPr rtlCol="0" anchor="ctr"/>
-          <a:lstStyle/>
-          <a:p>
-            <a:pPr algn="ctr"/>
-            <a:r>
-              <a:rPr lang="en-US" b="1" dirty="0" err="1">
-                <a:cs typeface="Calibri"/>
-              </a:rPr>
-              <a:t>Cписки</a:t>
-            </a:r>
-            <a:endParaRPr lang="en-US" b="1" dirty="0" err="1"/>
-          </a:p>
-        </p:txBody>
-      </p:sp>
-      <p:sp>
-        <p:nvSpPr>
-          <p:cNvPr id="6" name="Oval 5">
-            <a:extLst>
-              <a:ext uri="{FF2B5EF4-FFF2-40B4-BE49-F238E27FC236}">
-                <a16:creationId xmlns:a16="http://schemas.microsoft.com/office/drawing/2014/main" id="{42661127-69F5-4881-8E64-68D9B1A21F91}"/>
-              </a:ext>
-            </a:extLst>
-          </p:cNvPr>
-          <p:cNvSpPr/>
-          <p:nvPr/>
-        </p:nvSpPr>
-        <p:spPr>
-          <a:xfrm>
-            <a:off x="5211337" y="1419922"/>
-            <a:ext cx="1505413" cy="1347438"/>
-          </a:xfrm>
-          <a:prstGeom prst="ellipse">
-            <a:avLst/>
-          </a:prstGeom>
-          <a:solidFill>
-            <a:srgbClr val="FF6C3A"/>
-          </a:solidFill>
-        </p:spPr>
-        <p:style>
-          <a:lnRef idx="2">
-            <a:schemeClr val="accent1">
-              <a:shade val="50000"/>
-            </a:schemeClr>
-          </a:lnRef>
-          <a:fillRef idx="1">
-            <a:schemeClr val="accent1"/>
-          </a:fillRef>
-          <a:effectRef idx="0">
-            <a:schemeClr val="accent1"/>
-          </a:effectRef>
-          <a:fontRef idx="minor">
-            <a:schemeClr val="lt1"/>
-          </a:fontRef>
-        </p:style>
-        <p:txBody>
-          <a:bodyPr lIns="91440" tIns="45720" rIns="91440" bIns="45720" rtlCol="0" anchor="ctr"/>
-          <a:lstStyle/>
-          <a:p>
-            <a:pPr algn="ctr"/>
-            <a:r>
-              <a:rPr lang="en-US" b="1" dirty="0" err="1">
-                <a:cs typeface="Calibri"/>
-              </a:rPr>
-              <a:t>Кортежи</a:t>
-            </a:r>
-            <a:endParaRPr lang="en-US" b="1" dirty="0" err="1"/>
-          </a:p>
-        </p:txBody>
-      </p:sp>
-      <p:sp>
-        <p:nvSpPr>
-          <p:cNvPr id="7" name="Oval 6">
-            <a:extLst>
-              <a:ext uri="{FF2B5EF4-FFF2-40B4-BE49-F238E27FC236}">
-                <a16:creationId xmlns:a16="http://schemas.microsoft.com/office/drawing/2014/main" id="{A2B0BE34-59FB-4ACC-B835-83FA46D93F71}"/>
-              </a:ext>
-            </a:extLst>
-          </p:cNvPr>
-          <p:cNvSpPr/>
-          <p:nvPr/>
-        </p:nvSpPr>
-        <p:spPr>
-          <a:xfrm>
-            <a:off x="6884019" y="1373459"/>
-            <a:ext cx="1449657" cy="1347438"/>
-          </a:xfrm>
-          <a:prstGeom prst="ellipse">
-            <a:avLst/>
-          </a:prstGeom>
-          <a:solidFill>
-            <a:srgbClr val="FF6C3A"/>
-          </a:solidFill>
-        </p:spPr>
-        <p:style>
-          <a:lnRef idx="2">
-            <a:schemeClr val="accent1">
-              <a:shade val="50000"/>
-            </a:schemeClr>
-          </a:lnRef>
-          <a:fillRef idx="1">
-            <a:schemeClr val="accent1"/>
-          </a:fillRef>
-          <a:effectRef idx="0">
-            <a:schemeClr val="accent1"/>
-          </a:effectRef>
-          <a:fontRef idx="minor">
-            <a:schemeClr val="lt1"/>
-          </a:fontRef>
-        </p:style>
-        <p:txBody>
-          <a:bodyPr lIns="91440" tIns="45720" rIns="91440" bIns="45720" rtlCol="0" anchor="ctr"/>
-          <a:lstStyle/>
-          <a:p>
-            <a:pPr algn="ctr"/>
-            <a:r>
-              <a:rPr lang="en-US" b="1" dirty="0">
-                <a:cs typeface="Calibri"/>
-              </a:rPr>
-              <a:t>Строки</a:t>
-            </a:r>
-            <a:endParaRPr lang="en-US" b="1" dirty="0" err="1"/>
-          </a:p>
-        </p:txBody>
-      </p:sp>
-      <p:grpSp>
-        <p:nvGrpSpPr>
-          <p:cNvPr id="12" name="Group 11">
-            <a:extLst>
-              <a:ext uri="{FF2B5EF4-FFF2-40B4-BE49-F238E27FC236}">
-                <a16:creationId xmlns:a16="http://schemas.microsoft.com/office/drawing/2014/main" id="{5B6A03DC-79D0-400E-AB0B-6343140E98BC}"/>
-              </a:ext>
-            </a:extLst>
-          </p:cNvPr>
-          <p:cNvGrpSpPr/>
-          <p:nvPr/>
-        </p:nvGrpSpPr>
-        <p:grpSpPr>
-          <a:xfrm>
-            <a:off x="2476966" y="2943280"/>
-            <a:ext cx="3010827" cy="1485148"/>
-            <a:chOff x="2476966" y="2943280"/>
-            <a:chExt cx="3010827" cy="1485148"/>
-          </a:xfrm>
-        </p:grpSpPr>
-        <p:sp>
-          <p:nvSpPr>
-            <p:cNvPr id="8" name="Arrow: Down 7">
-              <a:extLst>
-                <a:ext uri="{FF2B5EF4-FFF2-40B4-BE49-F238E27FC236}">
-                  <a16:creationId xmlns:a16="http://schemas.microsoft.com/office/drawing/2014/main" id="{451256DB-4718-4826-AFAA-40723CAF37C4}"/>
-                </a:ext>
-              </a:extLst>
-            </p:cNvPr>
-            <p:cNvSpPr/>
-            <p:nvPr/>
-          </p:nvSpPr>
-          <p:spPr>
-            <a:xfrm rot="1980000">
-              <a:off x="4723460" y="2943280"/>
-              <a:ext cx="483219" cy="659780"/>
-            </a:xfrm>
-            <a:prstGeom prst="downArrow">
-              <a:avLst/>
-            </a:prstGeom>
-            <a:solidFill>
-              <a:srgbClr val="001D3C"/>
-            </a:solidFill>
-          </p:spPr>
-          <p:style>
-            <a:lnRef idx="2">
-              <a:schemeClr val="accent1">
-                <a:shade val="50000"/>
-              </a:schemeClr>
-            </a:lnRef>
-            <a:fillRef idx="1">
-              <a:schemeClr val="accent1"/>
-            </a:fillRef>
-            <a:effectRef idx="0">
-              <a:schemeClr val="accent1"/>
-            </a:effectRef>
-            <a:fontRef idx="minor">
-              <a:schemeClr val="lt1"/>
-            </a:fontRef>
-          </p:style>
-          <p:txBody>
-            <a:bodyPr rtlCol="0" anchor="ctr"/>
-            <a:lstStyle/>
-            <a:p>
-              <a:pPr algn="ctr"/>
-              <a:endParaRPr lang="en-US"/>
-            </a:p>
-          </p:txBody>
-        </p:sp>
-        <p:sp>
-          <p:nvSpPr>
-            <p:cNvPr id="10" name="Rectangle: Rounded Corners 9">
-              <a:extLst>
-                <a:ext uri="{FF2B5EF4-FFF2-40B4-BE49-F238E27FC236}">
-                  <a16:creationId xmlns:a16="http://schemas.microsoft.com/office/drawing/2014/main" id="{4E1B57F4-57F6-41C8-AECC-D7149EC5BCDA}"/>
-                </a:ext>
-              </a:extLst>
-            </p:cNvPr>
-            <p:cNvSpPr/>
-            <p:nvPr/>
-          </p:nvSpPr>
-          <p:spPr>
-            <a:xfrm>
-              <a:off x="2476966" y="3787233"/>
-              <a:ext cx="3010827" cy="641195"/>
-            </a:xfrm>
-            <a:prstGeom prst="roundRect">
-              <a:avLst/>
-            </a:prstGeom>
-            <a:solidFill>
-              <a:srgbClr val="FF6C3A"/>
-            </a:solidFill>
-          </p:spPr>
-          <p:style>
-            <a:lnRef idx="2">
-              <a:schemeClr val="accent1">
-                <a:shade val="50000"/>
-              </a:schemeClr>
-            </a:lnRef>
-            <a:fillRef idx="1">
-              <a:schemeClr val="accent1"/>
-            </a:fillRef>
-            <a:effectRef idx="0">
-              <a:schemeClr val="accent1"/>
-            </a:effectRef>
-            <a:fontRef idx="minor">
-              <a:schemeClr val="lt1"/>
-            </a:fontRef>
-          </p:style>
-          <p:txBody>
-            <a:bodyPr rtlCol="0" anchor="ctr"/>
-            <a:lstStyle/>
-            <a:p>
-              <a:pPr algn="ctr"/>
-              <a:r>
-                <a:rPr lang="en-US" dirty="0" err="1">
-                  <a:cs typeface="Calibri"/>
-                </a:rPr>
-                <a:t>Проверка</a:t>
-              </a:r>
-              <a:r>
-                <a:rPr lang="en-US" dirty="0">
-                  <a:cs typeface="Calibri"/>
-                </a:rPr>
-                <a:t> </a:t>
-              </a:r>
-              <a:r>
-                <a:rPr lang="en-US" dirty="0" err="1">
-                  <a:cs typeface="Calibri"/>
-                </a:rPr>
-                <a:t>принадлежности</a:t>
-              </a:r>
-              <a:endParaRPr lang="en-US" dirty="0" err="1"/>
-            </a:p>
-          </p:txBody>
-        </p:sp>
-      </p:grpSp>
-      <p:grpSp>
-        <p:nvGrpSpPr>
-          <p:cNvPr id="13" name="Group 12">
-            <a:extLst>
-              <a:ext uri="{FF2B5EF4-FFF2-40B4-BE49-F238E27FC236}">
-                <a16:creationId xmlns:a16="http://schemas.microsoft.com/office/drawing/2014/main" id="{F8D68F03-2463-4891-8B7B-BBECD26E3207}"/>
-              </a:ext>
-            </a:extLst>
-          </p:cNvPr>
-          <p:cNvGrpSpPr/>
-          <p:nvPr/>
-        </p:nvGrpSpPr>
-        <p:grpSpPr>
-          <a:xfrm>
-            <a:off x="6630795" y="2943280"/>
-            <a:ext cx="3010827" cy="1485148"/>
-            <a:chOff x="6630795" y="2943280"/>
-            <a:chExt cx="3010827" cy="1485148"/>
-          </a:xfrm>
-        </p:grpSpPr>
-        <p:sp>
-          <p:nvSpPr>
-            <p:cNvPr id="9" name="Arrow: Down 8">
-              <a:extLst>
-                <a:ext uri="{FF2B5EF4-FFF2-40B4-BE49-F238E27FC236}">
-                  <a16:creationId xmlns:a16="http://schemas.microsoft.com/office/drawing/2014/main" id="{851FA8E3-0CE0-46C4-A7D3-7E495615ECDC}"/>
-                </a:ext>
-              </a:extLst>
-            </p:cNvPr>
-            <p:cNvSpPr/>
-            <p:nvPr/>
-          </p:nvSpPr>
-          <p:spPr>
-            <a:xfrm rot="-2160000">
-              <a:off x="6712094" y="2943280"/>
-              <a:ext cx="483219" cy="659780"/>
-            </a:xfrm>
-            <a:prstGeom prst="downArrow">
-              <a:avLst/>
-            </a:prstGeom>
-            <a:solidFill>
-              <a:srgbClr val="001D3C"/>
-            </a:solidFill>
-          </p:spPr>
-          <p:style>
-            <a:lnRef idx="2">
-              <a:schemeClr val="accent1">
-                <a:shade val="50000"/>
-              </a:schemeClr>
-            </a:lnRef>
-            <a:fillRef idx="1">
-              <a:schemeClr val="accent1"/>
-            </a:fillRef>
-            <a:effectRef idx="0">
-              <a:schemeClr val="accent1"/>
-            </a:effectRef>
-            <a:fontRef idx="minor">
-              <a:schemeClr val="lt1"/>
-            </a:fontRef>
-          </p:style>
-          <p:txBody>
-            <a:bodyPr lIns="91440" tIns="45720" rIns="91440" bIns="45720" rtlCol="0" anchor="ctr"/>
-            <a:lstStyle/>
-            <a:p>
-              <a:pPr algn="ctr"/>
-              <a:endParaRPr lang="en-US" dirty="0">
-                <a:solidFill>
-                  <a:srgbClr val="001D3C"/>
-                </a:solidFill>
-                <a:cs typeface="Calibri"/>
-              </a:endParaRPr>
-            </a:p>
-          </p:txBody>
-        </p:sp>
-        <p:sp>
-          <p:nvSpPr>
-            <p:cNvPr id="11" name="Rectangle: Rounded Corners 10">
-              <a:extLst>
-                <a:ext uri="{FF2B5EF4-FFF2-40B4-BE49-F238E27FC236}">
-                  <a16:creationId xmlns:a16="http://schemas.microsoft.com/office/drawing/2014/main" id="{A78E3998-C2BC-48AA-ADE7-CF1CBF32F620}"/>
-                </a:ext>
-              </a:extLst>
-            </p:cNvPr>
-            <p:cNvSpPr/>
-            <p:nvPr/>
-          </p:nvSpPr>
-          <p:spPr>
-            <a:xfrm>
-              <a:off x="6630795" y="3787233"/>
-              <a:ext cx="3010827" cy="641195"/>
-            </a:xfrm>
-            <a:prstGeom prst="roundRect">
-              <a:avLst/>
-            </a:prstGeom>
-            <a:solidFill>
-              <a:srgbClr val="FF6C3A"/>
-            </a:solidFill>
-          </p:spPr>
-          <p:style>
-            <a:lnRef idx="2">
-              <a:schemeClr val="accent1">
-                <a:shade val="50000"/>
-              </a:schemeClr>
-            </a:lnRef>
-            <a:fillRef idx="1">
-              <a:schemeClr val="accent1"/>
-            </a:fillRef>
-            <a:effectRef idx="0">
-              <a:schemeClr val="accent1"/>
-            </a:effectRef>
-            <a:fontRef idx="minor">
-              <a:schemeClr val="lt1"/>
-            </a:fontRef>
-          </p:style>
-          <p:txBody>
-            <a:bodyPr lIns="91440" tIns="45720" rIns="91440" bIns="45720" rtlCol="0" anchor="ctr"/>
-            <a:lstStyle/>
-            <a:p>
-              <a:pPr algn="ctr"/>
-              <a:r>
-                <a:rPr lang="en-US" dirty="0" err="1">
-                  <a:cs typeface="Calibri"/>
-                </a:rPr>
-                <a:t>Оператор</a:t>
-              </a:r>
-              <a:r>
-                <a:rPr lang="en-US" dirty="0">
-                  <a:cs typeface="Calibri"/>
-                </a:rPr>
-                <a:t> </a:t>
-              </a:r>
-              <a:r>
-                <a:rPr lang="en-US" dirty="0" err="1">
-                  <a:cs typeface="Calibri"/>
-                </a:rPr>
-                <a:t>индексирования</a:t>
-              </a:r>
-            </a:p>
-          </p:txBody>
-        </p:sp>
-      </p:grpSp>
-    </p:spTree>
-    <p:extLst>
-      <p:ext uri="{BB962C8B-B14F-4D97-AF65-F5344CB8AC3E}">
-        <p14:creationId xmlns:p14="http://schemas.microsoft.com/office/powerpoint/2010/main" val="2316149695"/>
-      </p:ext>
-    </p:extLst>
-  </p:cSld>
-  <p:clrMapOvr>
-    <a:masterClrMapping/>
-  </p:clrMapOvr>
-  <p:timing>
-    <p:tnLst>
-      <p:par>
-        <p:cTn id="1" dur="indefinite" restart="never" nodeType="tmRoot">
-          <p:childTnLst>
-            <p:seq concurrent="1" nextAc="seek">
-              <p:cTn id="2" dur="indefinite" nodeType="mainSeq">
-                <p:childTnLst>
-                  <p:par>
-                    <p:cTn id="3" fill="hold">
-                      <p:stCondLst>
-                        <p:cond delay="indefinite"/>
-                      </p:stCondLst>
-                      <p:childTnLst>
-                        <p:par>
-                          <p:cTn id="4" fill="hold">
-                            <p:stCondLst>
-                              <p:cond delay="0"/>
-                            </p:stCondLst>
-                            <p:childTnLst>
-                              <p:par>
-                                <p:cTn id="5" presetID="10" presetClass="entr" presetSubtype="0" fill="hold" grpId="0" nodeType="clickEffect">
-                                  <p:stCondLst>
-                                    <p:cond delay="0"/>
-                                  </p:stCondLst>
-                                  <p:childTnLst>
-                                    <p:set>
-                                      <p:cBhvr>
-                                        <p:cTn id="6" dur="1" fill="hold">
-                                          <p:stCondLst>
-                                            <p:cond delay="0"/>
-                                          </p:stCondLst>
-                                        </p:cTn>
-                                        <p:tgtEl>
-                                          <p:spTgt spid="2"/>
-                                        </p:tgtEl>
-                                        <p:attrNameLst>
-                                          <p:attrName>style.visibility</p:attrName>
-                                        </p:attrNameLst>
-                                      </p:cBhvr>
-                                      <p:to>
-                                        <p:strVal val="visible"/>
-                                      </p:to>
-                                    </p:set>
-                                    <p:animEffect transition="in" filter="fade">
-                                      <p:cBhvr>
-                                        <p:cTn id="7" dur="500"/>
-                                        <p:tgtEl>
-                                          <p:spTgt spid="2"/>
-                                        </p:tgtEl>
-                                      </p:cBhvr>
-                                    </p:animEffect>
-                                  </p:childTnLst>
-                                </p:cTn>
-                              </p:par>
-                            </p:childTnLst>
-                          </p:cTn>
-                        </p:par>
-                      </p:childTnLst>
-                    </p:cTn>
-                  </p:par>
-                  <p:par>
-                    <p:cTn id="8" fill="hold">
-                      <p:stCondLst>
-                        <p:cond delay="indefinite"/>
-                      </p:stCondLst>
-                      <p:childTnLst>
-                        <p:par>
-                          <p:cTn id="9" fill="hold">
-                            <p:stCondLst>
-                              <p:cond delay="0"/>
-                            </p:stCondLst>
-                            <p:childTnLst>
-                              <p:par>
-                                <p:cTn id="10" presetID="10" presetClass="entr" presetSubtype="0" fill="hold" grpId="0" nodeType="clickEffect">
-                                  <p:stCondLst>
-                                    <p:cond delay="0"/>
-                                  </p:stCondLst>
-                                  <p:childTnLst>
-                                    <p:set>
-                                      <p:cBhvr>
-                                        <p:cTn id="11" dur="1" fill="hold">
-                                          <p:stCondLst>
-                                            <p:cond delay="0"/>
-                                          </p:stCondLst>
-                                        </p:cTn>
-                                        <p:tgtEl>
-                                          <p:spTgt spid="6"/>
-                                        </p:tgtEl>
-                                        <p:attrNameLst>
-                                          <p:attrName>style.visibility</p:attrName>
-                                        </p:attrNameLst>
-                                      </p:cBhvr>
-                                      <p:to>
-                                        <p:strVal val="visible"/>
-                                      </p:to>
-                                    </p:set>
-                                    <p:animEffect transition="in" filter="fade">
-                                      <p:cBhvr>
-                                        <p:cTn id="12" dur="500"/>
-                                        <p:tgtEl>
-                                          <p:spTgt spid="6"/>
-                                        </p:tgtEl>
-                                      </p:cBhvr>
-                                    </p:animEffect>
-                                  </p:childTnLst>
-                                </p:cTn>
-                              </p:par>
-                            </p:childTnLst>
-                          </p:cTn>
-                        </p:par>
-                      </p:childTnLst>
-                    </p:cTn>
-                  </p:par>
-                  <p:par>
-                    <p:cTn id="13" fill="hold">
-                      <p:stCondLst>
-                        <p:cond delay="indefinite"/>
-                      </p:stCondLst>
-                      <p:childTnLst>
-                        <p:par>
-                          <p:cTn id="14" fill="hold">
-                            <p:stCondLst>
-                              <p:cond delay="0"/>
-                            </p:stCondLst>
-                            <p:childTnLst>
-                              <p:par>
-                                <p:cTn id="15" presetID="10" presetClass="entr" presetSubtype="0" fill="hold" grpId="0" nodeType="clickEffect">
-                                  <p:stCondLst>
-                                    <p:cond delay="0"/>
-                                  </p:stCondLst>
-                                  <p:childTnLst>
-                                    <p:set>
-                                      <p:cBhvr>
-                                        <p:cTn id="16" dur="1" fill="hold">
-                                          <p:stCondLst>
-                                            <p:cond delay="0"/>
-                                          </p:stCondLst>
-                                        </p:cTn>
-                                        <p:tgtEl>
-                                          <p:spTgt spid="7"/>
-                                        </p:tgtEl>
-                                        <p:attrNameLst>
-                                          <p:attrName>style.visibility</p:attrName>
-                                        </p:attrNameLst>
-                                      </p:cBhvr>
-                                      <p:to>
-                                        <p:strVal val="visible"/>
-                                      </p:to>
-                                    </p:set>
-                                    <p:animEffect transition="in" filter="fade">
-                                      <p:cBhvr>
-                                        <p:cTn id="17" dur="500"/>
-                                        <p:tgtEl>
-                                          <p:spTgt spid="7"/>
-                                        </p:tgtEl>
-                                      </p:cBhvr>
-                                    </p:animEffect>
-                                  </p:childTnLst>
-                                </p:cTn>
-                              </p:par>
-                            </p:childTnLst>
-                          </p:cTn>
-                        </p:par>
-                      </p:childTnLst>
-                    </p:cTn>
-                  </p:par>
-                  <p:par>
-                    <p:cTn id="18" fill="hold">
-                      <p:stCondLst>
-                        <p:cond delay="indefinite"/>
-                      </p:stCondLst>
-                      <p:childTnLst>
-                        <p:par>
-                          <p:cTn id="19" fill="hold">
-                            <p:stCondLst>
-                              <p:cond delay="0"/>
-                            </p:stCondLst>
-                            <p:childTnLst>
-                              <p:par>
-                                <p:cTn id="20" presetID="10" presetClass="entr" presetSubtype="0" fill="hold" nodeType="clickEffect">
-                                  <p:stCondLst>
-                                    <p:cond delay="0"/>
-                                  </p:stCondLst>
-                                  <p:childTnLst>
-                                    <p:set>
-                                      <p:cBhvr>
-                                        <p:cTn id="21" dur="1" fill="hold">
-                                          <p:stCondLst>
-                                            <p:cond delay="0"/>
-                                          </p:stCondLst>
-                                        </p:cTn>
-                                        <p:tgtEl>
-                                          <p:spTgt spid="12"/>
-                                        </p:tgtEl>
-                                        <p:attrNameLst>
-                                          <p:attrName>style.visibility</p:attrName>
-                                        </p:attrNameLst>
-                                      </p:cBhvr>
-                                      <p:to>
-                                        <p:strVal val="visible"/>
-                                      </p:to>
-                                    </p:set>
-                                    <p:animEffect transition="in" filter="fade">
-                                      <p:cBhvr>
-                                        <p:cTn id="22" dur="500"/>
-                                        <p:tgtEl>
-                                          <p:spTgt spid="12"/>
-                                        </p:tgtEl>
-                                      </p:cBhvr>
-                                    </p:animEffect>
-                                  </p:childTnLst>
-                                </p:cTn>
-                              </p:par>
-                            </p:childTnLst>
-                          </p:cTn>
-                        </p:par>
-                      </p:childTnLst>
-                    </p:cTn>
-                  </p:par>
-                  <p:par>
-                    <p:cTn id="23" fill="hold">
-                      <p:stCondLst>
-                        <p:cond delay="indefinite"/>
-                      </p:stCondLst>
-                      <p:childTnLst>
-                        <p:par>
-                          <p:cTn id="24" fill="hold">
-                            <p:stCondLst>
-                              <p:cond delay="0"/>
-                            </p:stCondLst>
-                            <p:childTnLst>
-                              <p:par>
-                                <p:cTn id="25" presetID="10" presetClass="entr" presetSubtype="0" fill="hold" nodeType="clickEffect">
-                                  <p:stCondLst>
-                                    <p:cond delay="0"/>
-                                  </p:stCondLst>
-                                  <p:childTnLst>
-                                    <p:set>
-                                      <p:cBhvr>
-                                        <p:cTn id="26" dur="1" fill="hold">
-                                          <p:stCondLst>
-                                            <p:cond delay="0"/>
-                                          </p:stCondLst>
-                                        </p:cTn>
-                                        <p:tgtEl>
-                                          <p:spTgt spid="13"/>
-                                        </p:tgtEl>
-                                        <p:attrNameLst>
-                                          <p:attrName>style.visibility</p:attrName>
-                                        </p:attrNameLst>
-                                      </p:cBhvr>
-                                      <p:to>
-                                        <p:strVal val="visible"/>
-                                      </p:to>
-                                    </p:set>
-                                    <p:animEffect transition="in" filter="fade">
-                                      <p:cBhvr>
-                                        <p:cTn id="27" dur="500"/>
-                                        <p:tgtEl>
-                                          <p:spTgt spid="13"/>
-                                        </p:tgtEl>
-                                      </p:cBhvr>
-                                    </p:animEffect>
-                                  </p:childTnLst>
-                                </p:cTn>
-                              </p:par>
-                            </p:childTnLst>
-                          </p:cTn>
-                        </p:par>
-                      </p:childTnLst>
-                    </p:cTn>
-                  </p:par>
-                </p:childTnLst>
-              </p:cTn>
-              <p:prevCondLst>
-                <p:cond evt="onPrev" delay="0">
-                  <p:tgtEl>
-                    <p:sldTgt/>
-                  </p:tgtEl>
-                </p:cond>
-              </p:prevCondLst>
-              <p:nextCondLst>
-                <p:cond evt="onNext" delay="0">
-                  <p:tgtEl>
-                    <p:sldTgt/>
-                  </p:tgtEl>
-                </p:cond>
-              </p:nextCondLst>
-            </p:seq>
-          </p:childTnLst>
-        </p:cTn>
-      </p:par>
-    </p:tnLst>
-    <p:bldLst>
-      <p:bldP spid="2" grpId="0" animBg="1"/>
-      <p:bldP spid="6" grpId="0" animBg="1"/>
-      <p:bldP spid="7" grpId="0" animBg="1"/>
     </p:bldLst>
   </p:timing>
 </p:sld>

--- a/lesson 6/Lesson_6.pptx
+++ b/lesson 6/Lesson_6.pptx
@@ -5,7 +5,7 @@
     <p:sldMasterId id="2147483648" r:id="rId1"/>
   </p:sldMasterIdLst>
   <p:notesMasterIdLst>
-    <p:notesMasterId r:id="rId20"/>
+    <p:notesMasterId r:id="rId10"/>
   </p:notesMasterIdLst>
   <p:sldIdLst>
     <p:sldId id="256" r:id="rId2"/>
@@ -16,16 +16,6 @@
     <p:sldId id="287" r:id="rId7"/>
     <p:sldId id="284" r:id="rId8"/>
     <p:sldId id="288" r:id="rId9"/>
-    <p:sldId id="286" r:id="rId10"/>
-    <p:sldId id="266" r:id="rId11"/>
-    <p:sldId id="276" r:id="rId12"/>
-    <p:sldId id="265" r:id="rId13"/>
-    <p:sldId id="274" r:id="rId14"/>
-    <p:sldId id="277" r:id="rId15"/>
-    <p:sldId id="278" r:id="rId16"/>
-    <p:sldId id="279" r:id="rId17"/>
-    <p:sldId id="280" r:id="rId18"/>
-    <p:sldId id="281" r:id="rId19"/>
   </p:sldIdLst>
   <p:sldSz cx="12192000" cy="6858000"/>
   <p:notesSz cx="6858000" cy="9144000"/>
@@ -141,6 +131,7 @@
     <p1510:client id="{58A5EECA-69F4-A2C6-FD0E-DB58BAABE3E1}" v="170" dt="2021-12-08T11:52:11.015"/>
     <p1510:client id="{8D6854E7-4F17-FE40-59D2-55336647B245}" v="392" dt="2021-12-08T17:31:06.388"/>
     <p1510:client id="{9BFC776D-9240-A62B-7277-02C9E30D22CA}" v="479" dt="2021-12-08T17:59:18.181"/>
+    <p1510:client id="{C30DC1E6-11FC-A935-86B6-51E628AE5EAC}" v="230" dt="2021-12-17T09:05:56.526"/>
     <p1510:client id="{C733B43C-8935-45B6-8711-BAAEEB00F0CD}" v="1775" dt="2021-12-15T08:02:42.161"/>
     <p1510:client id="{C89ACF45-C2F8-E76F-58EF-8272F11558CB}" v="235" dt="2021-12-02T10:05:05.975"/>
     <p1510:client id="{E143B352-6C6B-8238-531D-573B4674CE9C}" v="2349" dt="2021-12-07T09:23:16.743"/>
@@ -230,7 +221,7 @@
           <a:p>
             <a:fld id="{168C9AAD-6B40-4CA2-A4BF-CDFBEDF9D5C7}" type="datetimeFigureOut">
               <a:rPr lang="ru-RU" smtClean="0"/>
-              <a:t>14.12.2021</a:t>
+              <a:t>17.12.2021</a:t>
             </a:fld>
             <a:endParaRPr lang="ru-RU"/>
           </a:p>
@@ -766,7 +757,7 @@
           <a:p>
             <a:fld id="{9B38C3D8-567B-47E3-87B5-079146EAABE3}" type="datetimeFigureOut">
               <a:rPr lang="ru-RU" smtClean="0"/>
-              <a:t>14.12.2021</a:t>
+              <a:t>17.12.2021</a:t>
             </a:fld>
             <a:endParaRPr lang="ru-RU"/>
           </a:p>
@@ -964,7 +955,7 @@
           <a:p>
             <a:fld id="{9B38C3D8-567B-47E3-87B5-079146EAABE3}" type="datetimeFigureOut">
               <a:rPr lang="ru-RU" smtClean="0"/>
-              <a:t>14.12.2021</a:t>
+              <a:t>17.12.2021</a:t>
             </a:fld>
             <a:endParaRPr lang="ru-RU"/>
           </a:p>
@@ -1172,7 +1163,7 @@
           <a:p>
             <a:fld id="{9B38C3D8-567B-47E3-87B5-079146EAABE3}" type="datetimeFigureOut">
               <a:rPr lang="ru-RU" smtClean="0"/>
-              <a:t>14.12.2021</a:t>
+              <a:t>17.12.2021</a:t>
             </a:fld>
             <a:endParaRPr lang="ru-RU"/>
           </a:p>
@@ -1370,7 +1361,7 @@
           <a:p>
             <a:fld id="{9B38C3D8-567B-47E3-87B5-079146EAABE3}" type="datetimeFigureOut">
               <a:rPr lang="ru-RU" smtClean="0"/>
-              <a:t>14.12.2021</a:t>
+              <a:t>17.12.2021</a:t>
             </a:fld>
             <a:endParaRPr lang="ru-RU"/>
           </a:p>
@@ -1645,7 +1636,7 @@
           <a:p>
             <a:fld id="{9B38C3D8-567B-47E3-87B5-079146EAABE3}" type="datetimeFigureOut">
               <a:rPr lang="ru-RU" smtClean="0"/>
-              <a:t>14.12.2021</a:t>
+              <a:t>17.12.2021</a:t>
             </a:fld>
             <a:endParaRPr lang="ru-RU"/>
           </a:p>
@@ -1910,7 +1901,7 @@
           <a:p>
             <a:fld id="{9B38C3D8-567B-47E3-87B5-079146EAABE3}" type="datetimeFigureOut">
               <a:rPr lang="ru-RU" smtClean="0"/>
-              <a:t>14.12.2021</a:t>
+              <a:t>17.12.2021</a:t>
             </a:fld>
             <a:endParaRPr lang="ru-RU"/>
           </a:p>
@@ -2322,7 +2313,7 @@
           <a:p>
             <a:fld id="{9B38C3D8-567B-47E3-87B5-079146EAABE3}" type="datetimeFigureOut">
               <a:rPr lang="ru-RU" smtClean="0"/>
-              <a:t>14.12.2021</a:t>
+              <a:t>17.12.2021</a:t>
             </a:fld>
             <a:endParaRPr lang="ru-RU"/>
           </a:p>
@@ -2463,7 +2454,7 @@
           <a:p>
             <a:fld id="{9B38C3D8-567B-47E3-87B5-079146EAABE3}" type="datetimeFigureOut">
               <a:rPr lang="ru-RU" smtClean="0"/>
-              <a:t>14.12.2021</a:t>
+              <a:t>17.12.2021</a:t>
             </a:fld>
             <a:endParaRPr lang="ru-RU"/>
           </a:p>
@@ -2576,7 +2567,7 @@
           <a:p>
             <a:fld id="{9B38C3D8-567B-47E3-87B5-079146EAABE3}" type="datetimeFigureOut">
               <a:rPr lang="ru-RU" smtClean="0"/>
-              <a:t>14.12.2021</a:t>
+              <a:t>17.12.2021</a:t>
             </a:fld>
             <a:endParaRPr lang="ru-RU"/>
           </a:p>
@@ -2887,7 +2878,7 @@
           <a:p>
             <a:fld id="{9B38C3D8-567B-47E3-87B5-079146EAABE3}" type="datetimeFigureOut">
               <a:rPr lang="ru-RU" smtClean="0"/>
-              <a:t>14.12.2021</a:t>
+              <a:t>17.12.2021</a:t>
             </a:fld>
             <a:endParaRPr lang="ru-RU"/>
           </a:p>
@@ -3175,7 +3166,7 @@
           <a:p>
             <a:fld id="{9B38C3D8-567B-47E3-87B5-079146EAABE3}" type="datetimeFigureOut">
               <a:rPr lang="ru-RU" smtClean="0"/>
-              <a:t>14.12.2021</a:t>
+              <a:t>17.12.2021</a:t>
             </a:fld>
             <a:endParaRPr lang="ru-RU"/>
           </a:p>
@@ -3416,7 +3407,7 @@
           <a:p>
             <a:fld id="{9B38C3D8-567B-47E3-87B5-079146EAABE3}" type="datetimeFigureOut">
               <a:rPr lang="ru-RU" smtClean="0"/>
-              <a:t>14.12.2021</a:t>
+              <a:t>17.12.2021</a:t>
             </a:fld>
             <a:endParaRPr lang="ru-RU"/>
           </a:p>
@@ -4599,3839 +4590,6 @@
     <p:extLst>
       <p:ext uri="{BB962C8B-B14F-4D97-AF65-F5344CB8AC3E}">
         <p14:creationId xmlns:p14="http://schemas.microsoft.com/office/powerpoint/2010/main" val="1831159771"/>
-      </p:ext>
-    </p:extLst>
-  </p:cSld>
-  <p:clrMapOvr>
-    <a:masterClrMapping/>
-  </p:clrMapOvr>
-</p:sld>
-</file>
-
-<file path=ppt/slides/slide10.xml><?xml version="1.0" encoding="utf-8"?>
-<p:sld xmlns:a="http://schemas.openxmlformats.org/drawingml/2006/main" xmlns:r="http://schemas.openxmlformats.org/officeDocument/2006/relationships" xmlns:p="http://schemas.openxmlformats.org/presentationml/2006/main">
-  <p:cSld>
-    <p:spTree>
-      <p:nvGrpSpPr>
-        <p:cNvPr id="1" name=""/>
-        <p:cNvGrpSpPr/>
-        <p:nvPr/>
-      </p:nvGrpSpPr>
-      <p:grpSpPr>
-        <a:xfrm>
-          <a:off x="0" y="0"/>
-          <a:ext cx="0" cy="0"/>
-          <a:chOff x="0" y="0"/>
-          <a:chExt cx="0" cy="0"/>
-        </a:xfrm>
-      </p:grpSpPr>
-      <p:sp>
-        <p:nvSpPr>
-          <p:cNvPr id="19" name="Прямоугольник 4">
-            <a:extLst>
-              <a:ext uri="{FF2B5EF4-FFF2-40B4-BE49-F238E27FC236}">
-                <a16:creationId xmlns:a16="http://schemas.microsoft.com/office/drawing/2014/main" id="{7A796137-1066-4DB9-8DC6-5377E016B8A2}"/>
-              </a:ext>
-            </a:extLst>
-          </p:cNvPr>
-          <p:cNvSpPr/>
-          <p:nvPr/>
-        </p:nvSpPr>
-        <p:spPr>
-          <a:xfrm>
-            <a:off x="569167" y="242596"/>
-            <a:ext cx="11150082" cy="811763"/>
-          </a:xfrm>
-          <a:prstGeom prst="rect">
-            <a:avLst/>
-          </a:prstGeom>
-        </p:spPr>
-        <p:style>
-          <a:lnRef idx="2">
-            <a:schemeClr val="accent1">
-              <a:shade val="50000"/>
-            </a:schemeClr>
-          </a:lnRef>
-          <a:fillRef idx="1">
-            <a:schemeClr val="accent1"/>
-          </a:fillRef>
-          <a:effectRef idx="0">
-            <a:schemeClr val="accent1"/>
-          </a:effectRef>
-          <a:fontRef idx="minor">
-            <a:schemeClr val="lt1"/>
-          </a:fontRef>
-        </p:style>
-        <p:txBody>
-          <a:bodyPr lIns="91440" tIns="45720" rIns="91440" bIns="45720" rtlCol="0" anchor="ctr"/>
-          <a:lstStyle/>
-          <a:p>
-            <a:pPr algn="ctr"/>
-            <a:r>
-              <a:rPr lang="ru-RU" sz="3200" b="1" dirty="0">
-                <a:ln w="12700" cmpd="sng">
-                  <a:solidFill>
-                    <a:srgbClr val="FFC000"/>
-                  </a:solidFill>
-                  <a:prstDash val="solid"/>
-                </a:ln>
-                <a:solidFill>
-                  <a:srgbClr val="FFC000"/>
-                </a:solidFill>
-                <a:ea typeface="+mn-lt"/>
-                <a:cs typeface="+mn-lt"/>
-              </a:rPr>
-              <a:t>Структуры данных</a:t>
-            </a:r>
-          </a:p>
-        </p:txBody>
-      </p:sp>
-      <p:sp>
-        <p:nvSpPr>
-          <p:cNvPr id="4" name="Rectangle: Rounded Corners 3">
-            <a:extLst>
-              <a:ext uri="{FF2B5EF4-FFF2-40B4-BE49-F238E27FC236}">
-                <a16:creationId xmlns:a16="http://schemas.microsoft.com/office/drawing/2014/main" id="{2FD8EE88-6DEE-48AC-8621-80F841B975B3}"/>
-              </a:ext>
-            </a:extLst>
-          </p:cNvPr>
-          <p:cNvSpPr/>
-          <p:nvPr/>
-        </p:nvSpPr>
-        <p:spPr>
-          <a:xfrm>
-            <a:off x="519722" y="5355491"/>
-            <a:ext cx="11205307" cy="967153"/>
-          </a:xfrm>
-          <a:prstGeom prst="roundRect">
-            <a:avLst/>
-          </a:prstGeom>
-        </p:spPr>
-        <p:style>
-          <a:lnRef idx="2">
-            <a:schemeClr val="accent1">
-              <a:shade val="50000"/>
-            </a:schemeClr>
-          </a:lnRef>
-          <a:fillRef idx="1">
-            <a:schemeClr val="accent1"/>
-          </a:fillRef>
-          <a:effectRef idx="0">
-            <a:schemeClr val="accent1"/>
-          </a:effectRef>
-          <a:fontRef idx="minor">
-            <a:schemeClr val="lt1"/>
-          </a:fontRef>
-        </p:style>
-        <p:txBody>
-          <a:bodyPr lIns="91440" tIns="45720" rIns="91440" bIns="45720" rtlCol="0" anchor="ctr"/>
-          <a:lstStyle/>
-          <a:p>
-            <a:pPr algn="ctr"/>
-            <a:r>
-              <a:rPr lang="en-US" dirty="0" err="1">
-                <a:solidFill>
-                  <a:schemeClr val="accent4"/>
-                </a:solidFill>
-                <a:ea typeface="+mn-lt"/>
-                <a:cs typeface="+mn-lt"/>
-              </a:rPr>
-              <a:t>Структуры</a:t>
-            </a:r>
-            <a:r>
-              <a:rPr lang="en-US" dirty="0">
-                <a:solidFill>
-                  <a:schemeClr val="accent4"/>
-                </a:solidFill>
-                <a:ea typeface="+mn-lt"/>
-                <a:cs typeface="+mn-lt"/>
-              </a:rPr>
-              <a:t> </a:t>
-            </a:r>
-            <a:r>
-              <a:rPr lang="en-US" dirty="0" err="1">
-                <a:solidFill>
-                  <a:schemeClr val="accent4"/>
-                </a:solidFill>
-                <a:ea typeface="+mn-lt"/>
-                <a:cs typeface="+mn-lt"/>
-              </a:rPr>
-              <a:t>данных</a:t>
-            </a:r>
-            <a:r>
-              <a:rPr lang="en-US" dirty="0">
-                <a:solidFill>
-                  <a:schemeClr val="accent4"/>
-                </a:solidFill>
-                <a:ea typeface="+mn-lt"/>
-                <a:cs typeface="+mn-lt"/>
-              </a:rPr>
-              <a:t> </a:t>
-            </a:r>
-            <a:r>
-              <a:rPr lang="en-US" dirty="0">
-                <a:ea typeface="+mn-lt"/>
-                <a:cs typeface="+mn-lt"/>
-              </a:rPr>
-              <a:t>– </a:t>
-            </a:r>
-            <a:r>
-              <a:rPr lang="en-US" dirty="0" err="1">
-                <a:ea typeface="+mn-lt"/>
-                <a:cs typeface="+mn-lt"/>
-              </a:rPr>
-              <a:t>это</a:t>
-            </a:r>
-            <a:r>
-              <a:rPr lang="en-US" dirty="0">
-                <a:ea typeface="+mn-lt"/>
-                <a:cs typeface="+mn-lt"/>
-              </a:rPr>
-              <a:t>, </a:t>
-            </a:r>
-            <a:r>
-              <a:rPr lang="en-US" dirty="0" err="1">
-                <a:ea typeface="+mn-lt"/>
-                <a:cs typeface="+mn-lt"/>
-              </a:rPr>
-              <a:t>по</a:t>
-            </a:r>
-            <a:r>
-              <a:rPr lang="en-US" dirty="0">
-                <a:ea typeface="+mn-lt"/>
-                <a:cs typeface="+mn-lt"/>
-              </a:rPr>
-              <a:t> </a:t>
-            </a:r>
-            <a:r>
-              <a:rPr lang="en-US" dirty="0" err="1">
-                <a:ea typeface="+mn-lt"/>
-                <a:cs typeface="+mn-lt"/>
-              </a:rPr>
-              <a:t>сути</a:t>
-            </a:r>
-            <a:r>
-              <a:rPr lang="en-US" dirty="0">
-                <a:ea typeface="+mn-lt"/>
-                <a:cs typeface="+mn-lt"/>
-              </a:rPr>
-              <a:t>, и </a:t>
-            </a:r>
-            <a:r>
-              <a:rPr lang="en-US" dirty="0" err="1">
-                <a:ea typeface="+mn-lt"/>
-                <a:cs typeface="+mn-lt"/>
-              </a:rPr>
-              <a:t>есть</a:t>
-            </a:r>
-            <a:r>
-              <a:rPr lang="en-US" dirty="0">
-                <a:ea typeface="+mn-lt"/>
-                <a:cs typeface="+mn-lt"/>
-              </a:rPr>
-              <a:t> </a:t>
-            </a:r>
-            <a:r>
-              <a:rPr lang="en-US" dirty="0" err="1">
-                <a:ea typeface="+mn-lt"/>
-                <a:cs typeface="+mn-lt"/>
-              </a:rPr>
-              <a:t>структуры</a:t>
-            </a:r>
-            <a:r>
-              <a:rPr lang="en-US" dirty="0">
-                <a:ea typeface="+mn-lt"/>
-                <a:cs typeface="+mn-lt"/>
-              </a:rPr>
-              <a:t>, </a:t>
-            </a:r>
-            <a:r>
-              <a:rPr lang="en-US" dirty="0" err="1">
-                <a:ea typeface="+mn-lt"/>
-                <a:cs typeface="+mn-lt"/>
-              </a:rPr>
-              <a:t>которые</a:t>
-            </a:r>
-            <a:r>
-              <a:rPr lang="en-US" dirty="0">
-                <a:ea typeface="+mn-lt"/>
-                <a:cs typeface="+mn-lt"/>
-              </a:rPr>
-              <a:t> </a:t>
-            </a:r>
-            <a:r>
-              <a:rPr lang="en-US" dirty="0" err="1">
-                <a:ea typeface="+mn-lt"/>
-                <a:cs typeface="+mn-lt"/>
-              </a:rPr>
-              <a:t>могут</a:t>
-            </a:r>
-            <a:r>
-              <a:rPr lang="en-US" dirty="0">
-                <a:ea typeface="+mn-lt"/>
-                <a:cs typeface="+mn-lt"/>
-              </a:rPr>
-              <a:t> </a:t>
-            </a:r>
-            <a:r>
-              <a:rPr lang="en-US" dirty="0" err="1">
-                <a:ea typeface="+mn-lt"/>
-                <a:cs typeface="+mn-lt"/>
-              </a:rPr>
-              <a:t>хранить</a:t>
-            </a:r>
-            <a:r>
-              <a:rPr lang="en-US" dirty="0">
-                <a:ea typeface="+mn-lt"/>
-                <a:cs typeface="+mn-lt"/>
-              </a:rPr>
-              <a:t> </a:t>
-            </a:r>
-            <a:r>
-              <a:rPr lang="en-US" dirty="0" err="1">
-                <a:ea typeface="+mn-lt"/>
-                <a:cs typeface="+mn-lt"/>
-              </a:rPr>
-              <a:t>некоторые</a:t>
-            </a:r>
-            <a:endParaRPr lang="en-US" dirty="0" err="1"/>
-          </a:p>
-          <a:p>
-            <a:pPr algn="ctr"/>
-            <a:r>
-              <a:rPr lang="en-US" dirty="0" err="1">
-                <a:ea typeface="+mn-lt"/>
-                <a:cs typeface="+mn-lt"/>
-              </a:rPr>
-              <a:t>данные</a:t>
-            </a:r>
-            <a:r>
-              <a:rPr lang="en-US" dirty="0">
-                <a:ea typeface="+mn-lt"/>
-                <a:cs typeface="+mn-lt"/>
-              </a:rPr>
-              <a:t> </a:t>
-            </a:r>
-            <a:r>
-              <a:rPr lang="en-US" dirty="0" err="1">
-                <a:ea typeface="+mn-lt"/>
-                <a:cs typeface="+mn-lt"/>
-              </a:rPr>
-              <a:t>вместе</a:t>
-            </a:r>
-            <a:r>
-              <a:rPr lang="en-US" dirty="0">
-                <a:ea typeface="+mn-lt"/>
-                <a:cs typeface="+mn-lt"/>
-              </a:rPr>
-              <a:t>. </a:t>
-            </a:r>
-            <a:r>
-              <a:rPr lang="en-US" dirty="0" err="1">
-                <a:ea typeface="+mn-lt"/>
-                <a:cs typeface="+mn-lt"/>
-              </a:rPr>
-              <a:t>Другими</a:t>
-            </a:r>
-            <a:r>
-              <a:rPr lang="en-US" dirty="0">
-                <a:ea typeface="+mn-lt"/>
-                <a:cs typeface="+mn-lt"/>
-              </a:rPr>
-              <a:t> </a:t>
-            </a:r>
-            <a:r>
-              <a:rPr lang="en-US" dirty="0" err="1">
-                <a:ea typeface="+mn-lt"/>
-                <a:cs typeface="+mn-lt"/>
-              </a:rPr>
-              <a:t>словами</a:t>
-            </a:r>
-            <a:r>
-              <a:rPr lang="en-US" dirty="0">
-                <a:ea typeface="+mn-lt"/>
-                <a:cs typeface="+mn-lt"/>
-              </a:rPr>
-              <a:t>, </a:t>
-            </a:r>
-            <a:r>
-              <a:rPr lang="en-US" dirty="0" err="1">
-                <a:ea typeface="+mn-lt"/>
-                <a:cs typeface="+mn-lt"/>
-              </a:rPr>
-              <a:t>они</a:t>
-            </a:r>
-            <a:r>
-              <a:rPr lang="en-US" dirty="0">
-                <a:ea typeface="+mn-lt"/>
-                <a:cs typeface="+mn-lt"/>
-              </a:rPr>
-              <a:t> </a:t>
-            </a:r>
-            <a:r>
-              <a:rPr lang="en-US" dirty="0" err="1">
-                <a:ea typeface="+mn-lt"/>
-                <a:cs typeface="+mn-lt"/>
-              </a:rPr>
-              <a:t>используются</a:t>
-            </a:r>
-            <a:r>
-              <a:rPr lang="en-US" dirty="0">
-                <a:ea typeface="+mn-lt"/>
-                <a:cs typeface="+mn-lt"/>
-              </a:rPr>
-              <a:t> </a:t>
-            </a:r>
-            <a:r>
-              <a:rPr lang="en-US" dirty="0" err="1">
-                <a:ea typeface="+mn-lt"/>
-                <a:cs typeface="+mn-lt"/>
-              </a:rPr>
-              <a:t>для</a:t>
-            </a:r>
-            <a:r>
-              <a:rPr lang="en-US" dirty="0">
-                <a:ea typeface="+mn-lt"/>
-                <a:cs typeface="+mn-lt"/>
-              </a:rPr>
-              <a:t> </a:t>
-            </a:r>
-            <a:r>
-              <a:rPr lang="en-US" dirty="0" err="1">
-                <a:ea typeface="+mn-lt"/>
-                <a:cs typeface="+mn-lt"/>
-              </a:rPr>
-              <a:t>хранения</a:t>
-            </a:r>
-            <a:r>
-              <a:rPr lang="en-US" dirty="0">
-                <a:ea typeface="+mn-lt"/>
-                <a:cs typeface="+mn-lt"/>
-              </a:rPr>
-              <a:t> </a:t>
-            </a:r>
-            <a:r>
-              <a:rPr lang="en-US" dirty="0" err="1">
-                <a:ea typeface="+mn-lt"/>
-                <a:cs typeface="+mn-lt"/>
-              </a:rPr>
-              <a:t>связанных</a:t>
-            </a:r>
-            <a:r>
-              <a:rPr lang="en-US" dirty="0">
-                <a:ea typeface="+mn-lt"/>
-                <a:cs typeface="+mn-lt"/>
-              </a:rPr>
-              <a:t> </a:t>
-            </a:r>
-            <a:r>
-              <a:rPr lang="en-US" dirty="0" err="1">
-                <a:ea typeface="+mn-lt"/>
-                <a:cs typeface="+mn-lt"/>
-              </a:rPr>
-              <a:t>данных</a:t>
-            </a:r>
-            <a:r>
-              <a:rPr lang="en-US" dirty="0">
-                <a:ea typeface="+mn-lt"/>
-                <a:cs typeface="+mn-lt"/>
-              </a:rPr>
-              <a:t>.</a:t>
-            </a:r>
-            <a:endParaRPr lang="en-US" dirty="0"/>
-          </a:p>
-        </p:txBody>
-      </p:sp>
-      <p:pic>
-        <p:nvPicPr>
-          <p:cNvPr id="3" name="Picture 4">
-            <a:extLst>
-              <a:ext uri="{FF2B5EF4-FFF2-40B4-BE49-F238E27FC236}">
-                <a16:creationId xmlns:a16="http://schemas.microsoft.com/office/drawing/2014/main" id="{23CEEF85-FD5C-4937-A221-82402E126032}"/>
-              </a:ext>
-            </a:extLst>
-          </p:cNvPr>
-          <p:cNvPicPr>
-            <a:picLocks noChangeAspect="1"/>
-          </p:cNvPicPr>
-          <p:nvPr/>
-        </p:nvPicPr>
-        <p:blipFill>
-          <a:blip r:embed="rId2"/>
-          <a:stretch>
-            <a:fillRect/>
-          </a:stretch>
-        </p:blipFill>
-        <p:spPr>
-          <a:xfrm>
-            <a:off x="3967060" y="2080436"/>
-            <a:ext cx="4971326" cy="2078620"/>
-          </a:xfrm>
-          <a:prstGeom prst="rect">
-            <a:avLst/>
-          </a:prstGeom>
-        </p:spPr>
-      </p:pic>
-    </p:spTree>
-    <p:extLst>
-      <p:ext uri="{BB962C8B-B14F-4D97-AF65-F5344CB8AC3E}">
-        <p14:creationId xmlns:p14="http://schemas.microsoft.com/office/powerpoint/2010/main" val="559518035"/>
-      </p:ext>
-    </p:extLst>
-  </p:cSld>
-  <p:clrMapOvr>
-    <a:masterClrMapping/>
-  </p:clrMapOvr>
-</p:sld>
-</file>
-
-<file path=ppt/slides/slide11.xml><?xml version="1.0" encoding="utf-8"?>
-<p:sld xmlns:a="http://schemas.openxmlformats.org/drawingml/2006/main" xmlns:r="http://schemas.openxmlformats.org/officeDocument/2006/relationships" xmlns:p="http://schemas.openxmlformats.org/presentationml/2006/main">
-  <p:cSld>
-    <p:spTree>
-      <p:nvGrpSpPr>
-        <p:cNvPr id="1" name=""/>
-        <p:cNvGrpSpPr/>
-        <p:nvPr/>
-      </p:nvGrpSpPr>
-      <p:grpSpPr>
-        <a:xfrm>
-          <a:off x="0" y="0"/>
-          <a:ext cx="0" cy="0"/>
-          <a:chOff x="0" y="0"/>
-          <a:chExt cx="0" cy="0"/>
-        </a:xfrm>
-      </p:grpSpPr>
-      <p:sp>
-        <p:nvSpPr>
-          <p:cNvPr id="3" name="Прямоугольник 4">
-            <a:extLst>
-              <a:ext uri="{FF2B5EF4-FFF2-40B4-BE49-F238E27FC236}">
-                <a16:creationId xmlns:a16="http://schemas.microsoft.com/office/drawing/2014/main" id="{36CC0B9C-0EBE-4A1E-B58D-B636BD15693B}"/>
-              </a:ext>
-            </a:extLst>
-          </p:cNvPr>
-          <p:cNvSpPr/>
-          <p:nvPr/>
-        </p:nvSpPr>
-        <p:spPr>
-          <a:xfrm>
-            <a:off x="569167" y="242596"/>
-            <a:ext cx="11150082" cy="811763"/>
-          </a:xfrm>
-          <a:prstGeom prst="rect">
-            <a:avLst/>
-          </a:prstGeom>
-        </p:spPr>
-        <p:style>
-          <a:lnRef idx="2">
-            <a:schemeClr val="accent1">
-              <a:shade val="50000"/>
-            </a:schemeClr>
-          </a:lnRef>
-          <a:fillRef idx="1">
-            <a:schemeClr val="accent1"/>
-          </a:fillRef>
-          <a:effectRef idx="0">
-            <a:schemeClr val="accent1"/>
-          </a:effectRef>
-          <a:fontRef idx="minor">
-            <a:schemeClr val="lt1"/>
-          </a:fontRef>
-        </p:style>
-        <p:txBody>
-          <a:bodyPr lIns="91440" tIns="45720" rIns="91440" bIns="45720" rtlCol="0" anchor="ctr"/>
-          <a:lstStyle/>
-          <a:p>
-            <a:pPr algn="ctr"/>
-            <a:r>
-              <a:rPr lang="ru-RU" sz="3200" b="1" dirty="0">
-                <a:ln w="12700" cmpd="sng">
-                  <a:solidFill>
-                    <a:srgbClr val="FFC000"/>
-                  </a:solidFill>
-                  <a:prstDash val="solid"/>
-                </a:ln>
-                <a:solidFill>
-                  <a:srgbClr val="FFC000"/>
-                </a:solidFill>
-                <a:ea typeface="+mn-lt"/>
-                <a:cs typeface="+mn-lt"/>
-              </a:rPr>
-              <a:t>Список</a:t>
-            </a:r>
-            <a:endParaRPr lang="en-US" dirty="0"/>
-          </a:p>
-        </p:txBody>
-      </p:sp>
-      <p:sp>
-        <p:nvSpPr>
-          <p:cNvPr id="5" name="Rectangle: Rounded Corners 4">
-            <a:extLst>
-              <a:ext uri="{FF2B5EF4-FFF2-40B4-BE49-F238E27FC236}">
-                <a16:creationId xmlns:a16="http://schemas.microsoft.com/office/drawing/2014/main" id="{345097A7-3DDA-42EE-B1B5-948D82531DB4}"/>
-              </a:ext>
-            </a:extLst>
-          </p:cNvPr>
-          <p:cNvSpPr/>
-          <p:nvPr/>
-        </p:nvSpPr>
-        <p:spPr>
-          <a:xfrm>
-            <a:off x="1325797" y="5253708"/>
-            <a:ext cx="10130689" cy="1064846"/>
-          </a:xfrm>
-          <a:prstGeom prst="roundRect">
-            <a:avLst/>
-          </a:prstGeom>
-        </p:spPr>
-        <p:style>
-          <a:lnRef idx="2">
-            <a:schemeClr val="accent1">
-              <a:shade val="50000"/>
-            </a:schemeClr>
-          </a:lnRef>
-          <a:fillRef idx="1">
-            <a:schemeClr val="accent1"/>
-          </a:fillRef>
-          <a:effectRef idx="0">
-            <a:schemeClr val="accent1"/>
-          </a:effectRef>
-          <a:fontRef idx="minor">
-            <a:schemeClr val="lt1"/>
-          </a:fontRef>
-        </p:style>
-        <p:txBody>
-          <a:bodyPr lIns="91440" tIns="45720" rIns="91440" bIns="45720" rtlCol="0" anchor="ctr"/>
-          <a:lstStyle/>
-          <a:p>
-            <a:r>
-              <a:rPr lang="en-US" dirty="0">
-                <a:ea typeface="+mn-lt"/>
-                <a:cs typeface="+mn-lt"/>
-              </a:rPr>
-              <a:t> </a:t>
-            </a:r>
-            <a:r>
-              <a:rPr lang="en-US" dirty="0">
-                <a:solidFill>
-                  <a:srgbClr val="FFFFFF"/>
-                </a:solidFill>
-                <a:ea typeface="+mn-lt"/>
-                <a:cs typeface="+mn-lt"/>
-              </a:rPr>
-              <a:t>   </a:t>
-            </a:r>
-            <a:r>
-              <a:rPr lang="en-US" dirty="0" err="1">
-                <a:solidFill>
-                  <a:schemeClr val="accent4"/>
-                </a:solidFill>
-                <a:ea typeface="+mn-lt"/>
-                <a:cs typeface="+mn-lt"/>
-              </a:rPr>
-              <a:t>Список</a:t>
-            </a:r>
-            <a:r>
-              <a:rPr lang="en-US" dirty="0">
-                <a:solidFill>
-                  <a:schemeClr val="accent4"/>
-                </a:solidFill>
-                <a:ea typeface="+mn-lt"/>
-                <a:cs typeface="+mn-lt"/>
-              </a:rPr>
-              <a:t> </a:t>
-            </a:r>
-            <a:r>
-              <a:rPr lang="en-US" dirty="0">
-                <a:ea typeface="+mn-lt"/>
-                <a:cs typeface="+mn-lt"/>
-              </a:rPr>
-              <a:t>– </a:t>
-            </a:r>
-            <a:r>
-              <a:rPr lang="en-US" dirty="0" err="1">
-                <a:ea typeface="+mn-lt"/>
-                <a:cs typeface="+mn-lt"/>
-              </a:rPr>
-              <a:t>это</a:t>
-            </a:r>
-            <a:r>
-              <a:rPr lang="en-US" dirty="0">
-                <a:ea typeface="+mn-lt"/>
-                <a:cs typeface="+mn-lt"/>
-              </a:rPr>
-              <a:t> </a:t>
-            </a:r>
-            <a:r>
-              <a:rPr lang="en-US" dirty="0" err="1">
-                <a:ea typeface="+mn-lt"/>
-                <a:cs typeface="+mn-lt"/>
-              </a:rPr>
-              <a:t>структура</a:t>
-            </a:r>
-            <a:r>
-              <a:rPr lang="en-US" dirty="0">
-                <a:ea typeface="+mn-lt"/>
-                <a:cs typeface="+mn-lt"/>
-              </a:rPr>
-              <a:t> </a:t>
-            </a:r>
-            <a:r>
-              <a:rPr lang="en-US" dirty="0" err="1">
-                <a:ea typeface="+mn-lt"/>
-                <a:cs typeface="+mn-lt"/>
-              </a:rPr>
-              <a:t>данных</a:t>
-            </a:r>
-            <a:r>
-              <a:rPr lang="en-US" dirty="0">
-                <a:ea typeface="+mn-lt"/>
-                <a:cs typeface="+mn-lt"/>
-              </a:rPr>
-              <a:t>, </a:t>
-            </a:r>
-            <a:r>
-              <a:rPr lang="en-US" dirty="0" err="1">
-                <a:ea typeface="+mn-lt"/>
-                <a:cs typeface="+mn-lt"/>
-              </a:rPr>
-              <a:t>которая</a:t>
-            </a:r>
-            <a:r>
-              <a:rPr lang="en-US" dirty="0">
-                <a:ea typeface="+mn-lt"/>
-                <a:cs typeface="+mn-lt"/>
-              </a:rPr>
-              <a:t> </a:t>
-            </a:r>
-            <a:r>
-              <a:rPr lang="en-US" dirty="0" err="1">
-                <a:ea typeface="+mn-lt"/>
-                <a:cs typeface="+mn-lt"/>
-              </a:rPr>
-              <a:t>содержит</a:t>
-            </a:r>
-            <a:r>
-              <a:rPr lang="en-US" dirty="0">
-                <a:ea typeface="+mn-lt"/>
-                <a:cs typeface="+mn-lt"/>
-              </a:rPr>
-              <a:t> </a:t>
-            </a:r>
-            <a:r>
-              <a:rPr lang="en-US" dirty="0" err="1">
-                <a:ea typeface="+mn-lt"/>
-                <a:cs typeface="+mn-lt"/>
-              </a:rPr>
-              <a:t>упорядоченный</a:t>
-            </a:r>
-            <a:r>
-              <a:rPr lang="en-US" dirty="0">
-                <a:ea typeface="+mn-lt"/>
-                <a:cs typeface="+mn-lt"/>
-              </a:rPr>
-              <a:t> </a:t>
-            </a:r>
-            <a:r>
-              <a:rPr lang="en-US" dirty="0" err="1">
-                <a:ea typeface="+mn-lt"/>
-                <a:cs typeface="+mn-lt"/>
-              </a:rPr>
-              <a:t>набор</a:t>
-            </a:r>
-            <a:r>
-              <a:rPr lang="en-US" dirty="0">
-                <a:ea typeface="+mn-lt"/>
-                <a:cs typeface="+mn-lt"/>
-              </a:rPr>
-              <a:t> </a:t>
-            </a:r>
-            <a:r>
-              <a:rPr lang="en-US" dirty="0" err="1">
-                <a:ea typeface="+mn-lt"/>
-                <a:cs typeface="+mn-lt"/>
-              </a:rPr>
-              <a:t>элементов</a:t>
-            </a:r>
-            <a:r>
-              <a:rPr lang="en-US" dirty="0">
-                <a:ea typeface="+mn-lt"/>
-                <a:cs typeface="+mn-lt"/>
-              </a:rPr>
-              <a:t>, </a:t>
-            </a:r>
-            <a:r>
-              <a:rPr lang="en-US" dirty="0" err="1">
-                <a:ea typeface="+mn-lt"/>
-                <a:cs typeface="+mn-lt"/>
-              </a:rPr>
-              <a:t>т.е</a:t>
-            </a:r>
-            <a:r>
-              <a:rPr lang="en-US" dirty="0">
-                <a:ea typeface="+mn-lt"/>
-                <a:cs typeface="+mn-lt"/>
-              </a:rPr>
-              <a:t>.</a:t>
-            </a:r>
-            <a:endParaRPr lang="en-US" dirty="0" err="1"/>
-          </a:p>
-          <a:p>
-            <a:r>
-              <a:rPr lang="en-US" dirty="0" err="1">
-                <a:ea typeface="+mn-lt"/>
-                <a:cs typeface="+mn-lt"/>
-              </a:rPr>
-              <a:t>хранит</a:t>
-            </a:r>
-            <a:r>
-              <a:rPr lang="en-US" dirty="0">
-                <a:ea typeface="+mn-lt"/>
-                <a:cs typeface="+mn-lt"/>
-              </a:rPr>
-              <a:t> </a:t>
-            </a:r>
-            <a:r>
-              <a:rPr lang="en-US" dirty="0" err="1">
-                <a:ea typeface="+mn-lt"/>
-                <a:cs typeface="+mn-lt"/>
-              </a:rPr>
-              <a:t>последовательность</a:t>
-            </a:r>
-            <a:r>
-              <a:rPr lang="en-US" dirty="0">
-                <a:ea typeface="+mn-lt"/>
-                <a:cs typeface="+mn-lt"/>
-              </a:rPr>
-              <a:t> </a:t>
-            </a:r>
-            <a:r>
-              <a:rPr lang="en-US" dirty="0" err="1">
-                <a:ea typeface="+mn-lt"/>
-                <a:cs typeface="+mn-lt"/>
-              </a:rPr>
-              <a:t>элементов</a:t>
-            </a:r>
-            <a:r>
-              <a:rPr lang="en-US" dirty="0">
-                <a:ea typeface="+mn-lt"/>
-                <a:cs typeface="+mn-lt"/>
-              </a:rPr>
-              <a:t>.</a:t>
-            </a:r>
-            <a:endParaRPr lang="en-US" dirty="0"/>
-          </a:p>
-        </p:txBody>
-      </p:sp>
-      <p:pic>
-        <p:nvPicPr>
-          <p:cNvPr id="6" name="Picture 6">
-            <a:extLst>
-              <a:ext uri="{FF2B5EF4-FFF2-40B4-BE49-F238E27FC236}">
-                <a16:creationId xmlns:a16="http://schemas.microsoft.com/office/drawing/2014/main" id="{4C9651C9-EB6F-4380-AC76-C6A9A8CA8053}"/>
-              </a:ext>
-            </a:extLst>
-          </p:cNvPr>
-          <p:cNvPicPr>
-            <a:picLocks noChangeAspect="1"/>
-          </p:cNvPicPr>
-          <p:nvPr/>
-        </p:nvPicPr>
-        <p:blipFill>
-          <a:blip r:embed="rId2"/>
-          <a:stretch>
-            <a:fillRect/>
-          </a:stretch>
-        </p:blipFill>
-        <p:spPr>
-          <a:xfrm>
-            <a:off x="1412630" y="1885477"/>
-            <a:ext cx="4286738" cy="2412968"/>
-          </a:xfrm>
-          <a:prstGeom prst="rect">
-            <a:avLst/>
-          </a:prstGeom>
-        </p:spPr>
-      </p:pic>
-      <p:pic>
-        <p:nvPicPr>
-          <p:cNvPr id="7" name="Picture 7">
-            <a:extLst>
-              <a:ext uri="{FF2B5EF4-FFF2-40B4-BE49-F238E27FC236}">
-                <a16:creationId xmlns:a16="http://schemas.microsoft.com/office/drawing/2014/main" id="{135B1B9B-28BA-4FB4-B80E-6C3D15E81131}"/>
-              </a:ext>
-            </a:extLst>
-          </p:cNvPr>
-          <p:cNvPicPr>
-            <a:picLocks noChangeAspect="1"/>
-          </p:cNvPicPr>
-          <p:nvPr/>
-        </p:nvPicPr>
-        <p:blipFill rotWithShape="1">
-          <a:blip r:embed="rId3"/>
-          <a:srcRect r="203" b="28155"/>
-          <a:stretch/>
-        </p:blipFill>
-        <p:spPr>
-          <a:xfrm>
-            <a:off x="6180015" y="1777985"/>
-            <a:ext cx="4804513" cy="715927"/>
-          </a:xfrm>
-          <a:prstGeom prst="rect">
-            <a:avLst/>
-          </a:prstGeom>
-        </p:spPr>
-      </p:pic>
-      <p:pic>
-        <p:nvPicPr>
-          <p:cNvPr id="8" name="Picture 8">
-            <a:extLst>
-              <a:ext uri="{FF2B5EF4-FFF2-40B4-BE49-F238E27FC236}">
-                <a16:creationId xmlns:a16="http://schemas.microsoft.com/office/drawing/2014/main" id="{D9035381-88E2-41F8-983B-47A8D0FEDC18}"/>
-              </a:ext>
-            </a:extLst>
-          </p:cNvPr>
-          <p:cNvPicPr>
-            <a:picLocks noChangeAspect="1"/>
-          </p:cNvPicPr>
-          <p:nvPr/>
-        </p:nvPicPr>
-        <p:blipFill>
-          <a:blip r:embed="rId4"/>
-          <a:stretch>
-            <a:fillRect/>
-          </a:stretch>
-        </p:blipFill>
-        <p:spPr>
-          <a:xfrm>
-            <a:off x="6180015" y="3187595"/>
-            <a:ext cx="3866661" cy="1235040"/>
-          </a:xfrm>
-          <a:prstGeom prst="rect">
-            <a:avLst/>
-          </a:prstGeom>
-        </p:spPr>
-      </p:pic>
-      <p:sp>
-        <p:nvSpPr>
-          <p:cNvPr id="9" name="TextBox 8">
-            <a:extLst>
-              <a:ext uri="{FF2B5EF4-FFF2-40B4-BE49-F238E27FC236}">
-                <a16:creationId xmlns:a16="http://schemas.microsoft.com/office/drawing/2014/main" id="{60DCAA43-FCBC-4395-AC8D-6BAF209AF71C}"/>
-              </a:ext>
-            </a:extLst>
-          </p:cNvPr>
-          <p:cNvSpPr txBox="1"/>
-          <p:nvPr/>
-        </p:nvSpPr>
-        <p:spPr>
-          <a:xfrm>
-            <a:off x="5769708" y="2702169"/>
-            <a:ext cx="2743199" cy="369332"/>
-          </a:xfrm>
-          <a:prstGeom prst="rect">
-            <a:avLst/>
-          </a:prstGeom>
-          <a:noFill/>
-        </p:spPr>
-        <p:txBody>
-          <a:bodyPr rot="0" spcFirstLastPara="0" vertOverflow="overflow" horzOverflow="overflow" vert="horz" wrap="square" lIns="91440" tIns="45720" rIns="91440" bIns="45720" numCol="1" spcCol="0" rtlCol="0" fromWordArt="0" anchor="t" anchorCtr="0" forceAA="0" compatLnSpc="1">
-            <a:prstTxWarp prst="textNoShape">
-              <a:avLst/>
-            </a:prstTxWarp>
-            <a:spAutoFit/>
-          </a:bodyPr>
-          <a:lstStyle/>
-          <a:p>
-            <a:pPr algn="l"/>
-            <a:r>
-              <a:rPr lang="en-US" dirty="0" err="1"/>
-              <a:t>Вывод</a:t>
-            </a:r>
-            <a:r>
-              <a:rPr lang="en-US" dirty="0"/>
-              <a:t>:</a:t>
-            </a:r>
-          </a:p>
-        </p:txBody>
-      </p:sp>
-    </p:spTree>
-    <p:extLst>
-      <p:ext uri="{BB962C8B-B14F-4D97-AF65-F5344CB8AC3E}">
-        <p14:creationId xmlns:p14="http://schemas.microsoft.com/office/powerpoint/2010/main" val="3527025613"/>
-      </p:ext>
-    </p:extLst>
-  </p:cSld>
-  <p:clrMapOvr>
-    <a:masterClrMapping/>
-  </p:clrMapOvr>
-</p:sld>
-</file>
-
-<file path=ppt/slides/slide12.xml><?xml version="1.0" encoding="utf-8"?>
-<p:sld xmlns:a="http://schemas.openxmlformats.org/drawingml/2006/main" xmlns:r="http://schemas.openxmlformats.org/officeDocument/2006/relationships" xmlns:p="http://schemas.openxmlformats.org/presentationml/2006/main">
-  <p:cSld>
-    <p:spTree>
-      <p:nvGrpSpPr>
-        <p:cNvPr id="1" name=""/>
-        <p:cNvGrpSpPr/>
-        <p:nvPr/>
-      </p:nvGrpSpPr>
-      <p:grpSpPr>
-        <a:xfrm>
-          <a:off x="0" y="0"/>
-          <a:ext cx="0" cy="0"/>
-          <a:chOff x="0" y="0"/>
-          <a:chExt cx="0" cy="0"/>
-        </a:xfrm>
-      </p:grpSpPr>
-      <p:sp>
-        <p:nvSpPr>
-          <p:cNvPr id="3" name="Прямоугольник 4">
-            <a:extLst>
-              <a:ext uri="{FF2B5EF4-FFF2-40B4-BE49-F238E27FC236}">
-                <a16:creationId xmlns:a16="http://schemas.microsoft.com/office/drawing/2014/main" id="{36CC0B9C-0EBE-4A1E-B58D-B636BD15693B}"/>
-              </a:ext>
-            </a:extLst>
-          </p:cNvPr>
-          <p:cNvSpPr/>
-          <p:nvPr/>
-        </p:nvSpPr>
-        <p:spPr>
-          <a:xfrm>
-            <a:off x="569167" y="242596"/>
-            <a:ext cx="11150082" cy="811763"/>
-          </a:xfrm>
-          <a:prstGeom prst="rect">
-            <a:avLst/>
-          </a:prstGeom>
-        </p:spPr>
-        <p:style>
-          <a:lnRef idx="2">
-            <a:schemeClr val="accent1">
-              <a:shade val="50000"/>
-            </a:schemeClr>
-          </a:lnRef>
-          <a:fillRef idx="1">
-            <a:schemeClr val="accent1"/>
-          </a:fillRef>
-          <a:effectRef idx="0">
-            <a:schemeClr val="accent1"/>
-          </a:effectRef>
-          <a:fontRef idx="minor">
-            <a:schemeClr val="lt1"/>
-          </a:fontRef>
-        </p:style>
-        <p:txBody>
-          <a:bodyPr lIns="91440" tIns="45720" rIns="91440" bIns="45720" rtlCol="0" anchor="ctr"/>
-          <a:lstStyle/>
-          <a:p>
-            <a:pPr algn="ctr"/>
-            <a:r>
-              <a:rPr lang="ru-RU" sz="3200" b="1" dirty="0">
-                <a:ln w="12700" cmpd="sng">
-                  <a:solidFill>
-                    <a:srgbClr val="FFC000"/>
-                  </a:solidFill>
-                  <a:prstDash val="solid"/>
-                </a:ln>
-                <a:solidFill>
-                  <a:srgbClr val="FFC000"/>
-                </a:solidFill>
-                <a:cs typeface="Calibri"/>
-              </a:rPr>
-              <a:t>Работа со списками</a:t>
-            </a:r>
-          </a:p>
-        </p:txBody>
-      </p:sp>
-      <p:pic>
-        <p:nvPicPr>
-          <p:cNvPr id="2" name="Picture 5">
-            <a:extLst>
-              <a:ext uri="{FF2B5EF4-FFF2-40B4-BE49-F238E27FC236}">
-                <a16:creationId xmlns:a16="http://schemas.microsoft.com/office/drawing/2014/main" id="{93E08FB0-BE58-4B52-AA6C-B72C5C65A6DF}"/>
-              </a:ext>
-            </a:extLst>
-          </p:cNvPr>
-          <p:cNvPicPr>
-            <a:picLocks noChangeAspect="1"/>
-          </p:cNvPicPr>
-          <p:nvPr/>
-        </p:nvPicPr>
-        <p:blipFill>
-          <a:blip r:embed="rId2"/>
-          <a:stretch>
-            <a:fillRect/>
-          </a:stretch>
-        </p:blipFill>
-        <p:spPr>
-          <a:xfrm>
-            <a:off x="465016" y="2070685"/>
-            <a:ext cx="5371122" cy="3791245"/>
-          </a:xfrm>
-          <a:prstGeom prst="rect">
-            <a:avLst/>
-          </a:prstGeom>
-        </p:spPr>
-      </p:pic>
-      <p:sp>
-        <p:nvSpPr>
-          <p:cNvPr id="6" name="TextBox 5">
-            <a:extLst>
-              <a:ext uri="{FF2B5EF4-FFF2-40B4-BE49-F238E27FC236}">
-                <a16:creationId xmlns:a16="http://schemas.microsoft.com/office/drawing/2014/main" id="{1DF4DB9D-AC32-448F-A55A-23B5BA5BA04F}"/>
-              </a:ext>
-            </a:extLst>
-          </p:cNvPr>
-          <p:cNvSpPr txBox="1"/>
-          <p:nvPr/>
-        </p:nvSpPr>
-        <p:spPr>
-          <a:xfrm>
-            <a:off x="308708" y="1578708"/>
-            <a:ext cx="2743199" cy="369332"/>
-          </a:xfrm>
-          <a:prstGeom prst="rect">
-            <a:avLst/>
-          </a:prstGeom>
-          <a:noFill/>
-        </p:spPr>
-        <p:txBody>
-          <a:bodyPr rot="0" spcFirstLastPara="0" vertOverflow="overflow" horzOverflow="overflow" vert="horz" wrap="square" lIns="91440" tIns="45720" rIns="91440" bIns="45720" numCol="1" spcCol="0" rtlCol="0" fromWordArt="0" anchor="t" anchorCtr="0" forceAA="0" compatLnSpc="1">
-            <a:prstTxWarp prst="textNoShape">
-              <a:avLst/>
-            </a:prstTxWarp>
-            <a:spAutoFit/>
-          </a:bodyPr>
-          <a:lstStyle/>
-          <a:p>
-            <a:pPr algn="l"/>
-            <a:r>
-              <a:rPr lang="en-US" dirty="0" err="1"/>
-              <a:t>Код</a:t>
-            </a:r>
-            <a:r>
-              <a:rPr lang="en-US" dirty="0"/>
-              <a:t>:</a:t>
-            </a:r>
-          </a:p>
-        </p:txBody>
-      </p:sp>
-      <p:sp>
-        <p:nvSpPr>
-          <p:cNvPr id="8" name="Rectangle: Rounded Corners 7">
-            <a:extLst>
-              <a:ext uri="{FF2B5EF4-FFF2-40B4-BE49-F238E27FC236}">
-                <a16:creationId xmlns:a16="http://schemas.microsoft.com/office/drawing/2014/main" id="{C72B56C1-45D3-4F69-9F3C-492DF92123AC}"/>
-              </a:ext>
-            </a:extLst>
-          </p:cNvPr>
-          <p:cNvSpPr/>
-          <p:nvPr/>
-        </p:nvSpPr>
-        <p:spPr>
-          <a:xfrm>
-            <a:off x="6045443" y="2401520"/>
-            <a:ext cx="1299307" cy="420077"/>
-          </a:xfrm>
-          <a:prstGeom prst="roundRect">
-            <a:avLst/>
-          </a:prstGeom>
-        </p:spPr>
-        <p:style>
-          <a:lnRef idx="2">
-            <a:schemeClr val="accent1">
-              <a:shade val="50000"/>
-            </a:schemeClr>
-          </a:lnRef>
-          <a:fillRef idx="1">
-            <a:schemeClr val="accent1"/>
-          </a:fillRef>
-          <a:effectRef idx="0">
-            <a:schemeClr val="accent1"/>
-          </a:effectRef>
-          <a:fontRef idx="minor">
-            <a:schemeClr val="lt1"/>
-          </a:fontRef>
-        </p:style>
-        <p:txBody>
-          <a:bodyPr rtlCol="0" anchor="ctr"/>
-          <a:lstStyle/>
-          <a:p>
-            <a:pPr algn="ctr"/>
-            <a:r>
-              <a:rPr lang="en-US" dirty="0">
-                <a:solidFill>
-                  <a:schemeClr val="accent4"/>
-                </a:solidFill>
-                <a:cs typeface="Calibri"/>
-              </a:rPr>
-              <a:t>append</a:t>
-            </a:r>
-          </a:p>
-        </p:txBody>
-      </p:sp>
-      <p:sp>
-        <p:nvSpPr>
-          <p:cNvPr id="9" name="TextBox 8">
-            <a:extLst>
-              <a:ext uri="{FF2B5EF4-FFF2-40B4-BE49-F238E27FC236}">
-                <a16:creationId xmlns:a16="http://schemas.microsoft.com/office/drawing/2014/main" id="{059052A6-6DD9-479F-94DD-8CD3A6BC748A}"/>
-              </a:ext>
-            </a:extLst>
-          </p:cNvPr>
-          <p:cNvSpPr txBox="1"/>
-          <p:nvPr/>
-        </p:nvSpPr>
-        <p:spPr>
-          <a:xfrm>
-            <a:off x="7403612" y="2401766"/>
-            <a:ext cx="4316045" cy="369332"/>
-          </a:xfrm>
-          <a:prstGeom prst="rect">
-            <a:avLst/>
-          </a:prstGeom>
-          <a:noFill/>
-        </p:spPr>
-        <p:txBody>
-          <a:bodyPr rot="0" spcFirstLastPara="0" vertOverflow="overflow" horzOverflow="overflow" vert="horz" wrap="square" lIns="91440" tIns="45720" rIns="91440" bIns="45720" numCol="1" spcCol="0" rtlCol="0" fromWordArt="0" anchor="t" anchorCtr="0" forceAA="0" compatLnSpc="1">
-            <a:prstTxWarp prst="textNoShape">
-              <a:avLst/>
-            </a:prstTxWarp>
-            <a:spAutoFit/>
-          </a:bodyPr>
-          <a:lstStyle/>
-          <a:p>
-            <a:r>
-              <a:rPr lang="en-US" dirty="0"/>
-              <a:t>- </a:t>
-            </a:r>
-            <a:r>
-              <a:rPr lang="en-US" dirty="0" err="1"/>
-              <a:t>добавление</a:t>
-            </a:r>
-            <a:r>
-              <a:rPr lang="en-US" dirty="0"/>
-              <a:t> </a:t>
-            </a:r>
-            <a:r>
-              <a:rPr lang="en-US" dirty="0" err="1"/>
-              <a:t>нового</a:t>
-            </a:r>
-            <a:r>
-              <a:rPr lang="en-US" dirty="0"/>
-              <a:t> </a:t>
-            </a:r>
-            <a:r>
-              <a:rPr lang="en-US" dirty="0" err="1"/>
-              <a:t>элемента</a:t>
-            </a:r>
-            <a:r>
-              <a:rPr lang="en-US" dirty="0"/>
-              <a:t> в </a:t>
-            </a:r>
-            <a:r>
-              <a:rPr lang="en-US" dirty="0" err="1"/>
-              <a:t>список</a:t>
-            </a:r>
-          </a:p>
-        </p:txBody>
-      </p:sp>
-      <p:sp>
-        <p:nvSpPr>
-          <p:cNvPr id="10" name="Rectangle: Rounded Corners 9">
-            <a:extLst>
-              <a:ext uri="{FF2B5EF4-FFF2-40B4-BE49-F238E27FC236}">
-                <a16:creationId xmlns:a16="http://schemas.microsoft.com/office/drawing/2014/main" id="{060DD509-E3A1-4C72-A8BC-B17A2F6AE4B7}"/>
-              </a:ext>
-            </a:extLst>
-          </p:cNvPr>
-          <p:cNvSpPr/>
-          <p:nvPr/>
-        </p:nvSpPr>
-        <p:spPr>
-          <a:xfrm>
-            <a:off x="6055212" y="3114674"/>
-            <a:ext cx="1299307" cy="420077"/>
-          </a:xfrm>
-          <a:prstGeom prst="roundRect">
-            <a:avLst/>
-          </a:prstGeom>
-        </p:spPr>
-        <p:style>
-          <a:lnRef idx="2">
-            <a:schemeClr val="accent1">
-              <a:shade val="50000"/>
-            </a:schemeClr>
-          </a:lnRef>
-          <a:fillRef idx="1">
-            <a:schemeClr val="accent1"/>
-          </a:fillRef>
-          <a:effectRef idx="0">
-            <a:schemeClr val="accent1"/>
-          </a:effectRef>
-          <a:fontRef idx="minor">
-            <a:schemeClr val="lt1"/>
-          </a:fontRef>
-        </p:style>
-        <p:txBody>
-          <a:bodyPr lIns="91440" tIns="45720" rIns="91440" bIns="45720" rtlCol="0" anchor="ctr"/>
-          <a:lstStyle/>
-          <a:p>
-            <a:pPr algn="ctr"/>
-            <a:r>
-              <a:rPr lang="en-US" dirty="0">
-                <a:solidFill>
-                  <a:schemeClr val="accent4"/>
-                </a:solidFill>
-                <a:cs typeface="Calibri"/>
-              </a:rPr>
-              <a:t>sort</a:t>
-            </a:r>
-          </a:p>
-        </p:txBody>
-      </p:sp>
-      <p:sp>
-        <p:nvSpPr>
-          <p:cNvPr id="11" name="TextBox 10">
-            <a:extLst>
-              <a:ext uri="{FF2B5EF4-FFF2-40B4-BE49-F238E27FC236}">
-                <a16:creationId xmlns:a16="http://schemas.microsoft.com/office/drawing/2014/main" id="{083735CB-6C73-48BB-A761-CB618F2805D1}"/>
-              </a:ext>
-            </a:extLst>
-          </p:cNvPr>
-          <p:cNvSpPr txBox="1"/>
-          <p:nvPr/>
-        </p:nvSpPr>
-        <p:spPr>
-          <a:xfrm>
-            <a:off x="7413381" y="3114920"/>
-            <a:ext cx="4316045" cy="369332"/>
-          </a:xfrm>
-          <a:prstGeom prst="rect">
-            <a:avLst/>
-          </a:prstGeom>
-          <a:noFill/>
-        </p:spPr>
-        <p:txBody>
-          <a:bodyPr rot="0" spcFirstLastPara="0" vertOverflow="overflow" horzOverflow="overflow" vert="horz" wrap="square" lIns="91440" tIns="45720" rIns="91440" bIns="45720" numCol="1" spcCol="0" rtlCol="0" fromWordArt="0" anchor="t" anchorCtr="0" forceAA="0" compatLnSpc="1">
-            <a:prstTxWarp prst="textNoShape">
-              <a:avLst/>
-            </a:prstTxWarp>
-            <a:spAutoFit/>
-          </a:bodyPr>
-          <a:lstStyle/>
-          <a:p>
-            <a:r>
-              <a:rPr lang="en-US" dirty="0"/>
-              <a:t>- </a:t>
-            </a:r>
-            <a:r>
-              <a:rPr lang="en-US" dirty="0" err="1"/>
-              <a:t>сортировка</a:t>
-            </a:r>
-            <a:r>
-              <a:rPr lang="en-US" dirty="0"/>
-              <a:t> </a:t>
-            </a:r>
-            <a:r>
-              <a:rPr lang="en-US" dirty="0" err="1"/>
-              <a:t>списка</a:t>
-            </a:r>
-            <a:endParaRPr lang="en-US" dirty="0" err="1">
-              <a:cs typeface="Calibri"/>
-            </a:endParaRPr>
-          </a:p>
-        </p:txBody>
-      </p:sp>
-      <p:sp>
-        <p:nvSpPr>
-          <p:cNvPr id="12" name="Rectangle: Rounded Corners 11">
-            <a:extLst>
-              <a:ext uri="{FF2B5EF4-FFF2-40B4-BE49-F238E27FC236}">
-                <a16:creationId xmlns:a16="http://schemas.microsoft.com/office/drawing/2014/main" id="{9549B003-7EA1-4ECB-9C20-A4CB5F77232E}"/>
-              </a:ext>
-            </a:extLst>
-          </p:cNvPr>
-          <p:cNvSpPr/>
-          <p:nvPr/>
-        </p:nvSpPr>
-        <p:spPr>
-          <a:xfrm>
-            <a:off x="6045443" y="3837597"/>
-            <a:ext cx="1299307" cy="420077"/>
-          </a:xfrm>
-          <a:prstGeom prst="roundRect">
-            <a:avLst/>
-          </a:prstGeom>
-        </p:spPr>
-        <p:style>
-          <a:lnRef idx="2">
-            <a:schemeClr val="accent1">
-              <a:shade val="50000"/>
-            </a:schemeClr>
-          </a:lnRef>
-          <a:fillRef idx="1">
-            <a:schemeClr val="accent1"/>
-          </a:fillRef>
-          <a:effectRef idx="0">
-            <a:schemeClr val="accent1"/>
-          </a:effectRef>
-          <a:fontRef idx="minor">
-            <a:schemeClr val="lt1"/>
-          </a:fontRef>
-        </p:style>
-        <p:txBody>
-          <a:bodyPr lIns="91440" tIns="45720" rIns="91440" bIns="45720" rtlCol="0" anchor="ctr"/>
-          <a:lstStyle/>
-          <a:p>
-            <a:pPr algn="ctr"/>
-            <a:r>
-              <a:rPr lang="en-US" dirty="0">
-                <a:solidFill>
-                  <a:schemeClr val="accent4"/>
-                </a:solidFill>
-                <a:cs typeface="Calibri"/>
-              </a:rPr>
-              <a:t>[]</a:t>
-            </a:r>
-          </a:p>
-        </p:txBody>
-      </p:sp>
-      <p:sp>
-        <p:nvSpPr>
-          <p:cNvPr id="14" name="TextBox 13">
-            <a:extLst>
-              <a:ext uri="{FF2B5EF4-FFF2-40B4-BE49-F238E27FC236}">
-                <a16:creationId xmlns:a16="http://schemas.microsoft.com/office/drawing/2014/main" id="{5E56CF44-CE74-4150-994B-43146F9DD4F7}"/>
-              </a:ext>
-            </a:extLst>
-          </p:cNvPr>
-          <p:cNvSpPr txBox="1"/>
-          <p:nvPr/>
-        </p:nvSpPr>
-        <p:spPr>
-          <a:xfrm>
-            <a:off x="7413381" y="3837843"/>
-            <a:ext cx="4316045" cy="369332"/>
-          </a:xfrm>
-          <a:prstGeom prst="rect">
-            <a:avLst/>
-          </a:prstGeom>
-          <a:noFill/>
-        </p:spPr>
-        <p:txBody>
-          <a:bodyPr rot="0" spcFirstLastPara="0" vertOverflow="overflow" horzOverflow="overflow" vert="horz" wrap="square" lIns="91440" tIns="45720" rIns="91440" bIns="45720" numCol="1" spcCol="0" rtlCol="0" fromWordArt="0" anchor="t" anchorCtr="0" forceAA="0" compatLnSpc="1">
-            <a:prstTxWarp prst="textNoShape">
-              <a:avLst/>
-            </a:prstTxWarp>
-            <a:spAutoFit/>
-          </a:bodyPr>
-          <a:lstStyle/>
-          <a:p>
-            <a:r>
-              <a:rPr lang="en-US" dirty="0"/>
-              <a:t>- </a:t>
-            </a:r>
-            <a:r>
-              <a:rPr lang="en-US" dirty="0" err="1"/>
-              <a:t>обращение</a:t>
-            </a:r>
-            <a:r>
-              <a:rPr lang="en-US" dirty="0"/>
-              <a:t> к </a:t>
-            </a:r>
-            <a:r>
-              <a:rPr lang="en-US" dirty="0" err="1"/>
-              <a:t>элементу</a:t>
-            </a:r>
-            <a:r>
-              <a:rPr lang="en-US" dirty="0"/>
-              <a:t> </a:t>
-            </a:r>
-            <a:r>
-              <a:rPr lang="en-US" dirty="0" err="1"/>
-              <a:t>по</a:t>
-            </a:r>
-            <a:r>
-              <a:rPr lang="en-US" dirty="0"/>
-              <a:t> </a:t>
-            </a:r>
-            <a:r>
-              <a:rPr lang="en-US" dirty="0" err="1"/>
-              <a:t>индексу</a:t>
-            </a:r>
-            <a:endParaRPr lang="en-US" dirty="0" err="1">
-              <a:cs typeface="Calibri"/>
-            </a:endParaRPr>
-          </a:p>
-        </p:txBody>
-      </p:sp>
-      <p:sp>
-        <p:nvSpPr>
-          <p:cNvPr id="15" name="Rectangle: Rounded Corners 14">
-            <a:extLst>
-              <a:ext uri="{FF2B5EF4-FFF2-40B4-BE49-F238E27FC236}">
-                <a16:creationId xmlns:a16="http://schemas.microsoft.com/office/drawing/2014/main" id="{AC22CA65-F4C3-4E83-AD20-65A876D66724}"/>
-              </a:ext>
-            </a:extLst>
-          </p:cNvPr>
-          <p:cNvSpPr/>
-          <p:nvPr/>
-        </p:nvSpPr>
-        <p:spPr>
-          <a:xfrm>
-            <a:off x="6045443" y="4560520"/>
-            <a:ext cx="1299307" cy="420077"/>
-          </a:xfrm>
-          <a:prstGeom prst="roundRect">
-            <a:avLst/>
-          </a:prstGeom>
-        </p:spPr>
-        <p:style>
-          <a:lnRef idx="2">
-            <a:schemeClr val="accent1">
-              <a:shade val="50000"/>
-            </a:schemeClr>
-          </a:lnRef>
-          <a:fillRef idx="1">
-            <a:schemeClr val="accent1"/>
-          </a:fillRef>
-          <a:effectRef idx="0">
-            <a:schemeClr val="accent1"/>
-          </a:effectRef>
-          <a:fontRef idx="minor">
-            <a:schemeClr val="lt1"/>
-          </a:fontRef>
-        </p:style>
-        <p:txBody>
-          <a:bodyPr lIns="91440" tIns="45720" rIns="91440" bIns="45720" rtlCol="0" anchor="ctr"/>
-          <a:lstStyle/>
-          <a:p>
-            <a:pPr algn="ctr"/>
-            <a:r>
-              <a:rPr lang="en-US" dirty="0">
-                <a:solidFill>
-                  <a:schemeClr val="accent4"/>
-                </a:solidFill>
-                <a:cs typeface="Calibri"/>
-              </a:rPr>
-              <a:t>del</a:t>
-            </a:r>
-          </a:p>
-        </p:txBody>
-      </p:sp>
-      <p:sp>
-        <p:nvSpPr>
-          <p:cNvPr id="16" name="TextBox 15">
-            <a:extLst>
-              <a:ext uri="{FF2B5EF4-FFF2-40B4-BE49-F238E27FC236}">
-                <a16:creationId xmlns:a16="http://schemas.microsoft.com/office/drawing/2014/main" id="{DE1FCECE-964E-4E88-AD96-706D17D58207}"/>
-              </a:ext>
-            </a:extLst>
-          </p:cNvPr>
-          <p:cNvSpPr txBox="1"/>
-          <p:nvPr/>
-        </p:nvSpPr>
-        <p:spPr>
-          <a:xfrm>
-            <a:off x="7413381" y="4560766"/>
-            <a:ext cx="4316045" cy="369332"/>
-          </a:xfrm>
-          <a:prstGeom prst="rect">
-            <a:avLst/>
-          </a:prstGeom>
-          <a:noFill/>
-        </p:spPr>
-        <p:txBody>
-          <a:bodyPr rot="0" spcFirstLastPara="0" vertOverflow="overflow" horzOverflow="overflow" vert="horz" wrap="square" lIns="91440" tIns="45720" rIns="91440" bIns="45720" numCol="1" spcCol="0" rtlCol="0" fromWordArt="0" anchor="t" anchorCtr="0" forceAA="0" compatLnSpc="1">
-            <a:prstTxWarp prst="textNoShape">
-              <a:avLst/>
-            </a:prstTxWarp>
-            <a:spAutoFit/>
-          </a:bodyPr>
-          <a:lstStyle/>
-          <a:p>
-            <a:r>
-              <a:rPr lang="en-US" dirty="0"/>
-              <a:t>- </a:t>
-            </a:r>
-            <a:r>
-              <a:rPr lang="en-US" dirty="0" err="1"/>
-              <a:t>удаление</a:t>
-            </a:r>
-            <a:r>
-              <a:rPr lang="en-US" dirty="0"/>
-              <a:t> </a:t>
-            </a:r>
-            <a:r>
-              <a:rPr lang="en-US" dirty="0" err="1"/>
-              <a:t>элемента</a:t>
-            </a:r>
-            <a:r>
-              <a:rPr lang="en-US" dirty="0"/>
-              <a:t> </a:t>
-            </a:r>
-            <a:r>
-              <a:rPr lang="en-US" dirty="0" err="1"/>
-              <a:t>из</a:t>
-            </a:r>
-            <a:r>
-              <a:rPr lang="en-US" dirty="0"/>
-              <a:t> </a:t>
-            </a:r>
-            <a:r>
-              <a:rPr lang="en-US" dirty="0" err="1"/>
-              <a:t>списка</a:t>
-            </a:r>
-            <a:r>
-              <a:rPr lang="en-US" dirty="0"/>
-              <a:t> </a:t>
-            </a:r>
-            <a:r>
-              <a:rPr lang="en-US" dirty="0" err="1"/>
-              <a:t>по</a:t>
-            </a:r>
-            <a:r>
-              <a:rPr lang="en-US" dirty="0"/>
-              <a:t> </a:t>
-            </a:r>
-            <a:r>
-              <a:rPr lang="en-US" dirty="0" err="1"/>
-              <a:t>индексу</a:t>
-            </a:r>
-            <a:endParaRPr lang="en-US" dirty="0" err="1">
-              <a:cs typeface="Calibri"/>
-            </a:endParaRPr>
-          </a:p>
-        </p:txBody>
-      </p:sp>
-    </p:spTree>
-    <p:extLst>
-      <p:ext uri="{BB962C8B-B14F-4D97-AF65-F5344CB8AC3E}">
-        <p14:creationId xmlns:p14="http://schemas.microsoft.com/office/powerpoint/2010/main" val="2236230769"/>
-      </p:ext>
-    </p:extLst>
-  </p:cSld>
-  <p:clrMapOvr>
-    <a:masterClrMapping/>
-  </p:clrMapOvr>
-</p:sld>
-</file>
-
-<file path=ppt/slides/slide13.xml><?xml version="1.0" encoding="utf-8"?>
-<p:sld xmlns:a="http://schemas.openxmlformats.org/drawingml/2006/main" xmlns:r="http://schemas.openxmlformats.org/officeDocument/2006/relationships" xmlns:p="http://schemas.openxmlformats.org/presentationml/2006/main">
-  <p:cSld>
-    <p:spTree>
-      <p:nvGrpSpPr>
-        <p:cNvPr id="1" name=""/>
-        <p:cNvGrpSpPr/>
-        <p:nvPr/>
-      </p:nvGrpSpPr>
-      <p:grpSpPr>
-        <a:xfrm>
-          <a:off x="0" y="0"/>
-          <a:ext cx="0" cy="0"/>
-          <a:chOff x="0" y="0"/>
-          <a:chExt cx="0" cy="0"/>
-        </a:xfrm>
-      </p:grpSpPr>
-      <p:sp>
-        <p:nvSpPr>
-          <p:cNvPr id="3" name="Прямоугольник 4">
-            <a:extLst>
-              <a:ext uri="{FF2B5EF4-FFF2-40B4-BE49-F238E27FC236}">
-                <a16:creationId xmlns:a16="http://schemas.microsoft.com/office/drawing/2014/main" id="{36CC0B9C-0EBE-4A1E-B58D-B636BD15693B}"/>
-              </a:ext>
-            </a:extLst>
-          </p:cNvPr>
-          <p:cNvSpPr/>
-          <p:nvPr/>
-        </p:nvSpPr>
-        <p:spPr>
-          <a:xfrm>
-            <a:off x="569167" y="242596"/>
-            <a:ext cx="11150082" cy="811763"/>
-          </a:xfrm>
-          <a:prstGeom prst="rect">
-            <a:avLst/>
-          </a:prstGeom>
-        </p:spPr>
-        <p:style>
-          <a:lnRef idx="2">
-            <a:schemeClr val="accent1">
-              <a:shade val="50000"/>
-            </a:schemeClr>
-          </a:lnRef>
-          <a:fillRef idx="1">
-            <a:schemeClr val="accent1"/>
-          </a:fillRef>
-          <a:effectRef idx="0">
-            <a:schemeClr val="accent1"/>
-          </a:effectRef>
-          <a:fontRef idx="minor">
-            <a:schemeClr val="lt1"/>
-          </a:fontRef>
-        </p:style>
-        <p:txBody>
-          <a:bodyPr lIns="91440" tIns="45720" rIns="91440" bIns="45720" rtlCol="0" anchor="ctr"/>
-          <a:lstStyle/>
-          <a:p>
-            <a:pPr algn="ctr"/>
-            <a:r>
-              <a:rPr lang="ru-RU" sz="3200" b="1" dirty="0">
-                <a:ln w="12700" cmpd="sng">
-                  <a:solidFill>
-                    <a:srgbClr val="FFC000"/>
-                  </a:solidFill>
-                  <a:prstDash val="solid"/>
-                </a:ln>
-                <a:solidFill>
-                  <a:srgbClr val="FFC000"/>
-                </a:solidFill>
-                <a:ea typeface="+mn-lt"/>
-                <a:cs typeface="+mn-lt"/>
-              </a:rPr>
-              <a:t>Кортеж</a:t>
-            </a:r>
-            <a:endParaRPr lang="en-US" dirty="0"/>
-          </a:p>
-        </p:txBody>
-      </p:sp>
-      <p:sp>
-        <p:nvSpPr>
-          <p:cNvPr id="5" name="Rectangle: Rounded Corners 4">
-            <a:extLst>
-              <a:ext uri="{FF2B5EF4-FFF2-40B4-BE49-F238E27FC236}">
-                <a16:creationId xmlns:a16="http://schemas.microsoft.com/office/drawing/2014/main" id="{345097A7-3DDA-42EE-B1B5-948D82531DB4}"/>
-              </a:ext>
-            </a:extLst>
-          </p:cNvPr>
-          <p:cNvSpPr/>
-          <p:nvPr/>
-        </p:nvSpPr>
-        <p:spPr>
-          <a:xfrm>
-            <a:off x="1179258" y="4980169"/>
-            <a:ext cx="9837613" cy="1299308"/>
-          </a:xfrm>
-          <a:prstGeom prst="roundRect">
-            <a:avLst/>
-          </a:prstGeom>
-        </p:spPr>
-        <p:style>
-          <a:lnRef idx="2">
-            <a:schemeClr val="accent1">
-              <a:shade val="50000"/>
-            </a:schemeClr>
-          </a:lnRef>
-          <a:fillRef idx="1">
-            <a:schemeClr val="accent1"/>
-          </a:fillRef>
-          <a:effectRef idx="0">
-            <a:schemeClr val="accent1"/>
-          </a:effectRef>
-          <a:fontRef idx="minor">
-            <a:schemeClr val="lt1"/>
-          </a:fontRef>
-        </p:style>
-        <p:txBody>
-          <a:bodyPr lIns="91440" tIns="45720" rIns="91440" bIns="45720" rtlCol="0" anchor="ctr"/>
-          <a:lstStyle/>
-          <a:p>
-            <a:r>
-              <a:rPr lang="en-US" dirty="0">
-                <a:solidFill>
-                  <a:schemeClr val="accent4"/>
-                </a:solidFill>
-                <a:ea typeface="+mn-lt"/>
-                <a:cs typeface="+mn-lt"/>
-              </a:rPr>
-              <a:t>     </a:t>
-            </a:r>
-            <a:endParaRPr lang="en-US" dirty="0">
-              <a:solidFill>
-                <a:schemeClr val="accent4"/>
-              </a:solidFill>
-              <a:cs typeface="Calibri"/>
-            </a:endParaRPr>
-          </a:p>
-        </p:txBody>
-      </p:sp>
-      <p:pic>
-        <p:nvPicPr>
-          <p:cNvPr id="4" name="Picture 5">
-            <a:extLst>
-              <a:ext uri="{FF2B5EF4-FFF2-40B4-BE49-F238E27FC236}">
-                <a16:creationId xmlns:a16="http://schemas.microsoft.com/office/drawing/2014/main" id="{783B23B0-49FF-4485-8F74-307EDAD3A1C7}"/>
-              </a:ext>
-            </a:extLst>
-          </p:cNvPr>
-          <p:cNvPicPr>
-            <a:picLocks noChangeAspect="1"/>
-          </p:cNvPicPr>
-          <p:nvPr/>
-        </p:nvPicPr>
-        <p:blipFill>
-          <a:blip r:embed="rId2"/>
-          <a:stretch>
-            <a:fillRect/>
-          </a:stretch>
-        </p:blipFill>
-        <p:spPr>
-          <a:xfrm>
-            <a:off x="1705708" y="2222317"/>
-            <a:ext cx="9249507" cy="1905366"/>
-          </a:xfrm>
-          <a:prstGeom prst="rect">
-            <a:avLst/>
-          </a:prstGeom>
-        </p:spPr>
-      </p:pic>
-    </p:spTree>
-    <p:extLst>
-      <p:ext uri="{BB962C8B-B14F-4D97-AF65-F5344CB8AC3E}">
-        <p14:creationId xmlns:p14="http://schemas.microsoft.com/office/powerpoint/2010/main" val="3666564438"/>
-      </p:ext>
-    </p:extLst>
-  </p:cSld>
-  <p:clrMapOvr>
-    <a:masterClrMapping/>
-  </p:clrMapOvr>
-</p:sld>
-</file>
-
-<file path=ppt/slides/slide14.xml><?xml version="1.0" encoding="utf-8"?>
-<p:sld xmlns:a="http://schemas.openxmlformats.org/drawingml/2006/main" xmlns:r="http://schemas.openxmlformats.org/officeDocument/2006/relationships" xmlns:p="http://schemas.openxmlformats.org/presentationml/2006/main">
-  <p:cSld>
-    <p:spTree>
-      <p:nvGrpSpPr>
-        <p:cNvPr id="1" name=""/>
-        <p:cNvGrpSpPr/>
-        <p:nvPr/>
-      </p:nvGrpSpPr>
-      <p:grpSpPr>
-        <a:xfrm>
-          <a:off x="0" y="0"/>
-          <a:ext cx="0" cy="0"/>
-          <a:chOff x="0" y="0"/>
-          <a:chExt cx="0" cy="0"/>
-        </a:xfrm>
-      </p:grpSpPr>
-      <p:sp>
-        <p:nvSpPr>
-          <p:cNvPr id="3" name="Прямоугольник 4">
-            <a:extLst>
-              <a:ext uri="{FF2B5EF4-FFF2-40B4-BE49-F238E27FC236}">
-                <a16:creationId xmlns:a16="http://schemas.microsoft.com/office/drawing/2014/main" id="{36CC0B9C-0EBE-4A1E-B58D-B636BD15693B}"/>
-              </a:ext>
-            </a:extLst>
-          </p:cNvPr>
-          <p:cNvSpPr/>
-          <p:nvPr/>
-        </p:nvSpPr>
-        <p:spPr>
-          <a:xfrm>
-            <a:off x="569167" y="242596"/>
-            <a:ext cx="11150082" cy="811763"/>
-          </a:xfrm>
-          <a:prstGeom prst="rect">
-            <a:avLst/>
-          </a:prstGeom>
-        </p:spPr>
-        <p:style>
-          <a:lnRef idx="2">
-            <a:schemeClr val="accent1">
-              <a:shade val="50000"/>
-            </a:schemeClr>
-          </a:lnRef>
-          <a:fillRef idx="1">
-            <a:schemeClr val="accent1"/>
-          </a:fillRef>
-          <a:effectRef idx="0">
-            <a:schemeClr val="accent1"/>
-          </a:effectRef>
-          <a:fontRef idx="minor">
-            <a:schemeClr val="lt1"/>
-          </a:fontRef>
-        </p:style>
-        <p:txBody>
-          <a:bodyPr lIns="91440" tIns="45720" rIns="91440" bIns="45720" rtlCol="0" anchor="ctr"/>
-          <a:lstStyle/>
-          <a:p>
-            <a:pPr algn="ctr"/>
-            <a:r>
-              <a:rPr lang="ru-RU" sz="3200" b="1" dirty="0">
-                <a:ln w="12700" cmpd="sng">
-                  <a:solidFill>
-                    <a:srgbClr val="FFC000"/>
-                  </a:solidFill>
-                  <a:prstDash val="solid"/>
-                </a:ln>
-                <a:solidFill>
-                  <a:srgbClr val="FFC000"/>
-                </a:solidFill>
-                <a:ea typeface="+mn-lt"/>
-                <a:cs typeface="+mn-lt"/>
-              </a:rPr>
-              <a:t>Словарь</a:t>
-            </a:r>
-            <a:endParaRPr lang="ru-RU" sz="3200" b="1" dirty="0">
-              <a:ln w="12700" cmpd="sng">
-                <a:solidFill>
-                  <a:srgbClr val="FFC000"/>
-                </a:solidFill>
-                <a:prstDash val="solid"/>
-              </a:ln>
-              <a:solidFill>
-                <a:srgbClr val="FFC000"/>
-              </a:solidFill>
-              <a:cs typeface="Calibri"/>
-            </a:endParaRPr>
-          </a:p>
-        </p:txBody>
-      </p:sp>
-      <p:pic>
-        <p:nvPicPr>
-          <p:cNvPr id="2" name="Picture 3">
-            <a:extLst>
-              <a:ext uri="{FF2B5EF4-FFF2-40B4-BE49-F238E27FC236}">
-                <a16:creationId xmlns:a16="http://schemas.microsoft.com/office/drawing/2014/main" id="{4906ED58-4BA3-4FCD-861B-92F8DE7104D0}"/>
-              </a:ext>
-            </a:extLst>
-          </p:cNvPr>
-          <p:cNvPicPr>
-            <a:picLocks noChangeAspect="1"/>
-          </p:cNvPicPr>
-          <p:nvPr/>
-        </p:nvPicPr>
-        <p:blipFill>
-          <a:blip r:embed="rId2"/>
-          <a:stretch>
-            <a:fillRect/>
-          </a:stretch>
-        </p:blipFill>
-        <p:spPr>
-          <a:xfrm>
-            <a:off x="1074788" y="1798242"/>
-            <a:ext cx="4540738" cy="2840943"/>
-          </a:xfrm>
-          <a:prstGeom prst="rect">
-            <a:avLst/>
-          </a:prstGeom>
-        </p:spPr>
-      </p:pic>
-      <p:pic>
-        <p:nvPicPr>
-          <p:cNvPr id="4" name="Picture 4">
-            <a:extLst>
-              <a:ext uri="{FF2B5EF4-FFF2-40B4-BE49-F238E27FC236}">
-                <a16:creationId xmlns:a16="http://schemas.microsoft.com/office/drawing/2014/main" id="{BD3920B9-9EFE-4624-98AC-0CA6BB254549}"/>
-              </a:ext>
-            </a:extLst>
-          </p:cNvPr>
-          <p:cNvPicPr>
-            <a:picLocks noChangeAspect="1"/>
-          </p:cNvPicPr>
-          <p:nvPr/>
-        </p:nvPicPr>
-        <p:blipFill>
-          <a:blip r:embed="rId3"/>
-          <a:stretch>
-            <a:fillRect/>
-          </a:stretch>
-        </p:blipFill>
-        <p:spPr>
-          <a:xfrm>
-            <a:off x="5857631" y="1793945"/>
-            <a:ext cx="6269892" cy="1560495"/>
-          </a:xfrm>
-          <a:prstGeom prst="rect">
-            <a:avLst/>
-          </a:prstGeom>
-        </p:spPr>
-      </p:pic>
-      <p:sp>
-        <p:nvSpPr>
-          <p:cNvPr id="6" name="TextBox 5">
-            <a:extLst>
-              <a:ext uri="{FF2B5EF4-FFF2-40B4-BE49-F238E27FC236}">
-                <a16:creationId xmlns:a16="http://schemas.microsoft.com/office/drawing/2014/main" id="{16A6AEB6-71A3-47E2-A70C-7A9D31EB10EF}"/>
-              </a:ext>
-            </a:extLst>
-          </p:cNvPr>
-          <p:cNvSpPr txBox="1"/>
-          <p:nvPr/>
-        </p:nvSpPr>
-        <p:spPr>
-          <a:xfrm>
-            <a:off x="5779477" y="3376246"/>
-            <a:ext cx="2743199" cy="369332"/>
-          </a:xfrm>
-          <a:prstGeom prst="rect">
-            <a:avLst/>
-          </a:prstGeom>
-          <a:noFill/>
-        </p:spPr>
-        <p:txBody>
-          <a:bodyPr rot="0" spcFirstLastPara="0" vertOverflow="overflow" horzOverflow="overflow" vert="horz" wrap="square" lIns="91440" tIns="45720" rIns="91440" bIns="45720" numCol="1" spcCol="0" rtlCol="0" fromWordArt="0" anchor="t" anchorCtr="0" forceAA="0" compatLnSpc="1">
-            <a:prstTxWarp prst="textNoShape">
-              <a:avLst/>
-            </a:prstTxWarp>
-            <a:spAutoFit/>
-          </a:bodyPr>
-          <a:lstStyle/>
-          <a:p>
-            <a:pPr algn="l"/>
-            <a:r>
-              <a:rPr lang="en-US" dirty="0" err="1"/>
-              <a:t>Вывод</a:t>
-            </a:r>
-            <a:r>
-              <a:rPr lang="en-US" dirty="0"/>
-              <a:t>:</a:t>
-            </a:r>
-          </a:p>
-        </p:txBody>
-      </p:sp>
-      <p:pic>
-        <p:nvPicPr>
-          <p:cNvPr id="7" name="Picture 7">
-            <a:extLst>
-              <a:ext uri="{FF2B5EF4-FFF2-40B4-BE49-F238E27FC236}">
-                <a16:creationId xmlns:a16="http://schemas.microsoft.com/office/drawing/2014/main" id="{14AFBBB3-0D1A-4DF7-88AB-755CA73ADA5E}"/>
-              </a:ext>
-            </a:extLst>
-          </p:cNvPr>
-          <p:cNvPicPr>
-            <a:picLocks noChangeAspect="1"/>
-          </p:cNvPicPr>
-          <p:nvPr/>
-        </p:nvPicPr>
-        <p:blipFill>
-          <a:blip r:embed="rId4"/>
-          <a:stretch>
-            <a:fillRect/>
-          </a:stretch>
-        </p:blipFill>
-        <p:spPr>
-          <a:xfrm>
-            <a:off x="5857630" y="3878090"/>
-            <a:ext cx="6054969" cy="821203"/>
-          </a:xfrm>
-          <a:prstGeom prst="rect">
-            <a:avLst/>
-          </a:prstGeom>
-        </p:spPr>
-      </p:pic>
-      <p:sp>
-        <p:nvSpPr>
-          <p:cNvPr id="9" name="Rectangle: Rounded Corners 8">
-            <a:extLst>
-              <a:ext uri="{FF2B5EF4-FFF2-40B4-BE49-F238E27FC236}">
-                <a16:creationId xmlns:a16="http://schemas.microsoft.com/office/drawing/2014/main" id="{5B4410A5-E3CF-4CCB-A487-D94B849946A7}"/>
-              </a:ext>
-            </a:extLst>
-          </p:cNvPr>
-          <p:cNvSpPr/>
-          <p:nvPr/>
-        </p:nvSpPr>
-        <p:spPr>
-          <a:xfrm>
-            <a:off x="1149951" y="5175554"/>
-            <a:ext cx="10130689" cy="1064846"/>
-          </a:xfrm>
-          <a:prstGeom prst="roundRect">
-            <a:avLst/>
-          </a:prstGeom>
-        </p:spPr>
-        <p:style>
-          <a:lnRef idx="2">
-            <a:schemeClr val="accent1">
-              <a:shade val="50000"/>
-            </a:schemeClr>
-          </a:lnRef>
-          <a:fillRef idx="1">
-            <a:schemeClr val="accent1"/>
-          </a:fillRef>
-          <a:effectRef idx="0">
-            <a:schemeClr val="accent1"/>
-          </a:effectRef>
-          <a:fontRef idx="minor">
-            <a:schemeClr val="lt1"/>
-          </a:fontRef>
-        </p:style>
-        <p:txBody>
-          <a:bodyPr lIns="91440" tIns="45720" rIns="91440" bIns="45720" rtlCol="0" anchor="ctr"/>
-          <a:lstStyle/>
-          <a:p>
-            <a:r>
-              <a:rPr lang="en-US" dirty="0">
-                <a:ea typeface="+mn-lt"/>
-                <a:cs typeface="+mn-lt"/>
-              </a:rPr>
-              <a:t> </a:t>
-            </a:r>
-            <a:r>
-              <a:rPr lang="en-US" dirty="0">
-                <a:solidFill>
-                  <a:srgbClr val="FFFFFF"/>
-                </a:solidFill>
-                <a:ea typeface="+mn-lt"/>
-                <a:cs typeface="+mn-lt"/>
-              </a:rPr>
-              <a:t>   </a:t>
-            </a:r>
-            <a:r>
-              <a:rPr lang="en-US" dirty="0" err="1">
-                <a:solidFill>
-                  <a:schemeClr val="accent4"/>
-                </a:solidFill>
-                <a:ea typeface="+mn-lt"/>
-                <a:cs typeface="+mn-lt"/>
-              </a:rPr>
-              <a:t>Словарь</a:t>
-            </a:r>
-            <a:r>
-              <a:rPr lang="en-US" dirty="0">
-                <a:solidFill>
-                  <a:schemeClr val="accent4"/>
-                </a:solidFill>
-                <a:ea typeface="+mn-lt"/>
-                <a:cs typeface="+mn-lt"/>
-              </a:rPr>
-              <a:t> </a:t>
-            </a:r>
-            <a:r>
-              <a:rPr lang="en-US" dirty="0">
-                <a:ea typeface="+mn-lt"/>
-                <a:cs typeface="+mn-lt"/>
-              </a:rPr>
-              <a:t>– </a:t>
-            </a:r>
-            <a:r>
-              <a:rPr lang="en-US" dirty="0" err="1">
-                <a:ea typeface="+mn-lt"/>
-                <a:cs typeface="+mn-lt"/>
-              </a:rPr>
-              <a:t>это</a:t>
-            </a:r>
-            <a:r>
-              <a:rPr lang="en-US" dirty="0">
-                <a:ea typeface="+mn-lt"/>
-                <a:cs typeface="+mn-lt"/>
-              </a:rPr>
-              <a:t> </a:t>
-            </a:r>
-            <a:r>
-              <a:rPr lang="en-US" dirty="0" err="1">
-                <a:ea typeface="+mn-lt"/>
-                <a:cs typeface="+mn-lt"/>
-              </a:rPr>
-              <a:t>некий</a:t>
-            </a:r>
-            <a:r>
-              <a:rPr lang="en-US" dirty="0">
-                <a:ea typeface="+mn-lt"/>
-                <a:cs typeface="+mn-lt"/>
-              </a:rPr>
-              <a:t> </a:t>
-            </a:r>
-            <a:r>
-              <a:rPr lang="en-US" dirty="0" err="1">
-                <a:ea typeface="+mn-lt"/>
-                <a:cs typeface="+mn-lt"/>
-              </a:rPr>
-              <a:t>аналог</a:t>
-            </a:r>
-            <a:r>
-              <a:rPr lang="en-US" dirty="0">
-                <a:ea typeface="+mn-lt"/>
-                <a:cs typeface="+mn-lt"/>
-              </a:rPr>
-              <a:t> </a:t>
-            </a:r>
-            <a:r>
-              <a:rPr lang="en-US" dirty="0" err="1">
-                <a:ea typeface="+mn-lt"/>
-                <a:cs typeface="+mn-lt"/>
-              </a:rPr>
-              <a:t>адресной</a:t>
-            </a:r>
-            <a:r>
-              <a:rPr lang="en-US" dirty="0">
-                <a:ea typeface="+mn-lt"/>
-                <a:cs typeface="+mn-lt"/>
-              </a:rPr>
-              <a:t> </a:t>
-            </a:r>
-            <a:r>
-              <a:rPr lang="en-US" dirty="0" err="1">
-                <a:ea typeface="+mn-lt"/>
-                <a:cs typeface="+mn-lt"/>
-              </a:rPr>
-              <a:t>книги</a:t>
-            </a:r>
-            <a:r>
-              <a:rPr lang="en-US" dirty="0">
-                <a:ea typeface="+mn-lt"/>
-                <a:cs typeface="+mn-lt"/>
-              </a:rPr>
-              <a:t>, в </a:t>
-            </a:r>
-            <a:r>
-              <a:rPr lang="en-US" dirty="0" err="1">
-                <a:ea typeface="+mn-lt"/>
-                <a:cs typeface="+mn-lt"/>
-              </a:rPr>
-              <a:t>которой</a:t>
-            </a:r>
-            <a:r>
-              <a:rPr lang="en-US" dirty="0">
-                <a:ea typeface="+mn-lt"/>
-                <a:cs typeface="+mn-lt"/>
-              </a:rPr>
-              <a:t> </a:t>
-            </a:r>
-            <a:r>
-              <a:rPr lang="en-US" dirty="0" err="1">
-                <a:ea typeface="+mn-lt"/>
-                <a:cs typeface="+mn-lt"/>
-              </a:rPr>
-              <a:t>можно</a:t>
-            </a:r>
-            <a:r>
-              <a:rPr lang="en-US" dirty="0">
-                <a:ea typeface="+mn-lt"/>
-                <a:cs typeface="+mn-lt"/>
-              </a:rPr>
-              <a:t> </a:t>
-            </a:r>
-            <a:r>
-              <a:rPr lang="en-US" dirty="0" err="1">
-                <a:ea typeface="+mn-lt"/>
-                <a:cs typeface="+mn-lt"/>
-              </a:rPr>
-              <a:t>найти</a:t>
-            </a:r>
-            <a:r>
-              <a:rPr lang="en-US" dirty="0">
-                <a:ea typeface="+mn-lt"/>
-                <a:cs typeface="+mn-lt"/>
-              </a:rPr>
-              <a:t> </a:t>
-            </a:r>
-            <a:r>
-              <a:rPr lang="en-US" dirty="0" err="1">
-                <a:ea typeface="+mn-lt"/>
-                <a:cs typeface="+mn-lt"/>
-              </a:rPr>
-              <a:t>адрес</a:t>
-            </a:r>
-            <a:r>
-              <a:rPr lang="en-US" dirty="0">
-                <a:ea typeface="+mn-lt"/>
-                <a:cs typeface="+mn-lt"/>
-              </a:rPr>
-              <a:t> </a:t>
-            </a:r>
-            <a:r>
-              <a:rPr lang="en-US" dirty="0" err="1">
-                <a:ea typeface="+mn-lt"/>
-                <a:cs typeface="+mn-lt"/>
-              </a:rPr>
-              <a:t>или</a:t>
-            </a:r>
-            <a:r>
-              <a:rPr lang="en-US" dirty="0">
-                <a:ea typeface="+mn-lt"/>
-                <a:cs typeface="+mn-lt"/>
-              </a:rPr>
-              <a:t> </a:t>
-            </a:r>
-            <a:r>
-              <a:rPr lang="en-US" dirty="0" err="1">
-                <a:ea typeface="+mn-lt"/>
-                <a:cs typeface="+mn-lt"/>
-              </a:rPr>
-              <a:t>контакт</a:t>
-            </a:r>
-            <a:r>
-              <a:rPr lang="en-US" dirty="0">
-                <a:ea typeface="+mn-lt"/>
-                <a:cs typeface="+mn-lt"/>
-              </a:rPr>
-              <a:t>-</a:t>
-            </a:r>
-            <a:endParaRPr lang="en-US" dirty="0" err="1">
-              <a:ea typeface="+mn-lt"/>
-              <a:cs typeface="+mn-lt"/>
-            </a:endParaRPr>
-          </a:p>
-          <a:p>
-            <a:r>
-              <a:rPr lang="en-US" dirty="0" err="1">
-                <a:ea typeface="+mn-lt"/>
-                <a:cs typeface="+mn-lt"/>
-              </a:rPr>
-              <a:t>ную</a:t>
-            </a:r>
-            <a:r>
-              <a:rPr lang="en-US" dirty="0">
-                <a:ea typeface="+mn-lt"/>
-                <a:cs typeface="+mn-lt"/>
-              </a:rPr>
-              <a:t> </a:t>
-            </a:r>
-            <a:r>
-              <a:rPr lang="en-US" dirty="0" err="1">
-                <a:ea typeface="+mn-lt"/>
-                <a:cs typeface="+mn-lt"/>
-              </a:rPr>
-              <a:t>информацию</a:t>
-            </a:r>
-            <a:r>
-              <a:rPr lang="en-US" dirty="0">
-                <a:ea typeface="+mn-lt"/>
-                <a:cs typeface="+mn-lt"/>
-              </a:rPr>
-              <a:t> о </a:t>
-            </a:r>
-            <a:r>
-              <a:rPr lang="en-US" dirty="0" err="1">
-                <a:ea typeface="+mn-lt"/>
-                <a:cs typeface="+mn-lt"/>
-              </a:rPr>
-              <a:t>человеке</a:t>
-            </a:r>
-            <a:r>
-              <a:rPr lang="en-US" dirty="0">
-                <a:ea typeface="+mn-lt"/>
-                <a:cs typeface="+mn-lt"/>
-              </a:rPr>
-              <a:t>, </a:t>
-            </a:r>
-            <a:r>
-              <a:rPr lang="en-US" dirty="0" err="1">
-                <a:ea typeface="+mn-lt"/>
-                <a:cs typeface="+mn-lt"/>
-              </a:rPr>
-              <a:t>зная</a:t>
-            </a:r>
-            <a:r>
-              <a:rPr lang="en-US" dirty="0">
-                <a:ea typeface="+mn-lt"/>
-                <a:cs typeface="+mn-lt"/>
-              </a:rPr>
-              <a:t> </a:t>
-            </a:r>
-            <a:r>
-              <a:rPr lang="en-US" dirty="0" err="1">
-                <a:ea typeface="+mn-lt"/>
-                <a:cs typeface="+mn-lt"/>
-              </a:rPr>
-              <a:t>лишь</a:t>
-            </a:r>
-            <a:r>
-              <a:rPr lang="en-US" dirty="0">
-                <a:ea typeface="+mn-lt"/>
-                <a:cs typeface="+mn-lt"/>
-              </a:rPr>
-              <a:t> </a:t>
-            </a:r>
-            <a:r>
-              <a:rPr lang="en-US" dirty="0" err="1">
-                <a:ea typeface="+mn-lt"/>
-                <a:cs typeface="+mn-lt"/>
-              </a:rPr>
-              <a:t>его</a:t>
-            </a:r>
-            <a:r>
-              <a:rPr lang="en-US" dirty="0">
-                <a:ea typeface="+mn-lt"/>
-                <a:cs typeface="+mn-lt"/>
-              </a:rPr>
-              <a:t> </a:t>
-            </a:r>
-            <a:r>
-              <a:rPr lang="en-US" dirty="0" err="1">
-                <a:ea typeface="+mn-lt"/>
-                <a:cs typeface="+mn-lt"/>
-              </a:rPr>
-              <a:t>имя</a:t>
-            </a:r>
-            <a:r>
-              <a:rPr lang="en-US" dirty="0">
-                <a:ea typeface="+mn-lt"/>
-                <a:cs typeface="+mn-lt"/>
-              </a:rPr>
-              <a:t>; </a:t>
-            </a:r>
-            <a:r>
-              <a:rPr lang="en-US" dirty="0" err="1">
-                <a:ea typeface="+mn-lt"/>
-                <a:cs typeface="+mn-lt"/>
-              </a:rPr>
-              <a:t>т.е</a:t>
-            </a:r>
-            <a:r>
-              <a:rPr lang="en-US" dirty="0">
-                <a:ea typeface="+mn-lt"/>
-                <a:cs typeface="+mn-lt"/>
-              </a:rPr>
-              <a:t>. </a:t>
-            </a:r>
-            <a:r>
-              <a:rPr lang="en-US" dirty="0" err="1">
-                <a:ea typeface="+mn-lt"/>
-                <a:cs typeface="+mn-lt"/>
-              </a:rPr>
-              <a:t>некоторые</a:t>
-            </a:r>
-            <a:r>
-              <a:rPr lang="en-US" dirty="0">
-                <a:ea typeface="+mn-lt"/>
-                <a:cs typeface="+mn-lt"/>
-              </a:rPr>
-              <a:t> </a:t>
-            </a:r>
-            <a:r>
-              <a:rPr lang="en-US" dirty="0" err="1">
-                <a:ea typeface="+mn-lt"/>
-                <a:cs typeface="+mn-lt"/>
-              </a:rPr>
-              <a:t>ключи</a:t>
-            </a:r>
-            <a:r>
-              <a:rPr lang="en-US" dirty="0">
-                <a:ea typeface="+mn-lt"/>
-                <a:cs typeface="+mn-lt"/>
-              </a:rPr>
-              <a:t> (</a:t>
-            </a:r>
-            <a:r>
-              <a:rPr lang="en-US" dirty="0" err="1">
-                <a:ea typeface="+mn-lt"/>
-                <a:cs typeface="+mn-lt"/>
-              </a:rPr>
-              <a:t>имена</a:t>
-            </a:r>
-            <a:r>
-              <a:rPr lang="en-US" dirty="0">
-                <a:ea typeface="+mn-lt"/>
-                <a:cs typeface="+mn-lt"/>
-              </a:rPr>
-              <a:t>) </a:t>
-            </a:r>
-            <a:r>
-              <a:rPr lang="en-US" dirty="0" err="1">
-                <a:ea typeface="+mn-lt"/>
-                <a:cs typeface="+mn-lt"/>
-              </a:rPr>
-              <a:t>связаны</a:t>
-            </a:r>
-            <a:endParaRPr lang="en-US" dirty="0" err="1"/>
-          </a:p>
-          <a:p>
-            <a:r>
-              <a:rPr lang="en-US" dirty="0" err="1">
-                <a:ea typeface="+mn-lt"/>
-                <a:cs typeface="+mn-lt"/>
-              </a:rPr>
-              <a:t>со</a:t>
-            </a:r>
-            <a:r>
-              <a:rPr lang="en-US" dirty="0">
-                <a:ea typeface="+mn-lt"/>
-                <a:cs typeface="+mn-lt"/>
-              </a:rPr>
-              <a:t> </a:t>
-            </a:r>
-            <a:r>
-              <a:rPr lang="en-US" dirty="0" err="1">
-                <a:ea typeface="+mn-lt"/>
-                <a:cs typeface="+mn-lt"/>
-              </a:rPr>
-              <a:t>значениями</a:t>
-            </a:r>
-            <a:r>
-              <a:rPr lang="en-US" dirty="0">
-                <a:ea typeface="+mn-lt"/>
-                <a:cs typeface="+mn-lt"/>
-              </a:rPr>
-              <a:t> (</a:t>
-            </a:r>
-            <a:r>
-              <a:rPr lang="en-US" dirty="0" err="1">
-                <a:ea typeface="+mn-lt"/>
-                <a:cs typeface="+mn-lt"/>
-              </a:rPr>
-              <a:t>информацией</a:t>
-            </a:r>
-            <a:r>
-              <a:rPr lang="en-US" dirty="0">
-                <a:ea typeface="+mn-lt"/>
-                <a:cs typeface="+mn-lt"/>
-              </a:rPr>
-              <a:t>).</a:t>
-            </a:r>
-            <a:endParaRPr lang="en-US" dirty="0"/>
-          </a:p>
-        </p:txBody>
-      </p:sp>
-    </p:spTree>
-    <p:extLst>
-      <p:ext uri="{BB962C8B-B14F-4D97-AF65-F5344CB8AC3E}">
-        <p14:creationId xmlns:p14="http://schemas.microsoft.com/office/powerpoint/2010/main" val="29342022"/>
-      </p:ext>
-    </p:extLst>
-  </p:cSld>
-  <p:clrMapOvr>
-    <a:masterClrMapping/>
-  </p:clrMapOvr>
-</p:sld>
-</file>
-
-<file path=ppt/slides/slide15.xml><?xml version="1.0" encoding="utf-8"?>
-<p:sld xmlns:a="http://schemas.openxmlformats.org/drawingml/2006/main" xmlns:r="http://schemas.openxmlformats.org/officeDocument/2006/relationships" xmlns:p="http://schemas.openxmlformats.org/presentationml/2006/main">
-  <p:cSld>
-    <p:spTree>
-      <p:nvGrpSpPr>
-        <p:cNvPr id="1" name=""/>
-        <p:cNvGrpSpPr/>
-        <p:nvPr/>
-      </p:nvGrpSpPr>
-      <p:grpSpPr>
-        <a:xfrm>
-          <a:off x="0" y="0"/>
-          <a:ext cx="0" cy="0"/>
-          <a:chOff x="0" y="0"/>
-          <a:chExt cx="0" cy="0"/>
-        </a:xfrm>
-      </p:grpSpPr>
-      <p:sp>
-        <p:nvSpPr>
-          <p:cNvPr id="3" name="Прямоугольник 4">
-            <a:extLst>
-              <a:ext uri="{FF2B5EF4-FFF2-40B4-BE49-F238E27FC236}">
-                <a16:creationId xmlns:a16="http://schemas.microsoft.com/office/drawing/2014/main" id="{C1D6EBE2-0D3C-4741-A85E-B8B5D250B6BF}"/>
-              </a:ext>
-            </a:extLst>
-          </p:cNvPr>
-          <p:cNvSpPr/>
-          <p:nvPr/>
-        </p:nvSpPr>
-        <p:spPr>
-          <a:xfrm>
-            <a:off x="569167" y="242596"/>
-            <a:ext cx="11150082" cy="811763"/>
-          </a:xfrm>
-          <a:prstGeom prst="rect">
-            <a:avLst/>
-          </a:prstGeom>
-        </p:spPr>
-        <p:style>
-          <a:lnRef idx="2">
-            <a:schemeClr val="accent1">
-              <a:shade val="50000"/>
-            </a:schemeClr>
-          </a:lnRef>
-          <a:fillRef idx="1">
-            <a:schemeClr val="accent1"/>
-          </a:fillRef>
-          <a:effectRef idx="0">
-            <a:schemeClr val="accent1"/>
-          </a:effectRef>
-          <a:fontRef idx="minor">
-            <a:schemeClr val="lt1"/>
-          </a:fontRef>
-        </p:style>
-        <p:txBody>
-          <a:bodyPr lIns="91440" tIns="45720" rIns="91440" bIns="45720" rtlCol="0" anchor="ctr"/>
-          <a:lstStyle/>
-          <a:p>
-            <a:pPr algn="ctr"/>
-            <a:r>
-              <a:rPr lang="ru-RU" sz="3200" b="1" dirty="0">
-                <a:ln w="12700" cmpd="sng">
-                  <a:solidFill>
-                    <a:srgbClr val="FFC000"/>
-                  </a:solidFill>
-                  <a:prstDash val="solid"/>
-                </a:ln>
-                <a:solidFill>
-                  <a:srgbClr val="FFC000"/>
-                </a:solidFill>
-                <a:ea typeface="+mn-lt"/>
-                <a:cs typeface="+mn-lt"/>
-              </a:rPr>
-              <a:t>Работа со словарями</a:t>
-            </a:r>
-            <a:endParaRPr lang="en-US" dirty="0"/>
-          </a:p>
-        </p:txBody>
-      </p:sp>
-      <p:pic>
-        <p:nvPicPr>
-          <p:cNvPr id="4" name="Picture 4">
-            <a:extLst>
-              <a:ext uri="{FF2B5EF4-FFF2-40B4-BE49-F238E27FC236}">
-                <a16:creationId xmlns:a16="http://schemas.microsoft.com/office/drawing/2014/main" id="{CBF26C42-49B6-4852-A146-EE7BEC392A99}"/>
-              </a:ext>
-            </a:extLst>
-          </p:cNvPr>
-          <p:cNvPicPr>
-            <a:picLocks noChangeAspect="1"/>
-          </p:cNvPicPr>
-          <p:nvPr/>
-        </p:nvPicPr>
-        <p:blipFill rotWithShape="1">
-          <a:blip r:embed="rId2"/>
-          <a:srcRect r="10098" b="-249"/>
-          <a:stretch/>
-        </p:blipFill>
-        <p:spPr>
-          <a:xfrm>
-            <a:off x="269631" y="1938462"/>
-            <a:ext cx="5390860" cy="3938463"/>
-          </a:xfrm>
-          <a:prstGeom prst="rect">
-            <a:avLst/>
-          </a:prstGeom>
-        </p:spPr>
-      </p:pic>
-      <p:sp>
-        <p:nvSpPr>
-          <p:cNvPr id="5" name="TextBox 4">
-            <a:extLst>
-              <a:ext uri="{FF2B5EF4-FFF2-40B4-BE49-F238E27FC236}">
-                <a16:creationId xmlns:a16="http://schemas.microsoft.com/office/drawing/2014/main" id="{9110C3C7-9B75-4477-8CF6-D324EA0816B8}"/>
-              </a:ext>
-            </a:extLst>
-          </p:cNvPr>
-          <p:cNvSpPr txBox="1"/>
-          <p:nvPr/>
-        </p:nvSpPr>
-        <p:spPr>
-          <a:xfrm>
-            <a:off x="5828322" y="1314938"/>
-            <a:ext cx="2743199" cy="369332"/>
-          </a:xfrm>
-          <a:prstGeom prst="rect">
-            <a:avLst/>
-          </a:prstGeom>
-          <a:noFill/>
-        </p:spPr>
-        <p:txBody>
-          <a:bodyPr rot="0" spcFirstLastPara="0" vertOverflow="overflow" horzOverflow="overflow" vert="horz" wrap="square" lIns="91440" tIns="45720" rIns="91440" bIns="45720" numCol="1" spcCol="0" rtlCol="0" fromWordArt="0" anchor="t" anchorCtr="0" forceAA="0" compatLnSpc="1">
-            <a:prstTxWarp prst="textNoShape">
-              <a:avLst/>
-            </a:prstTxWarp>
-            <a:spAutoFit/>
-          </a:bodyPr>
-          <a:lstStyle/>
-          <a:p>
-            <a:pPr algn="l"/>
-            <a:r>
-              <a:rPr lang="en-US" dirty="0" err="1"/>
-              <a:t>Вывод</a:t>
-            </a:r>
-            <a:r>
-              <a:rPr lang="en-US" dirty="0"/>
-              <a:t>:</a:t>
-            </a:r>
-          </a:p>
-        </p:txBody>
-      </p:sp>
-      <p:pic>
-        <p:nvPicPr>
-          <p:cNvPr id="6" name="Picture 6">
-            <a:extLst>
-              <a:ext uri="{FF2B5EF4-FFF2-40B4-BE49-F238E27FC236}">
-                <a16:creationId xmlns:a16="http://schemas.microsoft.com/office/drawing/2014/main" id="{C84A4784-D6E7-4280-8808-9525AF40BF88}"/>
-              </a:ext>
-            </a:extLst>
-          </p:cNvPr>
-          <p:cNvPicPr>
-            <a:picLocks noChangeAspect="1"/>
-          </p:cNvPicPr>
-          <p:nvPr/>
-        </p:nvPicPr>
-        <p:blipFill>
-          <a:blip r:embed="rId3"/>
-          <a:stretch>
-            <a:fillRect/>
-          </a:stretch>
-        </p:blipFill>
-        <p:spPr>
-          <a:xfrm>
-            <a:off x="6434016" y="1938427"/>
-            <a:ext cx="5048738" cy="1720915"/>
-          </a:xfrm>
-          <a:prstGeom prst="rect">
-            <a:avLst/>
-          </a:prstGeom>
-        </p:spPr>
-      </p:pic>
-    </p:spTree>
-    <p:extLst>
-      <p:ext uri="{BB962C8B-B14F-4D97-AF65-F5344CB8AC3E}">
-        <p14:creationId xmlns:p14="http://schemas.microsoft.com/office/powerpoint/2010/main" val="2439308923"/>
-      </p:ext>
-    </p:extLst>
-  </p:cSld>
-  <p:clrMapOvr>
-    <a:masterClrMapping/>
-  </p:clrMapOvr>
-</p:sld>
-</file>
-
-<file path=ppt/slides/slide16.xml><?xml version="1.0" encoding="utf-8"?>
-<p:sld xmlns:a="http://schemas.openxmlformats.org/drawingml/2006/main" xmlns:r="http://schemas.openxmlformats.org/officeDocument/2006/relationships" xmlns:p="http://schemas.openxmlformats.org/presentationml/2006/main">
-  <p:cSld>
-    <p:spTree>
-      <p:nvGrpSpPr>
-        <p:cNvPr id="1" name=""/>
-        <p:cNvGrpSpPr/>
-        <p:nvPr/>
-      </p:nvGrpSpPr>
-      <p:grpSpPr>
-        <a:xfrm>
-          <a:off x="0" y="0"/>
-          <a:ext cx="0" cy="0"/>
-          <a:chOff x="0" y="0"/>
-          <a:chExt cx="0" cy="0"/>
-        </a:xfrm>
-      </p:grpSpPr>
-      <p:sp>
-        <p:nvSpPr>
-          <p:cNvPr id="3" name="Прямоугольник 4">
-            <a:extLst>
-              <a:ext uri="{FF2B5EF4-FFF2-40B4-BE49-F238E27FC236}">
-                <a16:creationId xmlns:a16="http://schemas.microsoft.com/office/drawing/2014/main" id="{9EFBF64F-9720-49DD-BA71-D5940ABDAD2F}"/>
-              </a:ext>
-            </a:extLst>
-          </p:cNvPr>
-          <p:cNvSpPr/>
-          <p:nvPr/>
-        </p:nvSpPr>
-        <p:spPr>
-          <a:xfrm>
-            <a:off x="569167" y="242596"/>
-            <a:ext cx="11150082" cy="811763"/>
-          </a:xfrm>
-          <a:prstGeom prst="rect">
-            <a:avLst/>
-          </a:prstGeom>
-        </p:spPr>
-        <p:style>
-          <a:lnRef idx="2">
-            <a:schemeClr val="accent1">
-              <a:shade val="50000"/>
-            </a:schemeClr>
-          </a:lnRef>
-          <a:fillRef idx="1">
-            <a:schemeClr val="accent1"/>
-          </a:fillRef>
-          <a:effectRef idx="0">
-            <a:schemeClr val="accent1"/>
-          </a:effectRef>
-          <a:fontRef idx="minor">
-            <a:schemeClr val="lt1"/>
-          </a:fontRef>
-        </p:style>
-        <p:txBody>
-          <a:bodyPr lIns="91440" tIns="45720" rIns="91440" bIns="45720" rtlCol="0" anchor="ctr"/>
-          <a:lstStyle/>
-          <a:p>
-            <a:pPr algn="ctr"/>
-            <a:r>
-              <a:rPr lang="ru-RU" sz="3200" b="1" dirty="0">
-                <a:ln w="12700" cmpd="sng">
-                  <a:solidFill>
-                    <a:srgbClr val="FFC000"/>
-                  </a:solidFill>
-                  <a:prstDash val="solid"/>
-                </a:ln>
-                <a:solidFill>
-                  <a:srgbClr val="FFC000"/>
-                </a:solidFill>
-                <a:ea typeface="+mn-lt"/>
-                <a:cs typeface="+mn-lt"/>
-              </a:rPr>
-              <a:t>Последовательности</a:t>
-            </a:r>
-            <a:endParaRPr lang="en-US" dirty="0"/>
-          </a:p>
-        </p:txBody>
-      </p:sp>
-      <p:pic>
-        <p:nvPicPr>
-          <p:cNvPr id="4" name="Picture 4">
-            <a:extLst>
-              <a:ext uri="{FF2B5EF4-FFF2-40B4-BE49-F238E27FC236}">
-                <a16:creationId xmlns:a16="http://schemas.microsoft.com/office/drawing/2014/main" id="{186976F7-CE8D-4266-97C7-16878D203E24}"/>
-              </a:ext>
-            </a:extLst>
-          </p:cNvPr>
-          <p:cNvPicPr>
-            <a:picLocks noChangeAspect="1"/>
-          </p:cNvPicPr>
-          <p:nvPr/>
-        </p:nvPicPr>
-        <p:blipFill>
-          <a:blip r:embed="rId2"/>
-          <a:stretch>
-            <a:fillRect/>
-          </a:stretch>
-        </p:blipFill>
-        <p:spPr>
-          <a:xfrm>
-            <a:off x="3640015" y="1444987"/>
-            <a:ext cx="5439506" cy="3587024"/>
-          </a:xfrm>
-          <a:prstGeom prst="rect">
-            <a:avLst/>
-          </a:prstGeom>
-        </p:spPr>
-      </p:pic>
-      <p:sp>
-        <p:nvSpPr>
-          <p:cNvPr id="5" name="Rectangle: Rounded Corners 4">
-            <a:extLst>
-              <a:ext uri="{FF2B5EF4-FFF2-40B4-BE49-F238E27FC236}">
-                <a16:creationId xmlns:a16="http://schemas.microsoft.com/office/drawing/2014/main" id="{FB53039F-7F97-4FC8-8621-5928458323A8}"/>
-              </a:ext>
-            </a:extLst>
-          </p:cNvPr>
-          <p:cNvSpPr/>
-          <p:nvPr/>
-        </p:nvSpPr>
-        <p:spPr>
-          <a:xfrm>
-            <a:off x="1477107" y="5375030"/>
-            <a:ext cx="10169768" cy="1309076"/>
-          </a:xfrm>
-          <a:prstGeom prst="roundRect">
-            <a:avLst/>
-          </a:prstGeom>
-        </p:spPr>
-        <p:style>
-          <a:lnRef idx="2">
-            <a:schemeClr val="accent1">
-              <a:shade val="50000"/>
-            </a:schemeClr>
-          </a:lnRef>
-          <a:fillRef idx="1">
-            <a:schemeClr val="accent1"/>
-          </a:fillRef>
-          <a:effectRef idx="0">
-            <a:schemeClr val="accent1"/>
-          </a:effectRef>
-          <a:fontRef idx="minor">
-            <a:schemeClr val="lt1"/>
-          </a:fontRef>
-        </p:style>
-        <p:txBody>
-          <a:bodyPr rtlCol="0" anchor="ctr"/>
-          <a:lstStyle/>
-          <a:p>
-            <a:pPr algn="ctr"/>
-            <a:r>
-              <a:rPr lang="en-US" dirty="0" err="1">
-                <a:ea typeface="+mn-lt"/>
-                <a:cs typeface="+mn-lt"/>
-              </a:rPr>
-              <a:t>Основные</a:t>
-            </a:r>
-            <a:r>
-              <a:rPr lang="en-US" dirty="0">
-                <a:ea typeface="+mn-lt"/>
-                <a:cs typeface="+mn-lt"/>
-              </a:rPr>
-              <a:t> </a:t>
-            </a:r>
-            <a:r>
-              <a:rPr lang="en-US" dirty="0" err="1">
-                <a:ea typeface="+mn-lt"/>
-                <a:cs typeface="+mn-lt"/>
-              </a:rPr>
-              <a:t>возможности</a:t>
-            </a:r>
-            <a:r>
-              <a:rPr lang="en-US" dirty="0">
-                <a:ea typeface="+mn-lt"/>
-                <a:cs typeface="+mn-lt"/>
-              </a:rPr>
-              <a:t> – </a:t>
-            </a:r>
-            <a:r>
-              <a:rPr lang="en-US" dirty="0" err="1">
-                <a:ea typeface="+mn-lt"/>
-                <a:cs typeface="+mn-lt"/>
-              </a:rPr>
-              <a:t>это</a:t>
-            </a:r>
-            <a:r>
-              <a:rPr lang="en-US" dirty="0">
-                <a:ea typeface="+mn-lt"/>
-                <a:cs typeface="+mn-lt"/>
-              </a:rPr>
-              <a:t> </a:t>
-            </a:r>
-            <a:r>
-              <a:rPr lang="en-US" dirty="0" err="1">
-                <a:solidFill>
-                  <a:schemeClr val="accent4"/>
-                </a:solidFill>
-                <a:ea typeface="+mn-lt"/>
-                <a:cs typeface="+mn-lt"/>
-              </a:rPr>
-              <a:t>проверка</a:t>
-            </a:r>
-            <a:r>
-              <a:rPr lang="en-US" dirty="0">
-                <a:solidFill>
-                  <a:schemeClr val="accent4"/>
-                </a:solidFill>
-                <a:ea typeface="+mn-lt"/>
-                <a:cs typeface="+mn-lt"/>
-              </a:rPr>
-              <a:t> </a:t>
-            </a:r>
-            <a:r>
-              <a:rPr lang="en-US" dirty="0" err="1">
-                <a:solidFill>
-                  <a:schemeClr val="accent4"/>
-                </a:solidFill>
-                <a:ea typeface="+mn-lt"/>
-                <a:cs typeface="+mn-lt"/>
-              </a:rPr>
-              <a:t>принадлежности</a:t>
-            </a:r>
-            <a:r>
-              <a:rPr lang="en-US" dirty="0">
-                <a:ea typeface="+mn-lt"/>
-                <a:cs typeface="+mn-lt"/>
-              </a:rPr>
-              <a:t> (</a:t>
-            </a:r>
-            <a:r>
-              <a:rPr lang="en-US" dirty="0" err="1">
-                <a:ea typeface="+mn-lt"/>
-                <a:cs typeface="+mn-lt"/>
-              </a:rPr>
-              <a:t>т.е</a:t>
-            </a:r>
-            <a:r>
-              <a:rPr lang="en-US" dirty="0">
-                <a:ea typeface="+mn-lt"/>
-                <a:cs typeface="+mn-lt"/>
-              </a:rPr>
-              <a:t>. </a:t>
-            </a:r>
-            <a:r>
-              <a:rPr lang="en-US" dirty="0" err="1">
-                <a:ea typeface="+mn-lt"/>
-                <a:cs typeface="+mn-lt"/>
-              </a:rPr>
-              <a:t>выражения</a:t>
-            </a:r>
-            <a:r>
-              <a:rPr lang="en-US" dirty="0">
-                <a:ea typeface="+mn-lt"/>
-                <a:cs typeface="+mn-lt"/>
-              </a:rPr>
-              <a:t> « in » и « not</a:t>
-            </a:r>
-            <a:endParaRPr lang="en-US" dirty="0"/>
-          </a:p>
-          <a:p>
-            <a:pPr algn="ctr"/>
-            <a:r>
-              <a:rPr lang="en-US" dirty="0">
-                <a:ea typeface="+mn-lt"/>
-                <a:cs typeface="+mn-lt"/>
-              </a:rPr>
-              <a:t>in ») и </a:t>
-            </a:r>
-            <a:r>
-              <a:rPr lang="en-US" dirty="0" err="1">
-                <a:solidFill>
-                  <a:schemeClr val="accent4"/>
-                </a:solidFill>
-                <a:ea typeface="+mn-lt"/>
-                <a:cs typeface="+mn-lt"/>
-              </a:rPr>
-              <a:t>оператор</a:t>
-            </a:r>
-            <a:r>
-              <a:rPr lang="en-US" dirty="0">
-                <a:solidFill>
-                  <a:schemeClr val="accent4"/>
-                </a:solidFill>
-                <a:ea typeface="+mn-lt"/>
-                <a:cs typeface="+mn-lt"/>
-              </a:rPr>
-              <a:t> </a:t>
-            </a:r>
-            <a:r>
-              <a:rPr lang="en-US" dirty="0" err="1">
-                <a:solidFill>
-                  <a:schemeClr val="accent4"/>
-                </a:solidFill>
-                <a:ea typeface="+mn-lt"/>
-                <a:cs typeface="+mn-lt"/>
-              </a:rPr>
-              <a:t>индексирования</a:t>
-            </a:r>
-            <a:r>
-              <a:rPr lang="en-US" dirty="0">
-                <a:ea typeface="+mn-lt"/>
-                <a:cs typeface="+mn-lt"/>
-              </a:rPr>
-              <a:t>, </a:t>
-            </a:r>
-            <a:r>
-              <a:rPr lang="en-US" dirty="0" err="1">
-                <a:ea typeface="+mn-lt"/>
-                <a:cs typeface="+mn-lt"/>
-              </a:rPr>
-              <a:t>позволяющий</a:t>
-            </a:r>
-            <a:r>
-              <a:rPr lang="en-US" dirty="0">
-                <a:ea typeface="+mn-lt"/>
-                <a:cs typeface="+mn-lt"/>
-              </a:rPr>
-              <a:t> </a:t>
-            </a:r>
-            <a:r>
-              <a:rPr lang="en-US" dirty="0" err="1">
-                <a:ea typeface="+mn-lt"/>
-                <a:cs typeface="+mn-lt"/>
-              </a:rPr>
-              <a:t>получить</a:t>
-            </a:r>
-            <a:r>
-              <a:rPr lang="en-US" dirty="0">
-                <a:ea typeface="+mn-lt"/>
-                <a:cs typeface="+mn-lt"/>
-              </a:rPr>
-              <a:t> </a:t>
-            </a:r>
-            <a:r>
-              <a:rPr lang="en-US" dirty="0" err="1">
-                <a:ea typeface="+mn-lt"/>
-                <a:cs typeface="+mn-lt"/>
-              </a:rPr>
-              <a:t>напрямую</a:t>
-            </a:r>
-            <a:r>
-              <a:rPr lang="en-US" dirty="0">
-                <a:ea typeface="+mn-lt"/>
-                <a:cs typeface="+mn-lt"/>
-              </a:rPr>
-              <a:t> </a:t>
-            </a:r>
-            <a:r>
-              <a:rPr lang="en-US" dirty="0" err="1">
-                <a:ea typeface="+mn-lt"/>
-                <a:cs typeface="+mn-lt"/>
-              </a:rPr>
-              <a:t>некоторый</a:t>
-            </a:r>
-            <a:r>
-              <a:rPr lang="en-US" dirty="0">
-                <a:ea typeface="+mn-lt"/>
-                <a:cs typeface="+mn-lt"/>
-              </a:rPr>
-              <a:t> </a:t>
-            </a:r>
-            <a:r>
-              <a:rPr lang="en-US" dirty="0" err="1">
-                <a:ea typeface="+mn-lt"/>
-                <a:cs typeface="+mn-lt"/>
-              </a:rPr>
-              <a:t>эле</a:t>
-            </a:r>
-            <a:r>
-              <a:rPr lang="en-US" dirty="0">
-                <a:ea typeface="+mn-lt"/>
-                <a:cs typeface="+mn-lt"/>
-              </a:rPr>
-              <a:t>-</a:t>
-            </a:r>
-            <a:endParaRPr lang="en-US" dirty="0"/>
-          </a:p>
-          <a:p>
-            <a:pPr algn="ctr"/>
-            <a:r>
-              <a:rPr lang="en-US" dirty="0" err="1">
-                <a:ea typeface="+mn-lt"/>
-                <a:cs typeface="+mn-lt"/>
-              </a:rPr>
-              <a:t>мент</a:t>
-            </a:r>
-            <a:r>
-              <a:rPr lang="en-US" dirty="0">
-                <a:ea typeface="+mn-lt"/>
-                <a:cs typeface="+mn-lt"/>
-              </a:rPr>
-              <a:t> </a:t>
-            </a:r>
-            <a:r>
-              <a:rPr lang="en-US" dirty="0" err="1">
-                <a:ea typeface="+mn-lt"/>
-                <a:cs typeface="+mn-lt"/>
-              </a:rPr>
-              <a:t>последовательности</a:t>
-            </a:r>
-            <a:r>
-              <a:rPr lang="en-US" dirty="0">
-                <a:ea typeface="+mn-lt"/>
-                <a:cs typeface="+mn-lt"/>
-              </a:rPr>
-              <a:t>.</a:t>
-            </a:r>
-            <a:endParaRPr lang="en-US" dirty="0"/>
-          </a:p>
-        </p:txBody>
-      </p:sp>
-    </p:spTree>
-    <p:extLst>
-      <p:ext uri="{BB962C8B-B14F-4D97-AF65-F5344CB8AC3E}">
-        <p14:creationId xmlns:p14="http://schemas.microsoft.com/office/powerpoint/2010/main" val="4086243325"/>
-      </p:ext>
-    </p:extLst>
-  </p:cSld>
-  <p:clrMapOvr>
-    <a:masterClrMapping/>
-  </p:clrMapOvr>
-</p:sld>
-</file>
-
-<file path=ppt/slides/slide17.xml><?xml version="1.0" encoding="utf-8"?>
-<p:sld xmlns:a="http://schemas.openxmlformats.org/drawingml/2006/main" xmlns:r="http://schemas.openxmlformats.org/officeDocument/2006/relationships" xmlns:p="http://schemas.openxmlformats.org/presentationml/2006/main">
-  <p:cSld>
-    <p:spTree>
-      <p:nvGrpSpPr>
-        <p:cNvPr id="1" name=""/>
-        <p:cNvGrpSpPr/>
-        <p:nvPr/>
-      </p:nvGrpSpPr>
-      <p:grpSpPr>
-        <a:xfrm>
-          <a:off x="0" y="0"/>
-          <a:ext cx="0" cy="0"/>
-          <a:chOff x="0" y="0"/>
-          <a:chExt cx="0" cy="0"/>
-        </a:xfrm>
-      </p:grpSpPr>
-      <p:sp>
-        <p:nvSpPr>
-          <p:cNvPr id="3" name="Прямоугольник 4">
-            <a:extLst>
-              <a:ext uri="{FF2B5EF4-FFF2-40B4-BE49-F238E27FC236}">
-                <a16:creationId xmlns:a16="http://schemas.microsoft.com/office/drawing/2014/main" id="{2962ECE8-0D0C-474D-8CA9-785518323E5A}"/>
-              </a:ext>
-            </a:extLst>
-          </p:cNvPr>
-          <p:cNvSpPr/>
-          <p:nvPr/>
-        </p:nvSpPr>
-        <p:spPr>
-          <a:xfrm>
-            <a:off x="569167" y="242596"/>
-            <a:ext cx="11150082" cy="811763"/>
-          </a:xfrm>
-          <a:prstGeom prst="rect">
-            <a:avLst/>
-          </a:prstGeom>
-        </p:spPr>
-        <p:style>
-          <a:lnRef idx="2">
-            <a:schemeClr val="accent1">
-              <a:shade val="50000"/>
-            </a:schemeClr>
-          </a:lnRef>
-          <a:fillRef idx="1">
-            <a:schemeClr val="accent1"/>
-          </a:fillRef>
-          <a:effectRef idx="0">
-            <a:schemeClr val="accent1"/>
-          </a:effectRef>
-          <a:fontRef idx="minor">
-            <a:schemeClr val="lt1"/>
-          </a:fontRef>
-        </p:style>
-        <p:txBody>
-          <a:bodyPr lIns="91440" tIns="45720" rIns="91440" bIns="45720" rtlCol="0" anchor="ctr"/>
-          <a:lstStyle/>
-          <a:p>
-            <a:pPr algn="ctr"/>
-            <a:r>
-              <a:rPr lang="ru-RU" sz="3200" b="1" dirty="0">
-                <a:ln w="12700" cmpd="sng">
-                  <a:solidFill>
-                    <a:srgbClr val="FFC000"/>
-                  </a:solidFill>
-                  <a:prstDash val="solid"/>
-                </a:ln>
-                <a:solidFill>
-                  <a:srgbClr val="FFC000"/>
-                </a:solidFill>
-                <a:ea typeface="+mn-lt"/>
-                <a:cs typeface="+mn-lt"/>
-              </a:rPr>
-              <a:t>Множество</a:t>
-            </a:r>
-            <a:endParaRPr lang="ru-RU" sz="3200" b="1" dirty="0">
-              <a:ln w="12700" cmpd="sng">
-                <a:solidFill>
-                  <a:srgbClr val="FFC000"/>
-                </a:solidFill>
-                <a:prstDash val="solid"/>
-              </a:ln>
-              <a:solidFill>
-                <a:srgbClr val="FFC000"/>
-              </a:solidFill>
-              <a:cs typeface="Calibri"/>
-            </a:endParaRPr>
-          </a:p>
-        </p:txBody>
-      </p:sp>
-      <p:pic>
-        <p:nvPicPr>
-          <p:cNvPr id="4" name="Graphic 4">
-            <a:extLst>
-              <a:ext uri="{FF2B5EF4-FFF2-40B4-BE49-F238E27FC236}">
-                <a16:creationId xmlns:a16="http://schemas.microsoft.com/office/drawing/2014/main" id="{E698DF82-4B69-4505-BD12-47DB718CD250}"/>
-              </a:ext>
-            </a:extLst>
-          </p:cNvPr>
-          <p:cNvPicPr>
-            <a:picLocks noChangeAspect="1"/>
-          </p:cNvPicPr>
-          <p:nvPr/>
-        </p:nvPicPr>
-        <p:blipFill>
-          <a:blip r:embed="rId2">
-            <a:extLst>
-              <a:ext uri="{96DAC541-7B7A-43D3-8B79-37D633B846F1}">
-                <asvg:svgBlip xmlns:asvg="http://schemas.microsoft.com/office/drawing/2016/SVG/main" r:embed="rId3"/>
-              </a:ext>
-            </a:extLst>
-          </a:blip>
-          <a:stretch>
-            <a:fillRect/>
-          </a:stretch>
-        </p:blipFill>
-        <p:spPr>
-          <a:xfrm>
-            <a:off x="3806093" y="1301261"/>
-            <a:ext cx="4032738" cy="3591169"/>
-          </a:xfrm>
-          <a:prstGeom prst="rect">
-            <a:avLst/>
-          </a:prstGeom>
-        </p:spPr>
-      </p:pic>
-      <p:sp>
-        <p:nvSpPr>
-          <p:cNvPr id="5" name="Rectangle: Rounded Corners 4">
-            <a:extLst>
-              <a:ext uri="{FF2B5EF4-FFF2-40B4-BE49-F238E27FC236}">
-                <a16:creationId xmlns:a16="http://schemas.microsoft.com/office/drawing/2014/main" id="{4B1647E3-E01A-4654-8118-B58712CDED42}"/>
-              </a:ext>
-            </a:extLst>
-          </p:cNvPr>
-          <p:cNvSpPr/>
-          <p:nvPr/>
-        </p:nvSpPr>
-        <p:spPr>
-          <a:xfrm>
-            <a:off x="1311030" y="5228491"/>
-            <a:ext cx="9104922" cy="1328614"/>
-          </a:xfrm>
-          <a:prstGeom prst="roundRect">
-            <a:avLst/>
-          </a:prstGeom>
-        </p:spPr>
-        <p:style>
-          <a:lnRef idx="2">
-            <a:schemeClr val="accent1">
-              <a:shade val="50000"/>
-            </a:schemeClr>
-          </a:lnRef>
-          <a:fillRef idx="1">
-            <a:schemeClr val="accent1"/>
-          </a:fillRef>
-          <a:effectRef idx="0">
-            <a:schemeClr val="accent1"/>
-          </a:effectRef>
-          <a:fontRef idx="minor">
-            <a:schemeClr val="lt1"/>
-          </a:fontRef>
-        </p:style>
-        <p:txBody>
-          <a:bodyPr lIns="91440" tIns="45720" rIns="91440" bIns="45720" rtlCol="0" anchor="ctr"/>
-          <a:lstStyle/>
-          <a:p>
-            <a:pPr algn="ctr"/>
-            <a:r>
-              <a:rPr lang="en-US" dirty="0" err="1">
-                <a:solidFill>
-                  <a:schemeClr val="accent4"/>
-                </a:solidFill>
-                <a:ea typeface="+mn-lt"/>
-                <a:cs typeface="+mn-lt"/>
-              </a:rPr>
-              <a:t>Множества</a:t>
-            </a:r>
-            <a:r>
-              <a:rPr lang="en-US" dirty="0">
-                <a:solidFill>
-                  <a:schemeClr val="accent4"/>
-                </a:solidFill>
-                <a:ea typeface="+mn-lt"/>
-                <a:cs typeface="+mn-lt"/>
-              </a:rPr>
-              <a:t> </a:t>
-            </a:r>
-            <a:r>
-              <a:rPr lang="en-US" dirty="0">
-                <a:ea typeface="+mn-lt"/>
-                <a:cs typeface="+mn-lt"/>
-              </a:rPr>
-              <a:t>– </a:t>
-            </a:r>
-            <a:r>
-              <a:rPr lang="en-US" dirty="0" err="1">
-                <a:ea typeface="+mn-lt"/>
-                <a:cs typeface="+mn-lt"/>
-              </a:rPr>
-              <a:t>это</a:t>
-            </a:r>
-            <a:r>
-              <a:rPr lang="en-US" dirty="0">
-                <a:ea typeface="+mn-lt"/>
-                <a:cs typeface="+mn-lt"/>
-              </a:rPr>
-              <a:t> </a:t>
-            </a:r>
-            <a:r>
-              <a:rPr lang="en-US" dirty="0" err="1">
-                <a:ea typeface="+mn-lt"/>
-                <a:cs typeface="+mn-lt"/>
-              </a:rPr>
-              <a:t>неупорядоченные</a:t>
-            </a:r>
-            <a:r>
-              <a:rPr lang="en-US" dirty="0">
-                <a:ea typeface="+mn-lt"/>
-                <a:cs typeface="+mn-lt"/>
-              </a:rPr>
-              <a:t> </a:t>
-            </a:r>
-            <a:r>
-              <a:rPr lang="en-US" dirty="0" err="1">
-                <a:ea typeface="+mn-lt"/>
-                <a:cs typeface="+mn-lt"/>
-              </a:rPr>
-              <a:t>наборы</a:t>
-            </a:r>
-            <a:r>
-              <a:rPr lang="en-US" dirty="0">
-                <a:ea typeface="+mn-lt"/>
-                <a:cs typeface="+mn-lt"/>
-              </a:rPr>
-              <a:t> </a:t>
-            </a:r>
-            <a:r>
-              <a:rPr lang="en-US" dirty="0" err="1">
-                <a:ea typeface="+mn-lt"/>
-                <a:cs typeface="+mn-lt"/>
-              </a:rPr>
-              <a:t>простых</a:t>
-            </a:r>
-            <a:r>
-              <a:rPr lang="en-US" dirty="0">
-                <a:ea typeface="+mn-lt"/>
-                <a:cs typeface="+mn-lt"/>
-              </a:rPr>
-              <a:t> </a:t>
-            </a:r>
-            <a:r>
-              <a:rPr lang="en-US" dirty="0" err="1">
-                <a:ea typeface="+mn-lt"/>
-                <a:cs typeface="+mn-lt"/>
-              </a:rPr>
-              <a:t>объектов</a:t>
-            </a:r>
-            <a:r>
-              <a:rPr lang="en-US" dirty="0">
-                <a:ea typeface="+mn-lt"/>
-                <a:cs typeface="+mn-lt"/>
-              </a:rPr>
-              <a:t>. </a:t>
-            </a:r>
-            <a:r>
-              <a:rPr lang="en-US" dirty="0" err="1">
-                <a:ea typeface="+mn-lt"/>
-                <a:cs typeface="+mn-lt"/>
-              </a:rPr>
-              <a:t>Они</a:t>
-            </a:r>
-            <a:r>
-              <a:rPr lang="en-US" dirty="0">
-                <a:ea typeface="+mn-lt"/>
-                <a:cs typeface="+mn-lt"/>
-              </a:rPr>
-              <a:t> </a:t>
-            </a:r>
-            <a:r>
-              <a:rPr lang="en-US" dirty="0" err="1">
-                <a:ea typeface="+mn-lt"/>
-                <a:cs typeface="+mn-lt"/>
-              </a:rPr>
-              <a:t>необходимы</a:t>
-            </a:r>
-            <a:r>
-              <a:rPr lang="en-US" dirty="0">
-                <a:ea typeface="+mn-lt"/>
-                <a:cs typeface="+mn-lt"/>
-              </a:rPr>
-              <a:t> </a:t>
-            </a:r>
-            <a:r>
-              <a:rPr lang="en-US" dirty="0" err="1">
-                <a:ea typeface="+mn-lt"/>
-                <a:cs typeface="+mn-lt"/>
-              </a:rPr>
-              <a:t>тогда</a:t>
-            </a:r>
-            <a:r>
-              <a:rPr lang="en-US" dirty="0">
-                <a:ea typeface="+mn-lt"/>
-                <a:cs typeface="+mn-lt"/>
-              </a:rPr>
-              <a:t>, </a:t>
-            </a:r>
-            <a:r>
-              <a:rPr lang="en-US" dirty="0" err="1">
-                <a:ea typeface="+mn-lt"/>
-                <a:cs typeface="+mn-lt"/>
-              </a:rPr>
-              <a:t>когда</a:t>
-            </a:r>
-            <a:r>
-              <a:rPr lang="en-US" dirty="0">
-                <a:ea typeface="+mn-lt"/>
-                <a:cs typeface="+mn-lt"/>
-              </a:rPr>
-              <a:t> </a:t>
-            </a:r>
-            <a:r>
-              <a:rPr lang="en-US" dirty="0" err="1">
-                <a:ea typeface="+mn-lt"/>
-                <a:cs typeface="+mn-lt"/>
-              </a:rPr>
-              <a:t>присутствие</a:t>
-            </a:r>
-            <a:r>
-              <a:rPr lang="en-US" dirty="0">
-                <a:ea typeface="+mn-lt"/>
-                <a:cs typeface="+mn-lt"/>
-              </a:rPr>
-              <a:t> </a:t>
-            </a:r>
-            <a:r>
-              <a:rPr lang="en-US" dirty="0" err="1">
-                <a:ea typeface="+mn-lt"/>
-                <a:cs typeface="+mn-lt"/>
-              </a:rPr>
-              <a:t>объекта</a:t>
-            </a:r>
-            <a:r>
-              <a:rPr lang="en-US" dirty="0">
-                <a:ea typeface="+mn-lt"/>
-                <a:cs typeface="+mn-lt"/>
-              </a:rPr>
-              <a:t> в </a:t>
-            </a:r>
-            <a:r>
-              <a:rPr lang="en-US" dirty="0" err="1">
-                <a:ea typeface="+mn-lt"/>
-                <a:cs typeface="+mn-lt"/>
-              </a:rPr>
-              <a:t>наборе</a:t>
-            </a:r>
-            <a:r>
-              <a:rPr lang="en-US" dirty="0">
-                <a:ea typeface="+mn-lt"/>
-                <a:cs typeface="+mn-lt"/>
-              </a:rPr>
-              <a:t> </a:t>
-            </a:r>
-            <a:r>
-              <a:rPr lang="en-US" dirty="0" err="1">
-                <a:ea typeface="+mn-lt"/>
-                <a:cs typeface="+mn-lt"/>
-              </a:rPr>
-              <a:t>важнее</a:t>
-            </a:r>
-            <a:r>
-              <a:rPr lang="en-US" dirty="0">
-                <a:ea typeface="+mn-lt"/>
-                <a:cs typeface="+mn-lt"/>
-              </a:rPr>
-              <a:t> </a:t>
-            </a:r>
-            <a:r>
-              <a:rPr lang="en-US" dirty="0" err="1">
-                <a:ea typeface="+mn-lt"/>
-                <a:cs typeface="+mn-lt"/>
-              </a:rPr>
-              <a:t>порядка</a:t>
-            </a:r>
-            <a:r>
-              <a:rPr lang="en-US" dirty="0">
-                <a:ea typeface="+mn-lt"/>
-                <a:cs typeface="+mn-lt"/>
-              </a:rPr>
-              <a:t> </a:t>
-            </a:r>
-            <a:r>
-              <a:rPr lang="en-US" dirty="0" err="1">
-                <a:ea typeface="+mn-lt"/>
-                <a:cs typeface="+mn-lt"/>
-              </a:rPr>
-              <a:t>или</a:t>
-            </a:r>
-            <a:r>
-              <a:rPr lang="en-US" dirty="0">
-                <a:ea typeface="+mn-lt"/>
-                <a:cs typeface="+mn-lt"/>
-              </a:rPr>
-              <a:t> </a:t>
-            </a:r>
-            <a:r>
-              <a:rPr lang="en-US" dirty="0" err="1">
-                <a:ea typeface="+mn-lt"/>
-                <a:cs typeface="+mn-lt"/>
-              </a:rPr>
-              <a:t>того</a:t>
-            </a:r>
-            <a:r>
-              <a:rPr lang="en-US" dirty="0">
-                <a:ea typeface="+mn-lt"/>
-                <a:cs typeface="+mn-lt"/>
-              </a:rPr>
-              <a:t>, </a:t>
-            </a:r>
-            <a:r>
-              <a:rPr lang="en-US" dirty="0" err="1">
-                <a:ea typeface="+mn-lt"/>
-                <a:cs typeface="+mn-lt"/>
-              </a:rPr>
-              <a:t>сколько</a:t>
-            </a:r>
-            <a:r>
-              <a:rPr lang="en-US" dirty="0">
-                <a:ea typeface="+mn-lt"/>
-                <a:cs typeface="+mn-lt"/>
-              </a:rPr>
-              <a:t> </a:t>
-            </a:r>
-            <a:r>
-              <a:rPr lang="en-US" dirty="0" err="1">
-                <a:ea typeface="+mn-lt"/>
-                <a:cs typeface="+mn-lt"/>
-              </a:rPr>
-              <a:t>раз</a:t>
-            </a:r>
-            <a:r>
-              <a:rPr lang="en-US" dirty="0">
-                <a:ea typeface="+mn-lt"/>
-                <a:cs typeface="+mn-lt"/>
-              </a:rPr>
-              <a:t> </a:t>
-            </a:r>
-            <a:r>
-              <a:rPr lang="en-US" dirty="0" err="1">
-                <a:ea typeface="+mn-lt"/>
-                <a:cs typeface="+mn-lt"/>
-              </a:rPr>
-              <a:t>данный</a:t>
-            </a:r>
-            <a:r>
-              <a:rPr lang="en-US" dirty="0">
-                <a:ea typeface="+mn-lt"/>
-                <a:cs typeface="+mn-lt"/>
-              </a:rPr>
-              <a:t> </a:t>
-            </a:r>
-            <a:r>
-              <a:rPr lang="en-US" dirty="0" err="1">
-                <a:ea typeface="+mn-lt"/>
-                <a:cs typeface="+mn-lt"/>
-              </a:rPr>
-              <a:t>объект</a:t>
-            </a:r>
-            <a:r>
-              <a:rPr lang="en-US" dirty="0">
-                <a:ea typeface="+mn-lt"/>
-                <a:cs typeface="+mn-lt"/>
-              </a:rPr>
-              <a:t> </a:t>
-            </a:r>
-            <a:r>
-              <a:rPr lang="en-US" dirty="0" err="1">
-                <a:ea typeface="+mn-lt"/>
-                <a:cs typeface="+mn-lt"/>
-              </a:rPr>
-              <a:t>там</a:t>
-            </a:r>
-            <a:r>
-              <a:rPr lang="en-US" dirty="0">
-                <a:ea typeface="+mn-lt"/>
-                <a:cs typeface="+mn-lt"/>
-              </a:rPr>
-              <a:t> </a:t>
-            </a:r>
-            <a:r>
-              <a:rPr lang="en-US" dirty="0" err="1">
-                <a:ea typeface="+mn-lt"/>
-                <a:cs typeface="+mn-lt"/>
-              </a:rPr>
-              <a:t>встречается</a:t>
-            </a:r>
-            <a:r>
-              <a:rPr lang="en-US" dirty="0">
-                <a:ea typeface="+mn-lt"/>
-                <a:cs typeface="+mn-lt"/>
-              </a:rPr>
-              <a:t>.</a:t>
-            </a:r>
-            <a:endParaRPr lang="en-US">
-              <a:cs typeface="Calibri"/>
-            </a:endParaRPr>
-          </a:p>
-        </p:txBody>
-      </p:sp>
-    </p:spTree>
-    <p:extLst>
-      <p:ext uri="{BB962C8B-B14F-4D97-AF65-F5344CB8AC3E}">
-        <p14:creationId xmlns:p14="http://schemas.microsoft.com/office/powerpoint/2010/main" val="3918137496"/>
-      </p:ext>
-    </p:extLst>
-  </p:cSld>
-  <p:clrMapOvr>
-    <a:masterClrMapping/>
-  </p:clrMapOvr>
-</p:sld>
-</file>
-
-<file path=ppt/slides/slide18.xml><?xml version="1.0" encoding="utf-8"?>
-<p:sld xmlns:a="http://schemas.openxmlformats.org/drawingml/2006/main" xmlns:r="http://schemas.openxmlformats.org/officeDocument/2006/relationships" xmlns:p="http://schemas.openxmlformats.org/presentationml/2006/main">
-  <p:cSld>
-    <p:spTree>
-      <p:nvGrpSpPr>
-        <p:cNvPr id="1" name=""/>
-        <p:cNvGrpSpPr/>
-        <p:nvPr/>
-      </p:nvGrpSpPr>
-      <p:grpSpPr>
-        <a:xfrm>
-          <a:off x="0" y="0"/>
-          <a:ext cx="0" cy="0"/>
-          <a:chOff x="0" y="0"/>
-          <a:chExt cx="0" cy="0"/>
-        </a:xfrm>
-      </p:grpSpPr>
-      <p:sp>
-        <p:nvSpPr>
-          <p:cNvPr id="3" name="Прямоугольник 4">
-            <a:extLst>
-              <a:ext uri="{FF2B5EF4-FFF2-40B4-BE49-F238E27FC236}">
-                <a16:creationId xmlns:a16="http://schemas.microsoft.com/office/drawing/2014/main" id="{E64FC7F2-593A-4EB0-AE61-F33B5533A5A5}"/>
-              </a:ext>
-            </a:extLst>
-          </p:cNvPr>
-          <p:cNvSpPr/>
-          <p:nvPr/>
-        </p:nvSpPr>
-        <p:spPr>
-          <a:xfrm>
-            <a:off x="569167" y="242596"/>
-            <a:ext cx="11150082" cy="811763"/>
-          </a:xfrm>
-          <a:prstGeom prst="rect">
-            <a:avLst/>
-          </a:prstGeom>
-        </p:spPr>
-        <p:style>
-          <a:lnRef idx="2">
-            <a:schemeClr val="accent1">
-              <a:shade val="50000"/>
-            </a:schemeClr>
-          </a:lnRef>
-          <a:fillRef idx="1">
-            <a:schemeClr val="accent1"/>
-          </a:fillRef>
-          <a:effectRef idx="0">
-            <a:schemeClr val="accent1"/>
-          </a:effectRef>
-          <a:fontRef idx="minor">
-            <a:schemeClr val="lt1"/>
-          </a:fontRef>
-        </p:style>
-        <p:txBody>
-          <a:bodyPr lIns="91440" tIns="45720" rIns="91440" bIns="45720" rtlCol="0" anchor="ctr"/>
-          <a:lstStyle/>
-          <a:p>
-            <a:pPr algn="ctr"/>
-            <a:r>
-              <a:rPr lang="ru-RU" sz="3200" b="1" dirty="0">
-                <a:ln w="12700" cmpd="sng">
-                  <a:solidFill>
-                    <a:srgbClr val="FFC000"/>
-                  </a:solidFill>
-                  <a:prstDash val="solid"/>
-                </a:ln>
-                <a:solidFill>
-                  <a:srgbClr val="FFC000"/>
-                </a:solidFill>
-                <a:ea typeface="+mn-lt"/>
-                <a:cs typeface="+mn-lt"/>
-              </a:rPr>
-              <a:t>Работа с множествами</a:t>
-            </a:r>
-            <a:endParaRPr lang="ru-RU" sz="3200" b="1" dirty="0">
-              <a:ln w="12700" cmpd="sng">
-                <a:solidFill>
-                  <a:srgbClr val="FFC000"/>
-                </a:solidFill>
-                <a:prstDash val="solid"/>
-              </a:ln>
-              <a:solidFill>
-                <a:srgbClr val="FFC000"/>
-              </a:solidFill>
-              <a:cs typeface="Calibri"/>
-            </a:endParaRPr>
-          </a:p>
-        </p:txBody>
-      </p:sp>
-      <p:pic>
-        <p:nvPicPr>
-          <p:cNvPr id="4" name="Picture 4">
-            <a:extLst>
-              <a:ext uri="{FF2B5EF4-FFF2-40B4-BE49-F238E27FC236}">
-                <a16:creationId xmlns:a16="http://schemas.microsoft.com/office/drawing/2014/main" id="{CC597184-A3B4-4265-A83B-7BBABD2279BA}"/>
-              </a:ext>
-            </a:extLst>
-          </p:cNvPr>
-          <p:cNvPicPr>
-            <a:picLocks noChangeAspect="1"/>
-          </p:cNvPicPr>
-          <p:nvPr/>
-        </p:nvPicPr>
-        <p:blipFill>
-          <a:blip r:embed="rId2"/>
-          <a:stretch>
-            <a:fillRect/>
-          </a:stretch>
-        </p:blipFill>
-        <p:spPr>
-          <a:xfrm>
-            <a:off x="1246554" y="1533082"/>
-            <a:ext cx="4716584" cy="4690607"/>
-          </a:xfrm>
-          <a:prstGeom prst="rect">
-            <a:avLst/>
-          </a:prstGeom>
-        </p:spPr>
-      </p:pic>
-      <p:pic>
-        <p:nvPicPr>
-          <p:cNvPr id="5" name="Picture 5">
-            <a:extLst>
-              <a:ext uri="{FF2B5EF4-FFF2-40B4-BE49-F238E27FC236}">
-                <a16:creationId xmlns:a16="http://schemas.microsoft.com/office/drawing/2014/main" id="{AA280039-002D-4EA2-AF81-78A2F449F655}"/>
-              </a:ext>
-            </a:extLst>
-          </p:cNvPr>
-          <p:cNvPicPr>
-            <a:picLocks noChangeAspect="1"/>
-          </p:cNvPicPr>
-          <p:nvPr/>
-        </p:nvPicPr>
-        <p:blipFill>
-          <a:blip r:embed="rId3"/>
-          <a:stretch>
-            <a:fillRect/>
-          </a:stretch>
-        </p:blipFill>
-        <p:spPr>
-          <a:xfrm>
-            <a:off x="6873630" y="2341567"/>
-            <a:ext cx="3895969" cy="1090480"/>
-          </a:xfrm>
-          <a:prstGeom prst="rect">
-            <a:avLst/>
-          </a:prstGeom>
-        </p:spPr>
-      </p:pic>
-      <p:sp>
-        <p:nvSpPr>
-          <p:cNvPr id="7" name="TextBox 6">
-            <a:extLst>
-              <a:ext uri="{FF2B5EF4-FFF2-40B4-BE49-F238E27FC236}">
-                <a16:creationId xmlns:a16="http://schemas.microsoft.com/office/drawing/2014/main" id="{76C01B13-4943-4515-88AF-D56FBE6FC0FA}"/>
-              </a:ext>
-            </a:extLst>
-          </p:cNvPr>
-          <p:cNvSpPr txBox="1"/>
-          <p:nvPr/>
-        </p:nvSpPr>
-        <p:spPr>
-          <a:xfrm>
-            <a:off x="6473091" y="1627553"/>
-            <a:ext cx="2743199" cy="369332"/>
-          </a:xfrm>
-          <a:prstGeom prst="rect">
-            <a:avLst/>
-          </a:prstGeom>
-          <a:noFill/>
-        </p:spPr>
-        <p:txBody>
-          <a:bodyPr rot="0" spcFirstLastPara="0" vertOverflow="overflow" horzOverflow="overflow" vert="horz" wrap="square" lIns="91440" tIns="45720" rIns="91440" bIns="45720" numCol="1" spcCol="0" rtlCol="0" fromWordArt="0" anchor="t" anchorCtr="0" forceAA="0" compatLnSpc="1">
-            <a:prstTxWarp prst="textNoShape">
-              <a:avLst/>
-            </a:prstTxWarp>
-            <a:spAutoFit/>
-          </a:bodyPr>
-          <a:lstStyle/>
-          <a:p>
-            <a:pPr algn="l"/>
-            <a:r>
-              <a:rPr lang="en-US" dirty="0" err="1"/>
-              <a:t>Вывод</a:t>
-            </a:r>
-            <a:r>
-              <a:rPr lang="en-US" dirty="0"/>
-              <a:t>:</a:t>
-            </a:r>
-          </a:p>
-        </p:txBody>
-      </p:sp>
-    </p:spTree>
-    <p:extLst>
-      <p:ext uri="{BB962C8B-B14F-4D97-AF65-F5344CB8AC3E}">
-        <p14:creationId xmlns:p14="http://schemas.microsoft.com/office/powerpoint/2010/main" val="4188749105"/>
       </p:ext>
     </p:extLst>
   </p:cSld>
@@ -17532,7 +13690,7 @@
         </p:blipFill>
         <p:spPr>
           <a:xfrm>
-            <a:off x="1276814" y="1585332"/>
+            <a:off x="1285674" y="796751"/>
             <a:ext cx="4016297" cy="2683726"/>
           </a:xfrm>
           <a:prstGeom prst="rect">
@@ -17586,6 +13744,57 @@
             <a:endParaRPr lang="en-US" i="1" dirty="0">
               <a:cs typeface="Calibri"/>
             </a:endParaRPr>
+          </a:p>
+        </p:txBody>
+      </p:sp>
+      <p:sp>
+        <p:nvSpPr>
+          <p:cNvPr id="2" name="TextBox 1">
+            <a:extLst>
+              <a:ext uri="{FF2B5EF4-FFF2-40B4-BE49-F238E27FC236}">
+                <a16:creationId xmlns:a16="http://schemas.microsoft.com/office/drawing/2014/main" id="{99100169-AE6A-40B0-A616-3053299AF1CE}"/>
+              </a:ext>
+            </a:extLst>
+          </p:cNvPr>
+          <p:cNvSpPr txBox="1"/>
+          <p:nvPr/>
+        </p:nvSpPr>
+        <p:spPr>
+          <a:xfrm>
+            <a:off x="1915633" y="4015563"/>
+            <a:ext cx="2743200" cy="646331"/>
+          </a:xfrm>
+          <a:prstGeom prst="rect">
+            <a:avLst/>
+          </a:prstGeom>
+          <a:noFill/>
+        </p:spPr>
+        <p:txBody>
+          <a:bodyPr rot="0" spcFirstLastPara="0" vertOverflow="overflow" horzOverflow="overflow" vert="horz" wrap="square" lIns="91440" tIns="45720" rIns="91440" bIns="45720" numCol="1" spcCol="0" rtlCol="0" fromWordArt="0" anchor="t" anchorCtr="0" forceAA="0" compatLnSpc="1">
+            <a:prstTxWarp prst="textNoShape">
+              <a:avLst/>
+            </a:prstTxWarp>
+            <a:spAutoFit/>
+          </a:bodyPr>
+          <a:lstStyle/>
+          <a:p>
+            <a:r>
+              <a:rPr lang="en-US" i="1" dirty="0">
+                <a:cs typeface="Calibri"/>
+              </a:rPr>
+              <a:t>d = {key1: value1, </a:t>
+            </a:r>
+            <a:endParaRPr lang="en-US" i="1">
+              <a:cs typeface="Calibri"/>
+            </a:endParaRPr>
+          </a:p>
+          <a:p>
+            <a:r>
+              <a:rPr lang="en-US" i="1" dirty="0">
+                <a:cs typeface="Calibri"/>
+              </a:rPr>
+              <a:t>        key2: value2}</a:t>
+            </a:r>
           </a:p>
         </p:txBody>
       </p:sp>
@@ -20188,7 +16397,7 @@
                 <a:ea typeface="+mn-lt"/>
                 <a:cs typeface="+mn-lt"/>
               </a:rPr>
-              <a:t> other</a:t>
+              <a:t> other?</a:t>
             </a:r>
             <a:endParaRPr lang="en-US" dirty="0"/>
           </a:p>
@@ -20385,41 +16594,22 @@
           <a:lstStyle/>
           <a:p>
             <a:r>
-              <a:rPr lang="en-US" dirty="0">
+              <a:rPr lang="az-Cyrl-AZ">
+                <a:latin typeface="Calibri"/>
+              </a:rPr>
+              <a:t>- Объединение нескольких множеств</a:t>
+            </a:r>
+            <a:r>
+              <a:rPr lang="az-Cyrl-AZ">
+                <a:latin typeface="Calibri"/>
+                <a:ea typeface="Calibri"/>
                 <a:cs typeface="Calibri"/>
               </a:rPr>
-              <a:t>- </a:t>
-            </a:r>
-            <a:r>
-              <a:rPr lang="en-US" dirty="0" err="1">
-                <a:cs typeface="Calibri"/>
-              </a:rPr>
-              <a:t>Пересечение</a:t>
-            </a:r>
-            <a:r>
-              <a:rPr lang="en-US" dirty="0">
-                <a:cs typeface="Calibri"/>
-              </a:rPr>
-              <a:t> </a:t>
-            </a:r>
-            <a:r>
-              <a:rPr lang="en-US" dirty="0" err="1">
-                <a:cs typeface="Calibri"/>
-              </a:rPr>
-              <a:t>нескольких</a:t>
-            </a:r>
-            <a:r>
-              <a:rPr lang="en-US" dirty="0">
-                <a:cs typeface="Calibri"/>
-              </a:rPr>
-              <a:t> </a:t>
-            </a:r>
-            <a:r>
-              <a:rPr lang="en-US" dirty="0" err="1">
-                <a:cs typeface="Calibri"/>
-              </a:rPr>
-              <a:t>множеств</a:t>
-            </a:r>
+              <a:t>​</a:t>
+            </a:r>
+            <a:endParaRPr lang="en-US">
+              <a:cs typeface="Calibri"/>
+            </a:endParaRPr>
           </a:p>
         </p:txBody>
       </p:sp>
@@ -20593,8 +16783,8 @@
         </p:nvSpPr>
         <p:spPr>
           <a:xfrm>
-            <a:off x="8218448" y="4073912"/>
-            <a:ext cx="3607419" cy="369332"/>
+            <a:off x="8236168" y="4073912"/>
+            <a:ext cx="3828931" cy="646331"/>
           </a:xfrm>
           <a:prstGeom prst="rect">
             <a:avLst/>
@@ -20614,57 +16804,56 @@
               <a:rPr lang="en-US" dirty="0">
                 <a:cs typeface="Calibri"/>
               </a:rPr>
-              <a:t>- </a:t>
+              <a:t>-</a:t>
+            </a:r>
+            <a:r>
+              <a:rPr lang="en-US" dirty="0">
+                <a:ea typeface="+mn-lt"/>
+                <a:cs typeface="+mn-lt"/>
+              </a:rPr>
+              <a:t> </a:t>
             </a:r>
             <a:r>
               <a:rPr lang="en-US" dirty="0" err="1">
                 <a:ea typeface="+mn-lt"/>
                 <a:cs typeface="+mn-lt"/>
               </a:rPr>
-              <a:t>Возвращает</a:t>
+              <a:t>Пересечение</a:t>
             </a:r>
             <a:r>
               <a:rPr lang="en-US" dirty="0">
                 <a:ea typeface="+mn-lt"/>
                 <a:cs typeface="+mn-lt"/>
               </a:rPr>
-              <a:t> </a:t>
+              <a:t> </a:t>
             </a:r>
             <a:r>
               <a:rPr lang="en-US" dirty="0" err="1">
                 <a:ea typeface="+mn-lt"/>
                 <a:cs typeface="+mn-lt"/>
               </a:rPr>
-              <a:t>значения</a:t>
+              <a:t>нескольких</a:t>
             </a:r>
             <a:r>
               <a:rPr lang="en-US" dirty="0">
                 <a:ea typeface="+mn-lt"/>
                 <a:cs typeface="+mn-lt"/>
               </a:rPr>
-              <a:t> </a:t>
+              <a:t> </a:t>
             </a:r>
             <a:r>
               <a:rPr lang="en-US" dirty="0" err="1">
                 <a:ea typeface="+mn-lt"/>
                 <a:cs typeface="+mn-lt"/>
               </a:rPr>
-              <a:t>из</a:t>
-            </a:r>
-            <a:r>
-              <a:rPr lang="en-US" dirty="0">
-                <a:ea typeface="+mn-lt"/>
-                <a:cs typeface="+mn-lt"/>
-              </a:rPr>
-              <a:t> </a:t>
-            </a:r>
-            <a:r>
-              <a:rPr lang="en-US" dirty="0" err="1">
-                <a:ea typeface="+mn-lt"/>
-                <a:cs typeface="+mn-lt"/>
-              </a:rPr>
-              <a:t>словаря</a:t>
-            </a:r>
+              <a:t>множеств</a:t>
+            </a:r>
+          </a:p>
+          <a:p>
+            <a:endParaRPr lang="en-US" dirty="0">
+              <a:ea typeface="+mn-lt"/>
+              <a:cs typeface="+mn-lt"/>
+            </a:endParaRPr>
           </a:p>
         </p:txBody>
       </p:sp>
@@ -21841,431 +18030,6 @@
 </p:sld>
 </file>
 
-<file path=ppt/slides/slide9.xml><?xml version="1.0" encoding="utf-8"?>
-<p:sld xmlns:a="http://schemas.openxmlformats.org/drawingml/2006/main" xmlns:r="http://schemas.openxmlformats.org/officeDocument/2006/relationships" xmlns:p="http://schemas.openxmlformats.org/presentationml/2006/main">
-  <p:cSld>
-    <p:spTree>
-      <p:nvGrpSpPr>
-        <p:cNvPr id="1" name=""/>
-        <p:cNvGrpSpPr/>
-        <p:nvPr/>
-      </p:nvGrpSpPr>
-      <p:grpSpPr>
-        <a:xfrm>
-          <a:off x="0" y="0"/>
-          <a:ext cx="0" cy="0"/>
-          <a:chOff x="0" y="0"/>
-          <a:chExt cx="0" cy="0"/>
-        </a:xfrm>
-      </p:grpSpPr>
-      <p:sp>
-        <p:nvSpPr>
-          <p:cNvPr id="3" name="Прямоугольник 4">
-            <a:extLst>
-              <a:ext uri="{FF2B5EF4-FFF2-40B4-BE49-F238E27FC236}">
-                <a16:creationId xmlns:a16="http://schemas.microsoft.com/office/drawing/2014/main" id="{9EFBF64F-9720-49DD-BA71-D5940ABDAD2F}"/>
-              </a:ext>
-            </a:extLst>
-          </p:cNvPr>
-          <p:cNvSpPr/>
-          <p:nvPr/>
-        </p:nvSpPr>
-        <p:spPr>
-          <a:xfrm>
-            <a:off x="569167" y="242596"/>
-            <a:ext cx="11150082" cy="811763"/>
-          </a:xfrm>
-          <a:prstGeom prst="rect">
-            <a:avLst/>
-          </a:prstGeom>
-        </p:spPr>
-        <p:style>
-          <a:lnRef idx="2">
-            <a:schemeClr val="accent1">
-              <a:shade val="50000"/>
-            </a:schemeClr>
-          </a:lnRef>
-          <a:fillRef idx="1">
-            <a:schemeClr val="accent1"/>
-          </a:fillRef>
-          <a:effectRef idx="0">
-            <a:schemeClr val="accent1"/>
-          </a:effectRef>
-          <a:fontRef idx="minor">
-            <a:schemeClr val="lt1"/>
-          </a:fontRef>
-        </p:style>
-        <p:txBody>
-          <a:bodyPr lIns="91440" tIns="45720" rIns="91440" bIns="45720" rtlCol="0" anchor="ctr"/>
-          <a:lstStyle/>
-          <a:p>
-            <a:pPr algn="ctr"/>
-            <a:r>
-              <a:rPr lang="ru-RU" sz="3200" b="1" dirty="0">
-                <a:ln w="12700" cmpd="sng">
-                  <a:solidFill>
-                    <a:srgbClr val="FFC000"/>
-                  </a:solidFill>
-                  <a:prstDash val="solid"/>
-                </a:ln>
-                <a:solidFill>
-                  <a:srgbClr val="FFC000"/>
-                </a:solidFill>
-                <a:ea typeface="+mn-lt"/>
-                <a:cs typeface="+mn-lt"/>
-              </a:rPr>
-              <a:t>Последовательности</a:t>
-            </a:r>
-            <a:endParaRPr lang="en-US" dirty="0"/>
-          </a:p>
-        </p:txBody>
-      </p:sp>
-      <p:pic>
-        <p:nvPicPr>
-          <p:cNvPr id="4" name="Picture 4">
-            <a:extLst>
-              <a:ext uri="{FF2B5EF4-FFF2-40B4-BE49-F238E27FC236}">
-                <a16:creationId xmlns:a16="http://schemas.microsoft.com/office/drawing/2014/main" id="{186976F7-CE8D-4266-97C7-16878D203E24}"/>
-              </a:ext>
-            </a:extLst>
-          </p:cNvPr>
-          <p:cNvPicPr>
-            <a:picLocks noChangeAspect="1"/>
-          </p:cNvPicPr>
-          <p:nvPr/>
-        </p:nvPicPr>
-        <p:blipFill>
-          <a:blip r:embed="rId2"/>
-          <a:stretch>
-            <a:fillRect/>
-          </a:stretch>
-        </p:blipFill>
-        <p:spPr>
-          <a:xfrm>
-            <a:off x="3640015" y="1444987"/>
-            <a:ext cx="5439506" cy="3587024"/>
-          </a:xfrm>
-          <a:prstGeom prst="rect">
-            <a:avLst/>
-          </a:prstGeom>
-        </p:spPr>
-      </p:pic>
-      <p:sp>
-        <p:nvSpPr>
-          <p:cNvPr id="5" name="Rectangle: Rounded Corners 4">
-            <a:extLst>
-              <a:ext uri="{FF2B5EF4-FFF2-40B4-BE49-F238E27FC236}">
-                <a16:creationId xmlns:a16="http://schemas.microsoft.com/office/drawing/2014/main" id="{FB53039F-7F97-4FC8-8621-5928458323A8}"/>
-              </a:ext>
-            </a:extLst>
-          </p:cNvPr>
-          <p:cNvSpPr/>
-          <p:nvPr/>
-        </p:nvSpPr>
-        <p:spPr>
-          <a:xfrm>
-            <a:off x="1477107" y="5375030"/>
-            <a:ext cx="10169768" cy="1309076"/>
-          </a:xfrm>
-          <a:prstGeom prst="roundRect">
-            <a:avLst/>
-          </a:prstGeom>
-        </p:spPr>
-        <p:style>
-          <a:lnRef idx="2">
-            <a:schemeClr val="accent1">
-              <a:shade val="50000"/>
-            </a:schemeClr>
-          </a:lnRef>
-          <a:fillRef idx="1">
-            <a:schemeClr val="accent1"/>
-          </a:fillRef>
-          <a:effectRef idx="0">
-            <a:schemeClr val="accent1"/>
-          </a:effectRef>
-          <a:fontRef idx="minor">
-            <a:schemeClr val="lt1"/>
-          </a:fontRef>
-        </p:style>
-        <p:txBody>
-          <a:bodyPr rtlCol="0" anchor="ctr"/>
-          <a:lstStyle/>
-          <a:p>
-            <a:pPr algn="ctr"/>
-            <a:r>
-              <a:rPr lang="en-US" dirty="0" err="1">
-                <a:ea typeface="+mn-lt"/>
-                <a:cs typeface="+mn-lt"/>
-              </a:rPr>
-              <a:t>Основные</a:t>
-            </a:r>
-            <a:r>
-              <a:rPr lang="en-US" dirty="0">
-                <a:ea typeface="+mn-lt"/>
-                <a:cs typeface="+mn-lt"/>
-              </a:rPr>
-              <a:t> </a:t>
-            </a:r>
-            <a:r>
-              <a:rPr lang="en-US" dirty="0" err="1">
-                <a:ea typeface="+mn-lt"/>
-                <a:cs typeface="+mn-lt"/>
-              </a:rPr>
-              <a:t>возможности</a:t>
-            </a:r>
-            <a:r>
-              <a:rPr lang="en-US" dirty="0">
-                <a:ea typeface="+mn-lt"/>
-                <a:cs typeface="+mn-lt"/>
-              </a:rPr>
-              <a:t> – </a:t>
-            </a:r>
-            <a:r>
-              <a:rPr lang="en-US" dirty="0" err="1">
-                <a:ea typeface="+mn-lt"/>
-                <a:cs typeface="+mn-lt"/>
-              </a:rPr>
-              <a:t>это</a:t>
-            </a:r>
-            <a:r>
-              <a:rPr lang="en-US" dirty="0">
-                <a:ea typeface="+mn-lt"/>
-                <a:cs typeface="+mn-lt"/>
-              </a:rPr>
-              <a:t> </a:t>
-            </a:r>
-            <a:r>
-              <a:rPr lang="en-US" dirty="0" err="1">
-                <a:solidFill>
-                  <a:schemeClr val="accent4"/>
-                </a:solidFill>
-                <a:ea typeface="+mn-lt"/>
-                <a:cs typeface="+mn-lt"/>
-              </a:rPr>
-              <a:t>проверка</a:t>
-            </a:r>
-            <a:r>
-              <a:rPr lang="en-US" dirty="0">
-                <a:solidFill>
-                  <a:schemeClr val="accent4"/>
-                </a:solidFill>
-                <a:ea typeface="+mn-lt"/>
-                <a:cs typeface="+mn-lt"/>
-              </a:rPr>
-              <a:t> </a:t>
-            </a:r>
-            <a:r>
-              <a:rPr lang="en-US" dirty="0" err="1">
-                <a:solidFill>
-                  <a:schemeClr val="accent4"/>
-                </a:solidFill>
-                <a:ea typeface="+mn-lt"/>
-                <a:cs typeface="+mn-lt"/>
-              </a:rPr>
-              <a:t>принадлежности</a:t>
-            </a:r>
-            <a:r>
-              <a:rPr lang="en-US" dirty="0">
-                <a:ea typeface="+mn-lt"/>
-                <a:cs typeface="+mn-lt"/>
-              </a:rPr>
-              <a:t> (</a:t>
-            </a:r>
-            <a:r>
-              <a:rPr lang="en-US" dirty="0" err="1">
-                <a:ea typeface="+mn-lt"/>
-                <a:cs typeface="+mn-lt"/>
-              </a:rPr>
-              <a:t>т.е</a:t>
-            </a:r>
-            <a:r>
-              <a:rPr lang="en-US" dirty="0">
-                <a:ea typeface="+mn-lt"/>
-                <a:cs typeface="+mn-lt"/>
-              </a:rPr>
-              <a:t>. </a:t>
-            </a:r>
-            <a:r>
-              <a:rPr lang="en-US" dirty="0" err="1">
-                <a:ea typeface="+mn-lt"/>
-                <a:cs typeface="+mn-lt"/>
-              </a:rPr>
-              <a:t>выражения</a:t>
-            </a:r>
-            <a:r>
-              <a:rPr lang="en-US" dirty="0">
-                <a:ea typeface="+mn-lt"/>
-                <a:cs typeface="+mn-lt"/>
-              </a:rPr>
-              <a:t> « in » и « not</a:t>
-            </a:r>
-            <a:endParaRPr lang="en-US" dirty="0"/>
-          </a:p>
-          <a:p>
-            <a:pPr algn="ctr"/>
-            <a:r>
-              <a:rPr lang="en-US" dirty="0">
-                <a:ea typeface="+mn-lt"/>
-                <a:cs typeface="+mn-lt"/>
-              </a:rPr>
-              <a:t>in ») и </a:t>
-            </a:r>
-            <a:r>
-              <a:rPr lang="en-US" dirty="0" err="1">
-                <a:solidFill>
-                  <a:schemeClr val="accent4"/>
-                </a:solidFill>
-                <a:ea typeface="+mn-lt"/>
-                <a:cs typeface="+mn-lt"/>
-              </a:rPr>
-              <a:t>оператор</a:t>
-            </a:r>
-            <a:r>
-              <a:rPr lang="en-US" dirty="0">
-                <a:solidFill>
-                  <a:schemeClr val="accent4"/>
-                </a:solidFill>
-                <a:ea typeface="+mn-lt"/>
-                <a:cs typeface="+mn-lt"/>
-              </a:rPr>
-              <a:t> </a:t>
-            </a:r>
-            <a:r>
-              <a:rPr lang="en-US" dirty="0" err="1">
-                <a:solidFill>
-                  <a:schemeClr val="accent4"/>
-                </a:solidFill>
-                <a:ea typeface="+mn-lt"/>
-                <a:cs typeface="+mn-lt"/>
-              </a:rPr>
-              <a:t>индексирования</a:t>
-            </a:r>
-            <a:r>
-              <a:rPr lang="en-US" dirty="0">
-                <a:ea typeface="+mn-lt"/>
-                <a:cs typeface="+mn-lt"/>
-              </a:rPr>
-              <a:t>, </a:t>
-            </a:r>
-            <a:r>
-              <a:rPr lang="en-US" dirty="0" err="1">
-                <a:ea typeface="+mn-lt"/>
-                <a:cs typeface="+mn-lt"/>
-              </a:rPr>
-              <a:t>позволяющий</a:t>
-            </a:r>
-            <a:r>
-              <a:rPr lang="en-US" dirty="0">
-                <a:ea typeface="+mn-lt"/>
-                <a:cs typeface="+mn-lt"/>
-              </a:rPr>
-              <a:t> </a:t>
-            </a:r>
-            <a:r>
-              <a:rPr lang="en-US" dirty="0" err="1">
-                <a:ea typeface="+mn-lt"/>
-                <a:cs typeface="+mn-lt"/>
-              </a:rPr>
-              <a:t>получить</a:t>
-            </a:r>
-            <a:r>
-              <a:rPr lang="en-US" dirty="0">
-                <a:ea typeface="+mn-lt"/>
-                <a:cs typeface="+mn-lt"/>
-              </a:rPr>
-              <a:t> </a:t>
-            </a:r>
-            <a:r>
-              <a:rPr lang="en-US" dirty="0" err="1">
-                <a:ea typeface="+mn-lt"/>
-                <a:cs typeface="+mn-lt"/>
-              </a:rPr>
-              <a:t>напрямую</a:t>
-            </a:r>
-            <a:r>
-              <a:rPr lang="en-US" dirty="0">
-                <a:ea typeface="+mn-lt"/>
-                <a:cs typeface="+mn-lt"/>
-              </a:rPr>
-              <a:t> </a:t>
-            </a:r>
-            <a:r>
-              <a:rPr lang="en-US" dirty="0" err="1">
-                <a:ea typeface="+mn-lt"/>
-                <a:cs typeface="+mn-lt"/>
-              </a:rPr>
-              <a:t>некоторый</a:t>
-            </a:r>
-            <a:r>
-              <a:rPr lang="en-US" dirty="0">
-                <a:ea typeface="+mn-lt"/>
-                <a:cs typeface="+mn-lt"/>
-              </a:rPr>
-              <a:t> </a:t>
-            </a:r>
-            <a:r>
-              <a:rPr lang="en-US" dirty="0" err="1">
-                <a:ea typeface="+mn-lt"/>
-                <a:cs typeface="+mn-lt"/>
-              </a:rPr>
-              <a:t>эле</a:t>
-            </a:r>
-            <a:r>
-              <a:rPr lang="en-US" dirty="0">
-                <a:ea typeface="+mn-lt"/>
-                <a:cs typeface="+mn-lt"/>
-              </a:rPr>
-              <a:t>-</a:t>
-            </a:r>
-            <a:endParaRPr lang="en-US" dirty="0"/>
-          </a:p>
-          <a:p>
-            <a:pPr algn="ctr"/>
-            <a:r>
-              <a:rPr lang="en-US" dirty="0" err="1">
-                <a:ea typeface="+mn-lt"/>
-                <a:cs typeface="+mn-lt"/>
-              </a:rPr>
-              <a:t>мент</a:t>
-            </a:r>
-            <a:r>
-              <a:rPr lang="en-US" dirty="0">
-                <a:ea typeface="+mn-lt"/>
-                <a:cs typeface="+mn-lt"/>
-              </a:rPr>
-              <a:t> </a:t>
-            </a:r>
-            <a:r>
-              <a:rPr lang="en-US" dirty="0" err="1">
-                <a:ea typeface="+mn-lt"/>
-                <a:cs typeface="+mn-lt"/>
-              </a:rPr>
-              <a:t>последовательности</a:t>
-            </a:r>
-            <a:r>
-              <a:rPr lang="en-US" dirty="0">
-                <a:ea typeface="+mn-lt"/>
-                <a:cs typeface="+mn-lt"/>
-              </a:rPr>
-              <a:t>.</a:t>
-            </a:r>
-            <a:endParaRPr lang="en-US" dirty="0"/>
-          </a:p>
-        </p:txBody>
-      </p:sp>
-    </p:spTree>
-    <p:extLst>
-      <p:ext uri="{BB962C8B-B14F-4D97-AF65-F5344CB8AC3E}">
-        <p14:creationId xmlns:p14="http://schemas.microsoft.com/office/powerpoint/2010/main" val="2647661894"/>
-      </p:ext>
-    </p:extLst>
-  </p:cSld>
-  <p:clrMapOvr>
-    <a:masterClrMapping/>
-  </p:clrMapOvr>
-</p:sld>
-</file>
-
 <file path=ppt/theme/theme1.xml><?xml version="1.0" encoding="utf-8"?>
 <a:theme xmlns:a="http://schemas.openxmlformats.org/drawingml/2006/main" name="Тема Office">
   <a:themeElements>
